--- a/ref/YouroQNet.pptx
+++ b/ref/YouroQNet.pptx
@@ -5,28 +5,34 @@
     <p:sldMasterId id="2147483648" r:id="rId1"/>
   </p:sldMasterIdLst>
   <p:notesMasterIdLst>
-    <p:notesMasterId r:id="rId21"/>
+    <p:notesMasterId r:id="rId27"/>
   </p:notesMasterIdLst>
   <p:sldIdLst>
     <p:sldId id="256" r:id="rId2"/>
     <p:sldId id="261" r:id="rId3"/>
     <p:sldId id="257" r:id="rId4"/>
-    <p:sldId id="259" r:id="rId5"/>
-    <p:sldId id="274" r:id="rId6"/>
-    <p:sldId id="270" r:id="rId7"/>
-    <p:sldId id="260" r:id="rId8"/>
-    <p:sldId id="269" r:id="rId9"/>
-    <p:sldId id="264" r:id="rId10"/>
-    <p:sldId id="262" r:id="rId11"/>
-    <p:sldId id="266" r:id="rId12"/>
-    <p:sldId id="263" r:id="rId13"/>
-    <p:sldId id="265" r:id="rId14"/>
-    <p:sldId id="271" r:id="rId15"/>
-    <p:sldId id="272" r:id="rId16"/>
-    <p:sldId id="273" r:id="rId17"/>
+    <p:sldId id="281" r:id="rId5"/>
+    <p:sldId id="259" r:id="rId6"/>
+    <p:sldId id="274" r:id="rId7"/>
+    <p:sldId id="270" r:id="rId8"/>
+    <p:sldId id="277" r:id="rId9"/>
+    <p:sldId id="260" r:id="rId10"/>
+    <p:sldId id="269" r:id="rId11"/>
+    <p:sldId id="264" r:id="rId12"/>
+    <p:sldId id="262" r:id="rId13"/>
+    <p:sldId id="266" r:id="rId14"/>
+    <p:sldId id="263" r:id="rId15"/>
+    <p:sldId id="265" r:id="rId16"/>
+    <p:sldId id="271" r:id="rId17"/>
     <p:sldId id="275" r:id="rId18"/>
     <p:sldId id="276" r:id="rId19"/>
-    <p:sldId id="268" r:id="rId20"/>
+    <p:sldId id="280" r:id="rId20"/>
+    <p:sldId id="285" r:id="rId21"/>
+    <p:sldId id="283" r:id="rId22"/>
+    <p:sldId id="284" r:id="rId23"/>
+    <p:sldId id="287" r:id="rId24"/>
+    <p:sldId id="278" r:id="rId25"/>
+    <p:sldId id="268" r:id="rId26"/>
   </p:sldIdLst>
   <p:sldSz cx="12192000" cy="6858000"/>
   <p:notesSz cx="6858000" cy="9144000"/>
@@ -126,6 +132,55 @@
     </a:lvl9pPr>
   </p:defaultTextStyle>
   <p:extLst>
+    <p:ext uri="{521415D9-36F7-43E2-AB2F-B90AF26B5E84}">
+      <p14:sectionLst xmlns:p14="http://schemas.microsoft.com/office/powerpoint/2010/main">
+        <p14:section name="Title" id="{FBE08CE5-49CF-44B0-9CC9-6B54E16D3154}">
+          <p14:sldIdLst>
+            <p14:sldId id="256"/>
+            <p14:sldId id="261"/>
+            <p14:sldId id="257"/>
+          </p14:sldIdLst>
+        </p14:section>
+        <p14:section name="Tokenizer" id="{8709F079-2759-4B05-BD6E-0D49DA9EC79D}">
+          <p14:sldIdLst>
+            <p14:sldId id="281"/>
+            <p14:sldId id="259"/>
+            <p14:sldId id="274"/>
+            <p14:sldId id="270"/>
+          </p14:sldIdLst>
+        </p14:section>
+        <p14:section name="YouroQNet" id="{21D138E0-6D57-4024-9B7D-6D76969D232F}">
+          <p14:sldIdLst>
+            <p14:sldId id="277"/>
+            <p14:sldId id="260"/>
+            <p14:sldId id="269"/>
+            <p14:sldId id="264"/>
+            <p14:sldId id="262"/>
+            <p14:sldId id="266"/>
+            <p14:sldId id="263"/>
+            <p14:sldId id="265"/>
+            <p14:sldId id="271"/>
+            <p14:sldId id="275"/>
+            <p14:sldId id="276"/>
+          </p14:sldIdLst>
+        </p14:section>
+        <p14:section name="Analysis" id="{7C20A90B-B264-4644-B4A4-7AE5BB615331}">
+          <p14:sldIdLst>
+            <p14:sldId id="280"/>
+            <p14:sldId id="285"/>
+            <p14:sldId id="283"/>
+            <p14:sldId id="284"/>
+            <p14:sldId id="287"/>
+          </p14:sldIdLst>
+        </p14:section>
+        <p14:section name="End" id="{93C58EF4-E457-47BA-9AE9-2893022A847C}">
+          <p14:sldIdLst>
+            <p14:sldId id="278"/>
+            <p14:sldId id="268"/>
+          </p14:sldIdLst>
+        </p14:section>
+      </p14:sectionLst>
+    </p:ext>
     <p:ext uri="{EFAFB233-063F-42B5-8137-9DF3F51BA10A}">
       <p15:sldGuideLst xmlns:p15="http://schemas.microsoft.com/office/powerpoint/2012/main"/>
     </p:ext>
@@ -215,7 +270,7 @@
           <a:p>
             <a:fld id="{B722DCC0-8930-4AFF-8B0A-1F2AA761D93C}" type="datetimeFigureOut">
               <a:rPr lang="zh-CN" altLang="en-US" smtClean="0"/>
-              <a:t>2023/5/26</a:t>
+              <a:t>2023/7/14</a:t>
             </a:fld>
             <a:endParaRPr lang="zh-CN" altLang="en-US"/>
           </a:p>
@@ -598,6 +653,643 @@
 </p:notes>
 </file>
 
+<file path=ppt/notesSlides/notesSlide10.xml><?xml version="1.0" encoding="utf-8"?>
+<p:notes xmlns:a="http://schemas.openxmlformats.org/drawingml/2006/main" xmlns:r="http://schemas.openxmlformats.org/officeDocument/2006/relationships" xmlns:p="http://schemas.openxmlformats.org/presentationml/2006/main">
+  <p:cSld>
+    <p:spTree>
+      <p:nvGrpSpPr>
+        <p:cNvPr id="1" name=""/>
+        <p:cNvGrpSpPr/>
+        <p:nvPr/>
+      </p:nvGrpSpPr>
+      <p:grpSpPr>
+        <a:xfrm>
+          <a:off x="0" y="0"/>
+          <a:ext cx="0" cy="0"/>
+          <a:chOff x="0" y="0"/>
+          <a:chExt cx="0" cy="0"/>
+        </a:xfrm>
+      </p:grpSpPr>
+      <p:sp>
+        <p:nvSpPr>
+          <p:cNvPr id="2" name="幻灯片图像占位符 1"/>
+          <p:cNvSpPr>
+            <a:spLocks noGrp="1" noRot="1" noChangeAspect="1"/>
+          </p:cNvSpPr>
+          <p:nvPr>
+            <p:ph type="sldImg"/>
+          </p:nvPr>
+        </p:nvSpPr>
+        <p:spPr/>
+      </p:sp>
+      <p:sp>
+        <p:nvSpPr>
+          <p:cNvPr id="3" name="备注占位符 2"/>
+          <p:cNvSpPr>
+            <a:spLocks noGrp="1"/>
+          </p:cNvSpPr>
+          <p:nvPr>
+            <p:ph type="body" idx="1"/>
+          </p:nvPr>
+        </p:nvSpPr>
+        <p:spPr/>
+        <p:txBody>
+          <a:bodyPr/>
+          <a:lstStyle/>
+          <a:p>
+            <a:endParaRPr lang="zh-CN" altLang="en-US" dirty="0"/>
+          </a:p>
+        </p:txBody>
+      </p:sp>
+      <p:sp>
+        <p:nvSpPr>
+          <p:cNvPr id="4" name="灯片编号占位符 3"/>
+          <p:cNvSpPr>
+            <a:spLocks noGrp="1"/>
+          </p:cNvSpPr>
+          <p:nvPr>
+            <p:ph type="sldNum" sz="quarter" idx="5"/>
+          </p:nvPr>
+        </p:nvSpPr>
+        <p:spPr/>
+        <p:txBody>
+          <a:bodyPr/>
+          <a:lstStyle/>
+          <a:p>
+            <a:fld id="{1341AF29-F449-4C00-B8D0-069BF778A54B}" type="slidenum">
+              <a:rPr lang="zh-CN" altLang="en-US" smtClean="0"/>
+              <a:t>17</a:t>
+            </a:fld>
+            <a:endParaRPr lang="zh-CN" altLang="en-US"/>
+          </a:p>
+        </p:txBody>
+      </p:sp>
+    </p:spTree>
+    <p:extLst>
+      <p:ext uri="{BB962C8B-B14F-4D97-AF65-F5344CB8AC3E}">
+        <p14:creationId xmlns:p14="http://schemas.microsoft.com/office/powerpoint/2010/main" val="2619740258"/>
+      </p:ext>
+    </p:extLst>
+  </p:cSld>
+  <p:clrMapOvr>
+    <a:masterClrMapping/>
+  </p:clrMapOvr>
+</p:notes>
+</file>
+
+<file path=ppt/notesSlides/notesSlide11.xml><?xml version="1.0" encoding="utf-8"?>
+<p:notes xmlns:a="http://schemas.openxmlformats.org/drawingml/2006/main" xmlns:r="http://schemas.openxmlformats.org/officeDocument/2006/relationships" xmlns:p="http://schemas.openxmlformats.org/presentationml/2006/main">
+  <p:cSld>
+    <p:spTree>
+      <p:nvGrpSpPr>
+        <p:cNvPr id="1" name=""/>
+        <p:cNvGrpSpPr/>
+        <p:nvPr/>
+      </p:nvGrpSpPr>
+      <p:grpSpPr>
+        <a:xfrm>
+          <a:off x="0" y="0"/>
+          <a:ext cx="0" cy="0"/>
+          <a:chOff x="0" y="0"/>
+          <a:chExt cx="0" cy="0"/>
+        </a:xfrm>
+      </p:grpSpPr>
+      <p:sp>
+        <p:nvSpPr>
+          <p:cNvPr id="2" name="幻灯片图像占位符 1"/>
+          <p:cNvSpPr>
+            <a:spLocks noGrp="1" noRot="1" noChangeAspect="1"/>
+          </p:cNvSpPr>
+          <p:nvPr>
+            <p:ph type="sldImg"/>
+          </p:nvPr>
+        </p:nvSpPr>
+        <p:spPr/>
+      </p:sp>
+      <p:sp>
+        <p:nvSpPr>
+          <p:cNvPr id="3" name="备注占位符 2"/>
+          <p:cNvSpPr>
+            <a:spLocks noGrp="1"/>
+          </p:cNvSpPr>
+          <p:nvPr>
+            <p:ph type="body" idx="1"/>
+          </p:nvPr>
+        </p:nvSpPr>
+        <p:spPr/>
+        <p:txBody>
+          <a:bodyPr/>
+          <a:lstStyle/>
+          <a:p>
+            <a:endParaRPr lang="zh-CN" altLang="en-US" dirty="0"/>
+          </a:p>
+        </p:txBody>
+      </p:sp>
+      <p:sp>
+        <p:nvSpPr>
+          <p:cNvPr id="4" name="灯片编号占位符 3"/>
+          <p:cNvSpPr>
+            <a:spLocks noGrp="1"/>
+          </p:cNvSpPr>
+          <p:nvPr>
+            <p:ph type="sldNum" sz="quarter" idx="5"/>
+          </p:nvPr>
+        </p:nvSpPr>
+        <p:spPr/>
+        <p:txBody>
+          <a:bodyPr/>
+          <a:lstStyle/>
+          <a:p>
+            <a:fld id="{1341AF29-F449-4C00-B8D0-069BF778A54B}" type="slidenum">
+              <a:rPr lang="zh-CN" altLang="en-US" smtClean="0"/>
+              <a:t>18</a:t>
+            </a:fld>
+            <a:endParaRPr lang="zh-CN" altLang="en-US"/>
+          </a:p>
+        </p:txBody>
+      </p:sp>
+    </p:spTree>
+    <p:extLst>
+      <p:ext uri="{BB962C8B-B14F-4D97-AF65-F5344CB8AC3E}">
+        <p14:creationId xmlns:p14="http://schemas.microsoft.com/office/powerpoint/2010/main" val="322090537"/>
+      </p:ext>
+    </p:extLst>
+  </p:cSld>
+  <p:clrMapOvr>
+    <a:masterClrMapping/>
+  </p:clrMapOvr>
+</p:notes>
+</file>
+
+<file path=ppt/notesSlides/notesSlide12.xml><?xml version="1.0" encoding="utf-8"?>
+<p:notes xmlns:a="http://schemas.openxmlformats.org/drawingml/2006/main" xmlns:r="http://schemas.openxmlformats.org/officeDocument/2006/relationships" xmlns:p="http://schemas.openxmlformats.org/presentationml/2006/main">
+  <p:cSld>
+    <p:spTree>
+      <p:nvGrpSpPr>
+        <p:cNvPr id="1" name=""/>
+        <p:cNvGrpSpPr/>
+        <p:nvPr/>
+      </p:nvGrpSpPr>
+      <p:grpSpPr>
+        <a:xfrm>
+          <a:off x="0" y="0"/>
+          <a:ext cx="0" cy="0"/>
+          <a:chOff x="0" y="0"/>
+          <a:chExt cx="0" cy="0"/>
+        </a:xfrm>
+      </p:grpSpPr>
+      <p:sp>
+        <p:nvSpPr>
+          <p:cNvPr id="2" name="幻灯片图像占位符 1"/>
+          <p:cNvSpPr>
+            <a:spLocks noGrp="1" noRot="1" noChangeAspect="1"/>
+          </p:cNvSpPr>
+          <p:nvPr>
+            <p:ph type="sldImg"/>
+          </p:nvPr>
+        </p:nvSpPr>
+        <p:spPr/>
+      </p:sp>
+      <p:sp>
+        <p:nvSpPr>
+          <p:cNvPr id="3" name="备注占位符 2"/>
+          <p:cNvSpPr>
+            <a:spLocks noGrp="1"/>
+          </p:cNvSpPr>
+          <p:nvPr>
+            <p:ph type="body" idx="1"/>
+          </p:nvPr>
+        </p:nvSpPr>
+        <p:spPr/>
+        <p:txBody>
+          <a:bodyPr/>
+          <a:lstStyle/>
+          <a:p>
+            <a:endParaRPr lang="zh-CN" altLang="en-US" dirty="0"/>
+          </a:p>
+        </p:txBody>
+      </p:sp>
+      <p:sp>
+        <p:nvSpPr>
+          <p:cNvPr id="4" name="灯片编号占位符 3"/>
+          <p:cNvSpPr>
+            <a:spLocks noGrp="1"/>
+          </p:cNvSpPr>
+          <p:nvPr>
+            <p:ph type="sldNum" sz="quarter" idx="5"/>
+          </p:nvPr>
+        </p:nvSpPr>
+        <p:spPr/>
+        <p:txBody>
+          <a:bodyPr/>
+          <a:lstStyle/>
+          <a:p>
+            <a:fld id="{1341AF29-F449-4C00-B8D0-069BF778A54B}" type="slidenum">
+              <a:rPr lang="zh-CN" altLang="en-US" smtClean="0"/>
+              <a:t>19</a:t>
+            </a:fld>
+            <a:endParaRPr lang="zh-CN" altLang="en-US"/>
+          </a:p>
+        </p:txBody>
+      </p:sp>
+    </p:spTree>
+    <p:extLst>
+      <p:ext uri="{BB962C8B-B14F-4D97-AF65-F5344CB8AC3E}">
+        <p14:creationId xmlns:p14="http://schemas.microsoft.com/office/powerpoint/2010/main" val="3108597089"/>
+      </p:ext>
+    </p:extLst>
+  </p:cSld>
+  <p:clrMapOvr>
+    <a:masterClrMapping/>
+  </p:clrMapOvr>
+</p:notes>
+</file>
+
+<file path=ppt/notesSlides/notesSlide13.xml><?xml version="1.0" encoding="utf-8"?>
+<p:notes xmlns:a="http://schemas.openxmlformats.org/drawingml/2006/main" xmlns:r="http://schemas.openxmlformats.org/officeDocument/2006/relationships" xmlns:p="http://schemas.openxmlformats.org/presentationml/2006/main">
+  <p:cSld>
+    <p:spTree>
+      <p:nvGrpSpPr>
+        <p:cNvPr id="1" name=""/>
+        <p:cNvGrpSpPr/>
+        <p:nvPr/>
+      </p:nvGrpSpPr>
+      <p:grpSpPr>
+        <a:xfrm>
+          <a:off x="0" y="0"/>
+          <a:ext cx="0" cy="0"/>
+          <a:chOff x="0" y="0"/>
+          <a:chExt cx="0" cy="0"/>
+        </a:xfrm>
+      </p:grpSpPr>
+      <p:sp>
+        <p:nvSpPr>
+          <p:cNvPr id="2" name="幻灯片图像占位符 1"/>
+          <p:cNvSpPr>
+            <a:spLocks noGrp="1" noRot="1" noChangeAspect="1"/>
+          </p:cNvSpPr>
+          <p:nvPr>
+            <p:ph type="sldImg"/>
+          </p:nvPr>
+        </p:nvSpPr>
+        <p:spPr/>
+      </p:sp>
+      <p:sp>
+        <p:nvSpPr>
+          <p:cNvPr id="3" name="备注占位符 2"/>
+          <p:cNvSpPr>
+            <a:spLocks noGrp="1"/>
+          </p:cNvSpPr>
+          <p:nvPr>
+            <p:ph type="body" idx="1"/>
+          </p:nvPr>
+        </p:nvSpPr>
+        <p:spPr/>
+        <p:txBody>
+          <a:bodyPr/>
+          <a:lstStyle/>
+          <a:p>
+            <a:endParaRPr lang="zh-CN" altLang="en-US" dirty="0"/>
+          </a:p>
+        </p:txBody>
+      </p:sp>
+      <p:sp>
+        <p:nvSpPr>
+          <p:cNvPr id="4" name="灯片编号占位符 3"/>
+          <p:cNvSpPr>
+            <a:spLocks noGrp="1"/>
+          </p:cNvSpPr>
+          <p:nvPr>
+            <p:ph type="sldNum" sz="quarter" idx="5"/>
+          </p:nvPr>
+        </p:nvSpPr>
+        <p:spPr/>
+        <p:txBody>
+          <a:bodyPr/>
+          <a:lstStyle/>
+          <a:p>
+            <a:fld id="{1341AF29-F449-4C00-B8D0-069BF778A54B}" type="slidenum">
+              <a:rPr lang="zh-CN" altLang="en-US" smtClean="0"/>
+              <a:t>20</a:t>
+            </a:fld>
+            <a:endParaRPr lang="zh-CN" altLang="en-US"/>
+          </a:p>
+        </p:txBody>
+      </p:sp>
+    </p:spTree>
+    <p:extLst>
+      <p:ext uri="{BB962C8B-B14F-4D97-AF65-F5344CB8AC3E}">
+        <p14:creationId xmlns:p14="http://schemas.microsoft.com/office/powerpoint/2010/main" val="396661378"/>
+      </p:ext>
+    </p:extLst>
+  </p:cSld>
+  <p:clrMapOvr>
+    <a:masterClrMapping/>
+  </p:clrMapOvr>
+</p:notes>
+</file>
+
+<file path=ppt/notesSlides/notesSlide14.xml><?xml version="1.0" encoding="utf-8"?>
+<p:notes xmlns:a="http://schemas.openxmlformats.org/drawingml/2006/main" xmlns:r="http://schemas.openxmlformats.org/officeDocument/2006/relationships" xmlns:p="http://schemas.openxmlformats.org/presentationml/2006/main">
+  <p:cSld>
+    <p:spTree>
+      <p:nvGrpSpPr>
+        <p:cNvPr id="1" name=""/>
+        <p:cNvGrpSpPr/>
+        <p:nvPr/>
+      </p:nvGrpSpPr>
+      <p:grpSpPr>
+        <a:xfrm>
+          <a:off x="0" y="0"/>
+          <a:ext cx="0" cy="0"/>
+          <a:chOff x="0" y="0"/>
+          <a:chExt cx="0" cy="0"/>
+        </a:xfrm>
+      </p:grpSpPr>
+      <p:sp>
+        <p:nvSpPr>
+          <p:cNvPr id="2" name="幻灯片图像占位符 1"/>
+          <p:cNvSpPr>
+            <a:spLocks noGrp="1" noRot="1" noChangeAspect="1"/>
+          </p:cNvSpPr>
+          <p:nvPr>
+            <p:ph type="sldImg"/>
+          </p:nvPr>
+        </p:nvSpPr>
+        <p:spPr/>
+      </p:sp>
+      <p:sp>
+        <p:nvSpPr>
+          <p:cNvPr id="3" name="备注占位符 2"/>
+          <p:cNvSpPr>
+            <a:spLocks noGrp="1"/>
+          </p:cNvSpPr>
+          <p:nvPr>
+            <p:ph type="body" idx="1"/>
+          </p:nvPr>
+        </p:nvSpPr>
+        <p:spPr/>
+        <p:txBody>
+          <a:bodyPr/>
+          <a:lstStyle/>
+          <a:p>
+            <a:r>
+              <a:rPr lang="zh-CN" altLang="en-US" dirty="0"/>
+              <a:t>这种结构意义上，</a:t>
+            </a:r>
+            <a:r>
+              <a:rPr lang="en-US" altLang="zh-CN" dirty="0"/>
+              <a:t>QNN</a:t>
+            </a:r>
+            <a:r>
+              <a:rPr lang="zh-CN" altLang="en-US" dirty="0"/>
+              <a:t>的深度和宽度的方向，是否与经典</a:t>
+            </a:r>
+            <a:r>
+              <a:rPr lang="en-US" altLang="zh-CN" dirty="0"/>
+              <a:t>MLP</a:t>
+            </a:r>
+            <a:r>
+              <a:rPr lang="zh-CN" altLang="en-US" dirty="0"/>
+              <a:t>的恰恰相反？</a:t>
+            </a:r>
+            <a:endParaRPr lang="en-US" altLang="zh-CN" dirty="0"/>
+          </a:p>
+          <a:p>
+            <a:pPr marL="171450" indent="-171450">
+              <a:buFontTx/>
+              <a:buChar char="-"/>
+            </a:pPr>
+            <a:r>
+              <a:rPr lang="en-US" altLang="zh-CN" dirty="0"/>
+              <a:t>QNN</a:t>
+            </a:r>
+            <a:r>
+              <a:rPr lang="zh-CN" altLang="en-US" dirty="0"/>
+              <a:t>：数据串行化给出，网络层并行化计算</a:t>
+            </a:r>
+            <a:endParaRPr lang="en-US" altLang="zh-CN" dirty="0"/>
+          </a:p>
+          <a:p>
+            <a:pPr marL="171450" indent="-171450">
+              <a:buFontTx/>
+              <a:buChar char="-"/>
+            </a:pPr>
+            <a:r>
+              <a:rPr lang="en-US" altLang="zh-CN" dirty="0"/>
+              <a:t>NN</a:t>
+            </a:r>
+            <a:r>
+              <a:rPr lang="zh-CN" altLang="en-US" dirty="0"/>
+              <a:t>：数据并行化给出，网络层串行化计算</a:t>
+            </a:r>
+          </a:p>
+        </p:txBody>
+      </p:sp>
+      <p:sp>
+        <p:nvSpPr>
+          <p:cNvPr id="4" name="灯片编号占位符 3"/>
+          <p:cNvSpPr>
+            <a:spLocks noGrp="1"/>
+          </p:cNvSpPr>
+          <p:nvPr>
+            <p:ph type="sldNum" sz="quarter" idx="5"/>
+          </p:nvPr>
+        </p:nvSpPr>
+        <p:spPr/>
+        <p:txBody>
+          <a:bodyPr/>
+          <a:lstStyle/>
+          <a:p>
+            <a:fld id="{1341AF29-F449-4C00-B8D0-069BF778A54B}" type="slidenum">
+              <a:rPr lang="zh-CN" altLang="en-US" smtClean="0"/>
+              <a:t>21</a:t>
+            </a:fld>
+            <a:endParaRPr lang="zh-CN" altLang="en-US"/>
+          </a:p>
+        </p:txBody>
+      </p:sp>
+    </p:spTree>
+    <p:extLst>
+      <p:ext uri="{BB962C8B-B14F-4D97-AF65-F5344CB8AC3E}">
+        <p14:creationId xmlns:p14="http://schemas.microsoft.com/office/powerpoint/2010/main" val="2713670912"/>
+      </p:ext>
+    </p:extLst>
+  </p:cSld>
+  <p:clrMapOvr>
+    <a:masterClrMapping/>
+  </p:clrMapOvr>
+</p:notes>
+</file>
+
+<file path=ppt/notesSlides/notesSlide15.xml><?xml version="1.0" encoding="utf-8"?>
+<p:notes xmlns:a="http://schemas.openxmlformats.org/drawingml/2006/main" xmlns:r="http://schemas.openxmlformats.org/officeDocument/2006/relationships" xmlns:p="http://schemas.openxmlformats.org/presentationml/2006/main">
+  <p:cSld>
+    <p:spTree>
+      <p:nvGrpSpPr>
+        <p:cNvPr id="1" name=""/>
+        <p:cNvGrpSpPr/>
+        <p:nvPr/>
+      </p:nvGrpSpPr>
+      <p:grpSpPr>
+        <a:xfrm>
+          <a:off x="0" y="0"/>
+          <a:ext cx="0" cy="0"/>
+          <a:chOff x="0" y="0"/>
+          <a:chExt cx="0" cy="0"/>
+        </a:xfrm>
+      </p:grpSpPr>
+      <p:sp>
+        <p:nvSpPr>
+          <p:cNvPr id="2" name="幻灯片图像占位符 1"/>
+          <p:cNvSpPr>
+            <a:spLocks noGrp="1" noRot="1" noChangeAspect="1"/>
+          </p:cNvSpPr>
+          <p:nvPr>
+            <p:ph type="sldImg"/>
+          </p:nvPr>
+        </p:nvSpPr>
+        <p:spPr/>
+      </p:sp>
+      <p:sp>
+        <p:nvSpPr>
+          <p:cNvPr id="3" name="备注占位符 2"/>
+          <p:cNvSpPr>
+            <a:spLocks noGrp="1"/>
+          </p:cNvSpPr>
+          <p:nvPr>
+            <p:ph type="body" idx="1"/>
+          </p:nvPr>
+        </p:nvSpPr>
+        <p:spPr/>
+        <p:txBody>
+          <a:bodyPr/>
+          <a:lstStyle/>
+          <a:p>
+            <a:endParaRPr lang="zh-CN" altLang="en-US" dirty="0"/>
+          </a:p>
+        </p:txBody>
+      </p:sp>
+      <p:sp>
+        <p:nvSpPr>
+          <p:cNvPr id="4" name="灯片编号占位符 3"/>
+          <p:cNvSpPr>
+            <a:spLocks noGrp="1"/>
+          </p:cNvSpPr>
+          <p:nvPr>
+            <p:ph type="sldNum" sz="quarter" idx="5"/>
+          </p:nvPr>
+        </p:nvSpPr>
+        <p:spPr/>
+        <p:txBody>
+          <a:bodyPr/>
+          <a:lstStyle/>
+          <a:p>
+            <a:fld id="{1341AF29-F449-4C00-B8D0-069BF778A54B}" type="slidenum">
+              <a:rPr lang="zh-CN" altLang="en-US" smtClean="0"/>
+              <a:t>23</a:t>
+            </a:fld>
+            <a:endParaRPr lang="zh-CN" altLang="en-US"/>
+          </a:p>
+        </p:txBody>
+      </p:sp>
+    </p:spTree>
+    <p:extLst>
+      <p:ext uri="{BB962C8B-B14F-4D97-AF65-F5344CB8AC3E}">
+        <p14:creationId xmlns:p14="http://schemas.microsoft.com/office/powerpoint/2010/main" val="2811111072"/>
+      </p:ext>
+    </p:extLst>
+  </p:cSld>
+  <p:clrMapOvr>
+    <a:masterClrMapping/>
+  </p:clrMapOvr>
+</p:notes>
+</file>
+
+<file path=ppt/notesSlides/notesSlide16.xml><?xml version="1.0" encoding="utf-8"?>
+<p:notes xmlns:a="http://schemas.openxmlformats.org/drawingml/2006/main" xmlns:r="http://schemas.openxmlformats.org/officeDocument/2006/relationships" xmlns:p="http://schemas.openxmlformats.org/presentationml/2006/main">
+  <p:cSld>
+    <p:spTree>
+      <p:nvGrpSpPr>
+        <p:cNvPr id="1" name=""/>
+        <p:cNvGrpSpPr/>
+        <p:nvPr/>
+      </p:nvGrpSpPr>
+      <p:grpSpPr>
+        <a:xfrm>
+          <a:off x="0" y="0"/>
+          <a:ext cx="0" cy="0"/>
+          <a:chOff x="0" y="0"/>
+          <a:chExt cx="0" cy="0"/>
+        </a:xfrm>
+      </p:grpSpPr>
+      <p:sp>
+        <p:nvSpPr>
+          <p:cNvPr id="2" name="幻灯片图像占位符 1"/>
+          <p:cNvSpPr>
+            <a:spLocks noGrp="1" noRot="1" noChangeAspect="1"/>
+          </p:cNvSpPr>
+          <p:nvPr>
+            <p:ph type="sldImg"/>
+          </p:nvPr>
+        </p:nvSpPr>
+        <p:spPr/>
+      </p:sp>
+      <p:sp>
+        <p:nvSpPr>
+          <p:cNvPr id="3" name="备注占位符 2"/>
+          <p:cNvSpPr>
+            <a:spLocks noGrp="1"/>
+          </p:cNvSpPr>
+          <p:nvPr>
+            <p:ph type="body" idx="1"/>
+          </p:nvPr>
+        </p:nvSpPr>
+        <p:spPr/>
+        <p:txBody>
+          <a:bodyPr/>
+          <a:lstStyle/>
+          <a:p>
+            <a:endParaRPr lang="zh-CN" altLang="en-US" dirty="0"/>
+          </a:p>
+        </p:txBody>
+      </p:sp>
+      <p:sp>
+        <p:nvSpPr>
+          <p:cNvPr id="4" name="灯片编号占位符 3"/>
+          <p:cNvSpPr>
+            <a:spLocks noGrp="1"/>
+          </p:cNvSpPr>
+          <p:nvPr>
+            <p:ph type="sldNum" sz="quarter" idx="5"/>
+          </p:nvPr>
+        </p:nvSpPr>
+        <p:spPr/>
+        <p:txBody>
+          <a:bodyPr/>
+          <a:lstStyle/>
+          <a:p>
+            <a:fld id="{1341AF29-F449-4C00-B8D0-069BF778A54B}" type="slidenum">
+              <a:rPr lang="zh-CN" altLang="en-US" smtClean="0"/>
+              <a:t>24</a:t>
+            </a:fld>
+            <a:endParaRPr lang="zh-CN" altLang="en-US"/>
+          </a:p>
+        </p:txBody>
+      </p:sp>
+    </p:spTree>
+    <p:extLst>
+      <p:ext uri="{BB962C8B-B14F-4D97-AF65-F5344CB8AC3E}">
+        <p14:creationId xmlns:p14="http://schemas.microsoft.com/office/powerpoint/2010/main" val="3478204168"/>
+      </p:ext>
+    </p:extLst>
+  </p:cSld>
+  <p:clrMapOvr>
+    <a:masterClrMapping/>
+  </p:clrMapOvr>
+</p:notes>
+</file>
+
 <file path=ppt/notesSlides/notesSlide2.xml><?xml version="1.0" encoding="utf-8"?>
 <p:notes xmlns:a="http://schemas.openxmlformats.org/drawingml/2006/main" xmlns:r="http://schemas.openxmlformats.org/officeDocument/2006/relationships" xmlns:p="http://schemas.openxmlformats.org/presentationml/2006/main">
   <p:cSld>
@@ -810,32 +1502,6 @@
           <a:bodyPr/>
           <a:lstStyle/>
           <a:p>
-            <a:r>
-              <a:rPr lang="en-US" altLang="zh-CN" dirty="0"/>
-              <a:t>Q: why not a prior algorithm? </a:t>
-            </a:r>
-          </a:p>
-          <a:p>
-            <a:r>
-              <a:rPr lang="en-US" altLang="zh-CN" dirty="0"/>
-              <a:t>A: there are independent  words, see </a:t>
-            </a:r>
-            <a:r>
-              <a:rPr lang="zh-CN" altLang="en-US" dirty="0"/>
-              <a:t>骆驼</a:t>
-            </a:r>
-            <a:r>
-              <a:rPr lang="en-US" altLang="zh-CN" dirty="0"/>
-              <a:t>/</a:t>
-            </a:r>
-            <a:r>
-              <a:rPr lang="zh-CN" altLang="en-US" dirty="0"/>
-              <a:t>葡萄 </a:t>
-            </a:r>
-            <a:r>
-              <a:rPr lang="en-US" altLang="zh-CN" dirty="0"/>
-              <a:t>is frequent, however, any single char is not frequent</a:t>
-            </a:r>
             <a:endParaRPr lang="zh-CN" altLang="en-US" dirty="0"/>
           </a:p>
         </p:txBody>
@@ -866,7 +1532,7 @@
     </p:spTree>
     <p:extLst>
       <p:ext uri="{BB962C8B-B14F-4D97-AF65-F5344CB8AC3E}">
-        <p14:creationId xmlns:p14="http://schemas.microsoft.com/office/powerpoint/2010/main" val="279217773"/>
+        <p14:creationId xmlns:p14="http://schemas.microsoft.com/office/powerpoint/2010/main" val="3711050931"/>
       </p:ext>
     </p:extLst>
   </p:cSld>
@@ -922,40 +1588,29 @@
           <a:p>
             <a:r>
               <a:rPr lang="en-US" altLang="zh-CN" dirty="0"/>
-              <a:t>Init p for vocab char is forced to 1e-8, to encourage using n-gram rather than char (1-gram)</a:t>
+              <a:t>Q: why not a prior algorithm? </a:t>
             </a:r>
           </a:p>
           <a:p>
             <a:r>
               <a:rPr lang="en-US" altLang="zh-CN" dirty="0"/>
-              <a:t>if the corpus is large enough, iterate this h</a:t>
+              <a:t>A: there are independent  words, see </a:t>
             </a:r>
             <a:r>
-              <a:rPr lang="en-US" altLang="zh-CN" sz="1200" dirty="0">
-                <a:solidFill>
-                  <a:schemeClr val="accent2">
-                    <a:lumMod val="75000"/>
-                  </a:schemeClr>
-                </a:solidFill>
-                <a:latin typeface="+mn-lt"/>
-                <a:ea typeface="+mn-ea"/>
-                <a:cs typeface="+mn-cs"/>
-              </a:rPr>
-              <a:t>euristic algorithm should yield a self-content convergence </a:t>
+              <a:rPr lang="zh-CN" altLang="en-US" dirty="0"/>
+              <a:t>骆驼</a:t>
             </a:r>
             <a:r>
-              <a:rPr lang="en-US" altLang="zh-CN" sz="1200" dirty="0">
-                <a:solidFill>
-                  <a:schemeClr val="accent2">
-                    <a:lumMod val="75000"/>
-                  </a:schemeClr>
-                </a:solidFill>
-                <a:latin typeface="+mn-lt"/>
-                <a:ea typeface="+mn-ea"/>
-                <a:cs typeface="+mn-cs"/>
-                <a:sym typeface="Wingdings" panose="05000000000000000000" pitchFamily="2" charset="2"/>
-              </a:rPr>
-              <a:t></a:t>
+              <a:rPr lang="en-US" altLang="zh-CN" dirty="0"/>
+              <a:t>/</a:t>
+            </a:r>
+            <a:r>
+              <a:rPr lang="zh-CN" altLang="en-US" dirty="0"/>
+              <a:t>葡萄 </a:t>
+            </a:r>
+            <a:r>
+              <a:rPr lang="en-US" altLang="zh-CN" dirty="0"/>
+              <a:t>is frequent, however, any single char is not frequent</a:t>
             </a:r>
             <a:endParaRPr lang="zh-CN" altLang="en-US" dirty="0"/>
           </a:p>
@@ -987,7 +1642,7 @@
     </p:spTree>
     <p:extLst>
       <p:ext uri="{BB962C8B-B14F-4D97-AF65-F5344CB8AC3E}">
-        <p14:creationId xmlns:p14="http://schemas.microsoft.com/office/powerpoint/2010/main" val="1560361758"/>
+        <p14:creationId xmlns:p14="http://schemas.microsoft.com/office/powerpoint/2010/main" val="279217773"/>
       </p:ext>
     </p:extLst>
   </p:cSld>
@@ -1041,6 +1696,43 @@
           <a:bodyPr/>
           <a:lstStyle/>
           <a:p>
+            <a:r>
+              <a:rPr lang="en-US" altLang="zh-CN" dirty="0"/>
+              <a:t>Init p for vocab char is forced to 1e-8, to encourage using n-gram rather than char (1-gram)</a:t>
+            </a:r>
+          </a:p>
+          <a:p>
+            <a:r>
+              <a:rPr lang="en-US" altLang="zh-CN" dirty="0"/>
+              <a:t>if the corpus is large enough, iterate this h</a:t>
+            </a:r>
+            <a:r>
+              <a:rPr lang="en-US" altLang="zh-CN" sz="1200" dirty="0">
+                <a:solidFill>
+                  <a:schemeClr val="accent2">
+                    <a:lumMod val="75000"/>
+                  </a:schemeClr>
+                </a:solidFill>
+                <a:latin typeface="+mn-lt"/>
+                <a:ea typeface="+mn-ea"/>
+                <a:cs typeface="+mn-cs"/>
+              </a:rPr>
+              <a:t>euristic algorithm should yield a self-content convergence </a:t>
+            </a:r>
+            <a:r>
+              <a:rPr lang="en-US" altLang="zh-CN" sz="1200" dirty="0">
+                <a:solidFill>
+                  <a:schemeClr val="accent2">
+                    <a:lumMod val="75000"/>
+                  </a:schemeClr>
+                </a:solidFill>
+                <a:latin typeface="+mn-lt"/>
+                <a:ea typeface="+mn-ea"/>
+                <a:cs typeface="+mn-cs"/>
+                <a:sym typeface="Wingdings" panose="05000000000000000000" pitchFamily="2" charset="2"/>
+              </a:rPr>
+              <a:t></a:t>
+            </a:r>
             <a:endParaRPr lang="zh-CN" altLang="en-US" dirty="0"/>
           </a:p>
         </p:txBody>
@@ -1062,7 +1754,7 @@
           <a:p>
             <a:fld id="{1341AF29-F449-4C00-B8D0-069BF778A54B}" type="slidenum">
               <a:rPr lang="zh-CN" altLang="en-US" smtClean="0"/>
-              <a:t>8</a:t>
+              <a:t>6</a:t>
             </a:fld>
             <a:endParaRPr lang="zh-CN" altLang="en-US"/>
           </a:p>
@@ -1071,7 +1763,7 @@
     </p:spTree>
     <p:extLst>
       <p:ext uri="{BB962C8B-B14F-4D97-AF65-F5344CB8AC3E}">
-        <p14:creationId xmlns:p14="http://schemas.microsoft.com/office/powerpoint/2010/main" val="752909184"/>
+        <p14:creationId xmlns:p14="http://schemas.microsoft.com/office/powerpoint/2010/main" val="1560361758"/>
       </p:ext>
     </p:extLst>
   </p:cSld>
@@ -1125,22 +1817,6 @@
           <a:bodyPr/>
           <a:lstStyle/>
           <a:p>
-            <a:r>
-              <a:rPr lang="en-US" altLang="zh-CN" dirty="0" err="1"/>
-              <a:t>TextCNN</a:t>
-            </a:r>
-            <a:r>
-              <a:rPr lang="en-US" altLang="zh-CN" dirty="0"/>
-              <a:t> </a:t>
-            </a:r>
-            <a:r>
-              <a:rPr lang="en-US" altLang="zh-CN" dirty="0" err="1"/>
-              <a:t>impl</a:t>
-            </a:r>
-            <a:r>
-              <a:rPr lang="en-US" altLang="zh-CN" dirty="0"/>
-              <a:t> in torch</a:t>
-            </a:r>
             <a:endParaRPr lang="zh-CN" altLang="en-US" dirty="0"/>
           </a:p>
         </p:txBody>
@@ -1162,7 +1838,7 @@
           <a:p>
             <a:fld id="{1341AF29-F449-4C00-B8D0-069BF778A54B}" type="slidenum">
               <a:rPr lang="zh-CN" altLang="en-US" smtClean="0"/>
-              <a:t>14</a:t>
+              <a:t>8</a:t>
             </a:fld>
             <a:endParaRPr lang="zh-CN" altLang="en-US"/>
           </a:p>
@@ -1171,7 +1847,7 @@
     </p:spTree>
     <p:extLst>
       <p:ext uri="{BB962C8B-B14F-4D97-AF65-F5344CB8AC3E}">
-        <p14:creationId xmlns:p14="http://schemas.microsoft.com/office/powerpoint/2010/main" val="2291128204"/>
+        <p14:creationId xmlns:p14="http://schemas.microsoft.com/office/powerpoint/2010/main" val="1247717364"/>
       </p:ext>
     </p:extLst>
   </p:cSld>
@@ -1246,7 +1922,7 @@
           <a:p>
             <a:fld id="{1341AF29-F449-4C00-B8D0-069BF778A54B}" type="slidenum">
               <a:rPr lang="zh-CN" altLang="en-US" smtClean="0"/>
-              <a:t>17</a:t>
+              <a:t>10</a:t>
             </a:fld>
             <a:endParaRPr lang="zh-CN" altLang="en-US"/>
           </a:p>
@@ -1255,7 +1931,7 @@
     </p:spTree>
     <p:extLst>
       <p:ext uri="{BB962C8B-B14F-4D97-AF65-F5344CB8AC3E}">
-        <p14:creationId xmlns:p14="http://schemas.microsoft.com/office/powerpoint/2010/main" val="2619740258"/>
+        <p14:creationId xmlns:p14="http://schemas.microsoft.com/office/powerpoint/2010/main" val="752909184"/>
       </p:ext>
     </p:extLst>
   </p:cSld>
@@ -1309,6 +1985,22 @@
           <a:bodyPr/>
           <a:lstStyle/>
           <a:p>
+            <a:r>
+              <a:rPr lang="en-US" altLang="zh-CN" dirty="0" err="1"/>
+              <a:t>TextCNN</a:t>
+            </a:r>
+            <a:r>
+              <a:rPr lang="en-US" altLang="zh-CN" dirty="0"/>
+              <a:t> </a:t>
+            </a:r>
+            <a:r>
+              <a:rPr lang="en-US" altLang="zh-CN" dirty="0" err="1"/>
+              <a:t>impl</a:t>
+            </a:r>
+            <a:r>
+              <a:rPr lang="en-US" altLang="zh-CN" dirty="0"/>
+              <a:t> in torch</a:t>
+            </a:r>
             <a:endParaRPr lang="zh-CN" altLang="en-US" dirty="0"/>
           </a:p>
         </p:txBody>
@@ -1330,7 +2022,7 @@
           <a:p>
             <a:fld id="{1341AF29-F449-4C00-B8D0-069BF778A54B}" type="slidenum">
               <a:rPr lang="zh-CN" altLang="en-US" smtClean="0"/>
-              <a:t>18</a:t>
+              <a:t>16</a:t>
             </a:fld>
             <a:endParaRPr lang="zh-CN" altLang="en-US"/>
           </a:p>
@@ -1339,7 +2031,7 @@
     </p:spTree>
     <p:extLst>
       <p:ext uri="{BB962C8B-B14F-4D97-AF65-F5344CB8AC3E}">
-        <p14:creationId xmlns:p14="http://schemas.microsoft.com/office/powerpoint/2010/main" val="322090537"/>
+        <p14:creationId xmlns:p14="http://schemas.microsoft.com/office/powerpoint/2010/main" val="2291128204"/>
       </p:ext>
     </p:extLst>
   </p:cSld>
@@ -1496,7 +2188,7 @@
           <a:p>
             <a:fld id="{8B43A70A-8226-4FD3-A7B1-16CBDAC133FC}" type="datetimeFigureOut">
               <a:rPr lang="zh-CN" altLang="en-US" smtClean="0"/>
-              <a:t>2023/5/26</a:t>
+              <a:t>2023/7/14</a:t>
             </a:fld>
             <a:endParaRPr lang="zh-CN" altLang="en-US"/>
           </a:p>
@@ -1694,7 +2386,7 @@
           <a:p>
             <a:fld id="{8B43A70A-8226-4FD3-A7B1-16CBDAC133FC}" type="datetimeFigureOut">
               <a:rPr lang="zh-CN" altLang="en-US" smtClean="0"/>
-              <a:t>2023/5/26</a:t>
+              <a:t>2023/7/14</a:t>
             </a:fld>
             <a:endParaRPr lang="zh-CN" altLang="en-US"/>
           </a:p>
@@ -1902,7 +2594,7 @@
           <a:p>
             <a:fld id="{8B43A70A-8226-4FD3-A7B1-16CBDAC133FC}" type="datetimeFigureOut">
               <a:rPr lang="zh-CN" altLang="en-US" smtClean="0"/>
-              <a:t>2023/5/26</a:t>
+              <a:t>2023/7/14</a:t>
             </a:fld>
             <a:endParaRPr lang="zh-CN" altLang="en-US"/>
           </a:p>
@@ -2101,7 +2793,7 @@
           <a:p>
             <a:fld id="{8B43A70A-8226-4FD3-A7B1-16CBDAC133FC}" type="datetimeFigureOut">
               <a:rPr lang="zh-CN" altLang="en-US" smtClean="0"/>
-              <a:t>2023/5/26</a:t>
+              <a:t>2023/7/14</a:t>
             </a:fld>
             <a:endParaRPr lang="zh-CN" altLang="en-US"/>
           </a:p>
@@ -2376,7 +3068,7 @@
           <a:p>
             <a:fld id="{8B43A70A-8226-4FD3-A7B1-16CBDAC133FC}" type="datetimeFigureOut">
               <a:rPr lang="zh-CN" altLang="en-US" smtClean="0"/>
-              <a:t>2023/5/26</a:t>
+              <a:t>2023/7/14</a:t>
             </a:fld>
             <a:endParaRPr lang="zh-CN" altLang="en-US"/>
           </a:p>
@@ -2641,7 +3333,7 @@
           <a:p>
             <a:fld id="{8B43A70A-8226-4FD3-A7B1-16CBDAC133FC}" type="datetimeFigureOut">
               <a:rPr lang="zh-CN" altLang="en-US" smtClean="0"/>
-              <a:t>2023/5/26</a:t>
+              <a:t>2023/7/14</a:t>
             </a:fld>
             <a:endParaRPr lang="zh-CN" altLang="en-US"/>
           </a:p>
@@ -3053,7 +3745,7 @@
           <a:p>
             <a:fld id="{8B43A70A-8226-4FD3-A7B1-16CBDAC133FC}" type="datetimeFigureOut">
               <a:rPr lang="zh-CN" altLang="en-US" smtClean="0"/>
-              <a:t>2023/5/26</a:t>
+              <a:t>2023/7/14</a:t>
             </a:fld>
             <a:endParaRPr lang="zh-CN" altLang="en-US"/>
           </a:p>
@@ -3194,7 +3886,7 @@
           <a:p>
             <a:fld id="{8B43A70A-8226-4FD3-A7B1-16CBDAC133FC}" type="datetimeFigureOut">
               <a:rPr lang="zh-CN" altLang="en-US" smtClean="0"/>
-              <a:t>2023/5/26</a:t>
+              <a:t>2023/7/14</a:t>
             </a:fld>
             <a:endParaRPr lang="zh-CN" altLang="en-US"/>
           </a:p>
@@ -3307,7 +3999,7 @@
           <a:p>
             <a:fld id="{8B43A70A-8226-4FD3-A7B1-16CBDAC133FC}" type="datetimeFigureOut">
               <a:rPr lang="zh-CN" altLang="en-US" smtClean="0"/>
-              <a:t>2023/5/26</a:t>
+              <a:t>2023/7/14</a:t>
             </a:fld>
             <a:endParaRPr lang="zh-CN" altLang="en-US"/>
           </a:p>
@@ -3618,7 +4310,7 @@
           <a:p>
             <a:fld id="{8B43A70A-8226-4FD3-A7B1-16CBDAC133FC}" type="datetimeFigureOut">
               <a:rPr lang="zh-CN" altLang="en-US" smtClean="0"/>
-              <a:t>2023/5/26</a:t>
+              <a:t>2023/7/14</a:t>
             </a:fld>
             <a:endParaRPr lang="zh-CN" altLang="en-US"/>
           </a:p>
@@ -3909,7 +4601,7 @@
           <a:p>
             <a:fld id="{8B43A70A-8226-4FD3-A7B1-16CBDAC133FC}" type="datetimeFigureOut">
               <a:rPr lang="zh-CN" altLang="en-US" smtClean="0"/>
-              <a:t>2023/5/26</a:t>
+              <a:t>2023/7/14</a:t>
             </a:fld>
             <a:endParaRPr lang="zh-CN" altLang="en-US"/>
           </a:p>
@@ -4150,7 +4842,7 @@
           <a:p>
             <a:fld id="{8B43A70A-8226-4FD3-A7B1-16CBDAC133FC}" type="datetimeFigureOut">
               <a:rPr lang="zh-CN" altLang="en-US" smtClean="0"/>
-              <a:t>2023/5/26</a:t>
+              <a:t>2023/7/14</a:t>
             </a:fld>
             <a:endParaRPr lang="zh-CN" altLang="en-US"/>
           </a:p>
@@ -4585,18 +5277,20 @@
         </p:nvSpPr>
         <p:spPr/>
         <p:txBody>
-          <a:bodyPr/>
+          <a:bodyPr>
+            <a:normAutofit/>
+          </a:bodyPr>
           <a:lstStyle/>
           <a:p>
             <a:r>
-              <a:rPr lang="en-US" altLang="zh-CN" dirty="0">
+              <a:rPr lang="en-US" altLang="zh-CN" sz="5400" dirty="0">
                 <a:solidFill>
                   <a:srgbClr val="ED7D31"/>
                 </a:solidFill>
               </a:rPr>
               <a:t>YouroQNet</a:t>
             </a:r>
-            <a:endParaRPr lang="zh-CN" altLang="en-US" dirty="0">
+            <a:endParaRPr lang="zh-CN" altLang="en-US" sz="5400" dirty="0">
               <a:solidFill>
                 <a:srgbClr val="ED7D31"/>
               </a:solidFill>
@@ -4623,46 +5317,29 @@
         <p:spPr/>
         <p:txBody>
           <a:bodyPr>
-            <a:normAutofit lnSpcReduction="10000"/>
+            <a:normAutofit/>
           </a:bodyPr>
           <a:lstStyle/>
           <a:p>
             <a:r>
-              <a:rPr lang="ja-JP" altLang="en-US" b="0" dirty="0">
+              <a:rPr lang="en-US" altLang="ja-JP" sz="2800" dirty="0">
                 <a:solidFill>
-                  <a:schemeClr val="accent2">
-                    <a:lumMod val="60000"/>
-                    <a:lumOff val="40000"/>
-                  </a:schemeClr>
+                  <a:srgbClr val="ED7D31"/>
                 </a:solidFill>
-                <a:effectLst/>
-                <a:latin typeface="Consolas" panose="020B0609020204030204" pitchFamily="49" charset="0"/>
               </a:rPr>
-              <a:t>熔炉ネットと言うのは、虚仮威し全て裏技を繋ぐもん</a:t>
+              <a:t>Quantum Text Classification with Context Memory</a:t>
             </a:r>
-            <a:endParaRPr lang="en-US" altLang="ja-JP" b="0" dirty="0">
+          </a:p>
+          <a:p>
+            <a:endParaRPr lang="ja-JP" altLang="en-US" sz="1800" dirty="0">
               <a:solidFill>
-                <a:schemeClr val="accent2">
-                  <a:lumMod val="60000"/>
-                  <a:lumOff val="40000"/>
-                </a:schemeClr>
+                <a:srgbClr val="ED7D31"/>
               </a:solidFill>
-              <a:effectLst/>
-              <a:latin typeface="Consolas" panose="020B0609020204030204" pitchFamily="49" charset="0"/>
             </a:endParaRPr>
           </a:p>
           <a:p>
-            <a:endParaRPr lang="ja-JP" altLang="en-US" sz="1800" b="0" dirty="0">
-              <a:solidFill>
-                <a:srgbClr val="CCCCCC"/>
-              </a:solidFill>
-              <a:effectLst/>
-              <a:latin typeface="Consolas" panose="020B0609020204030204" pitchFamily="49" charset="0"/>
-            </a:endParaRPr>
-          </a:p>
-          <a:p>
             <a:r>
-              <a:rPr lang="en-US" altLang="zh-CN" dirty="0">
+              <a:rPr lang="en-US" altLang="zh-CN" sz="2000" dirty="0">
                 <a:solidFill>
                   <a:srgbClr val="ED7D31"/>
                 </a:solidFill>
@@ -4672,7 +5349,7 @@
           </a:p>
           <a:p>
             <a:r>
-              <a:rPr lang="en-US" altLang="zh-CN" dirty="0">
+              <a:rPr lang="en-US" altLang="zh-CN" sz="2000" dirty="0">
                 <a:solidFill>
                   <a:srgbClr val="ED7D31"/>
                 </a:solidFill>
@@ -4696,6 +5373,1041 @@
 </file>
 
 <file path=ppt/slides/slide10.xml><?xml version="1.0" encoding="utf-8"?>
+<p:sld xmlns:a="http://schemas.openxmlformats.org/drawingml/2006/main" xmlns:r="http://schemas.openxmlformats.org/officeDocument/2006/relationships" xmlns:p="http://schemas.openxmlformats.org/presentationml/2006/main">
+  <p:cSld>
+    <p:spTree>
+      <p:nvGrpSpPr>
+        <p:cNvPr id="1" name=""/>
+        <p:cNvGrpSpPr/>
+        <p:nvPr/>
+      </p:nvGrpSpPr>
+      <p:grpSpPr>
+        <a:xfrm>
+          <a:off x="0" y="0"/>
+          <a:ext cx="0" cy="0"/>
+          <a:chOff x="0" y="0"/>
+          <a:chExt cx="0" cy="0"/>
+        </a:xfrm>
+      </p:grpSpPr>
+      <p:pic>
+        <p:nvPicPr>
+          <p:cNvPr id="6" name="图片 5">
+            <a:extLst>
+              <a:ext uri="{FF2B5EF4-FFF2-40B4-BE49-F238E27FC236}">
+                <a16:creationId xmlns:a16="http://schemas.microsoft.com/office/drawing/2014/main" id="{14D37060-FB8B-3D8A-BF4D-4988B7E8D560}"/>
+              </a:ext>
+            </a:extLst>
+          </p:cNvPr>
+          <p:cNvPicPr>
+            <a:picLocks noChangeAspect="1"/>
+          </p:cNvPicPr>
+          <p:nvPr/>
+        </p:nvPicPr>
+        <p:blipFill>
+          <a:blip r:embed="rId3"/>
+          <a:stretch>
+            <a:fillRect/>
+          </a:stretch>
+        </p:blipFill>
+        <p:spPr>
+          <a:xfrm>
+            <a:off x="195239" y="2594483"/>
+            <a:ext cx="11323809" cy="2504762"/>
+          </a:xfrm>
+          <a:prstGeom prst="rect">
+            <a:avLst/>
+          </a:prstGeom>
+        </p:spPr>
+      </p:pic>
+      <p:sp>
+        <p:nvSpPr>
+          <p:cNvPr id="2" name="标题 1">
+            <a:extLst>
+              <a:ext uri="{FF2B5EF4-FFF2-40B4-BE49-F238E27FC236}">
+                <a16:creationId xmlns:a16="http://schemas.microsoft.com/office/drawing/2014/main" id="{CC625FE0-E7DD-FAB4-8060-071743B42C7B}"/>
+              </a:ext>
+            </a:extLst>
+          </p:cNvPr>
+          <p:cNvSpPr>
+            <a:spLocks noGrp="1"/>
+          </p:cNvSpPr>
+          <p:nvPr>
+            <p:ph type="title"/>
+          </p:nvPr>
+        </p:nvSpPr>
+        <p:spPr>
+          <a:xfrm>
+            <a:off x="838200" y="365126"/>
+            <a:ext cx="10515600" cy="775778"/>
+          </a:xfrm>
+        </p:spPr>
+        <p:txBody>
+          <a:bodyPr>
+            <a:normAutofit/>
+          </a:bodyPr>
+          <a:lstStyle/>
+          <a:p>
+            <a:r>
+              <a:rPr lang="en-US" altLang="zh-CN" sz="3600" dirty="0">
+                <a:solidFill>
+                  <a:srgbClr val="0070C0"/>
+                </a:solidFill>
+              </a:rPr>
+              <a:t>YouroQNet: minimal concrete example</a:t>
+            </a:r>
+            <a:endParaRPr lang="zh-CN" altLang="en-US" sz="3600" dirty="0">
+              <a:solidFill>
+                <a:srgbClr val="0070C0"/>
+              </a:solidFill>
+              <a:latin typeface="+mn-lt"/>
+              <a:ea typeface="+mn-ea"/>
+              <a:cs typeface="+mn-cs"/>
+            </a:endParaRPr>
+          </a:p>
+        </p:txBody>
+      </p:sp>
+      <p:sp>
+        <p:nvSpPr>
+          <p:cNvPr id="3" name="内容占位符 2">
+            <a:extLst>
+              <a:ext uri="{FF2B5EF4-FFF2-40B4-BE49-F238E27FC236}">
+                <a16:creationId xmlns:a16="http://schemas.microsoft.com/office/drawing/2014/main" id="{D7F16886-49AF-9763-1387-07932D422539}"/>
+              </a:ext>
+            </a:extLst>
+          </p:cNvPr>
+          <p:cNvSpPr>
+            <a:spLocks noGrp="1"/>
+          </p:cNvSpPr>
+          <p:nvPr>
+            <p:ph idx="1"/>
+          </p:nvPr>
+        </p:nvSpPr>
+        <p:spPr>
+          <a:xfrm>
+            <a:off x="838200" y="1266738"/>
+            <a:ext cx="10515600" cy="4910225"/>
+          </a:xfrm>
+        </p:spPr>
+        <p:txBody>
+          <a:bodyPr/>
+          <a:lstStyle/>
+          <a:p>
+            <a:r>
+              <a:rPr lang="en-US" altLang="zh-CN" dirty="0">
+                <a:solidFill>
+                  <a:schemeClr val="accent5"/>
+                </a:solidFill>
+              </a:rPr>
+              <a:t>pure variational quantum circuit</a:t>
+            </a:r>
+          </a:p>
+        </p:txBody>
+      </p:sp>
+      <p:sp>
+        <p:nvSpPr>
+          <p:cNvPr id="4" name="文本框 3">
+            <a:extLst>
+              <a:ext uri="{FF2B5EF4-FFF2-40B4-BE49-F238E27FC236}">
+                <a16:creationId xmlns:a16="http://schemas.microsoft.com/office/drawing/2014/main" id="{F572F793-B93D-FF01-0B46-641A4C041E80}"/>
+              </a:ext>
+            </a:extLst>
+          </p:cNvPr>
+          <p:cNvSpPr txBox="1"/>
+          <p:nvPr/>
+        </p:nvSpPr>
+        <p:spPr>
+          <a:xfrm>
+            <a:off x="0" y="6030818"/>
+            <a:ext cx="1971041" cy="615553"/>
+          </a:xfrm>
+          <a:prstGeom prst="rect">
+            <a:avLst/>
+          </a:prstGeom>
+          <a:noFill/>
+        </p:spPr>
+        <p:txBody>
+          <a:bodyPr wrap="square">
+            <a:spAutoFit/>
+          </a:bodyPr>
+          <a:lstStyle/>
+          <a:p>
+            <a:pPr algn="ctr"/>
+            <a:r>
+              <a:rPr lang="en-US" altLang="zh-CN" sz="1800" dirty="0">
+                <a:solidFill>
+                  <a:srgbClr val="0070C0"/>
+                </a:solidFill>
+              </a:rPr>
+              <a:t>YouroQNet</a:t>
+            </a:r>
+          </a:p>
+          <a:p>
+            <a:pPr algn="ctr"/>
+            <a:r>
+              <a:rPr lang="en-US" altLang="zh-CN" sz="1600" dirty="0">
+                <a:solidFill>
+                  <a:srgbClr val="0070C0"/>
+                </a:solidFill>
+              </a:rPr>
+              <a:t>(5qubit-1repeat)</a:t>
+            </a:r>
+            <a:endParaRPr lang="zh-CN" altLang="en-US" sz="1600" dirty="0"/>
+          </a:p>
+        </p:txBody>
+      </p:sp>
+      <p:sp>
+        <p:nvSpPr>
+          <p:cNvPr id="12" name="文本框 11">
+            <a:extLst>
+              <a:ext uri="{FF2B5EF4-FFF2-40B4-BE49-F238E27FC236}">
+                <a16:creationId xmlns:a16="http://schemas.microsoft.com/office/drawing/2014/main" id="{C70BF7B8-2914-EC48-504F-EA337704BA72}"/>
+              </a:ext>
+            </a:extLst>
+          </p:cNvPr>
+          <p:cNvSpPr txBox="1"/>
+          <p:nvPr/>
+        </p:nvSpPr>
+        <p:spPr>
+          <a:xfrm>
+            <a:off x="2949893" y="6150057"/>
+            <a:ext cx="6148071" cy="523220"/>
+          </a:xfrm>
+          <a:prstGeom prst="rect">
+            <a:avLst/>
+          </a:prstGeom>
+          <a:noFill/>
+          <a:ln>
+            <a:solidFill>
+              <a:schemeClr val="accent1"/>
+            </a:solidFill>
+          </a:ln>
+        </p:spPr>
+        <p:txBody>
+          <a:bodyPr wrap="square">
+            <a:spAutoFit/>
+          </a:bodyPr>
+          <a:lstStyle/>
+          <a:p>
+            <a:r>
+              <a:rPr lang="en-US" altLang="zh-CN" sz="1400" dirty="0">
+                <a:solidFill>
+                  <a:schemeClr val="accent5"/>
+                </a:solidFill>
+              </a:rPr>
+              <a:t>SEC:</a:t>
+            </a:r>
+            <a:r>
+              <a:rPr lang="zh-CN" altLang="en-US" sz="1400" dirty="0">
+                <a:solidFill>
+                  <a:schemeClr val="accent5"/>
+                </a:solidFill>
+              </a:rPr>
+              <a:t> </a:t>
+            </a:r>
+            <a:r>
+              <a:rPr lang="en-US" altLang="zh-CN" sz="1400" dirty="0">
+                <a:solidFill>
+                  <a:schemeClr val="accent5"/>
+                </a:solidFill>
+              </a:rPr>
+              <a:t>Strong Entangle Circuit, here we set rots=[RY], entgl=CNOT</a:t>
+            </a:r>
+          </a:p>
+          <a:p>
+            <a:r>
+              <a:rPr lang="en-US" altLang="zh-CN" sz="1400" dirty="0">
+                <a:solidFill>
+                  <a:schemeClr val="accent5"/>
+                </a:solidFill>
+              </a:rPr>
+              <a:t>CMC: CRot Multi Circuit, here we set rots=[RY]</a:t>
+            </a:r>
+            <a:endParaRPr lang="zh-CN" altLang="en-US" sz="1400" dirty="0"/>
+          </a:p>
+        </p:txBody>
+      </p:sp>
+      <p:sp>
+        <p:nvSpPr>
+          <p:cNvPr id="14" name="文本框 13">
+            <a:extLst>
+              <a:ext uri="{FF2B5EF4-FFF2-40B4-BE49-F238E27FC236}">
+                <a16:creationId xmlns:a16="http://schemas.microsoft.com/office/drawing/2014/main" id="{B80C0FF5-0DC5-28AB-69FB-EC58FBF73F54}"/>
+              </a:ext>
+            </a:extLst>
+          </p:cNvPr>
+          <p:cNvSpPr txBox="1"/>
+          <p:nvPr/>
+        </p:nvSpPr>
+        <p:spPr>
+          <a:xfrm>
+            <a:off x="942686" y="5211442"/>
+            <a:ext cx="615373" cy="369332"/>
+          </a:xfrm>
+          <a:prstGeom prst="rect">
+            <a:avLst/>
+          </a:prstGeom>
+          <a:noFill/>
+        </p:spPr>
+        <p:txBody>
+          <a:bodyPr wrap="square">
+            <a:spAutoFit/>
+          </a:bodyPr>
+          <a:lstStyle/>
+          <a:p>
+            <a:r>
+              <a:rPr lang="en-US" altLang="zh-CN" dirty="0">
+                <a:solidFill>
+                  <a:schemeClr val="accent5"/>
+                </a:solidFill>
+              </a:rPr>
+              <a:t>SEC</a:t>
+            </a:r>
+            <a:endParaRPr lang="zh-CN" altLang="en-US" dirty="0"/>
+          </a:p>
+        </p:txBody>
+      </p:sp>
+      <p:sp>
+        <p:nvSpPr>
+          <p:cNvPr id="15" name="文本框 14">
+            <a:extLst>
+              <a:ext uri="{FF2B5EF4-FFF2-40B4-BE49-F238E27FC236}">
+                <a16:creationId xmlns:a16="http://schemas.microsoft.com/office/drawing/2014/main" id="{A71FF332-E73E-5781-3687-45C139D9A6AB}"/>
+              </a:ext>
+            </a:extLst>
+          </p:cNvPr>
+          <p:cNvSpPr txBox="1"/>
+          <p:nvPr/>
+        </p:nvSpPr>
+        <p:spPr>
+          <a:xfrm>
+            <a:off x="6904123" y="5221954"/>
+            <a:ext cx="615373" cy="369332"/>
+          </a:xfrm>
+          <a:prstGeom prst="rect">
+            <a:avLst/>
+          </a:prstGeom>
+          <a:noFill/>
+        </p:spPr>
+        <p:txBody>
+          <a:bodyPr wrap="square">
+            <a:spAutoFit/>
+          </a:bodyPr>
+          <a:lstStyle/>
+          <a:p>
+            <a:r>
+              <a:rPr lang="en-US" altLang="zh-CN" dirty="0">
+                <a:solidFill>
+                  <a:schemeClr val="accent5"/>
+                </a:solidFill>
+              </a:rPr>
+              <a:t>SEC</a:t>
+            </a:r>
+            <a:endParaRPr lang="zh-CN" altLang="en-US" dirty="0"/>
+          </a:p>
+        </p:txBody>
+      </p:sp>
+      <p:sp>
+        <p:nvSpPr>
+          <p:cNvPr id="16" name="文本框 15">
+            <a:extLst>
+              <a:ext uri="{FF2B5EF4-FFF2-40B4-BE49-F238E27FC236}">
+                <a16:creationId xmlns:a16="http://schemas.microsoft.com/office/drawing/2014/main" id="{9B43C069-ED3B-A743-06B9-4DA6263FFA1D}"/>
+              </a:ext>
+            </a:extLst>
+          </p:cNvPr>
+          <p:cNvSpPr txBox="1"/>
+          <p:nvPr/>
+        </p:nvSpPr>
+        <p:spPr>
+          <a:xfrm>
+            <a:off x="2454447" y="5211442"/>
+            <a:ext cx="615373" cy="369332"/>
+          </a:xfrm>
+          <a:prstGeom prst="rect">
+            <a:avLst/>
+          </a:prstGeom>
+          <a:noFill/>
+        </p:spPr>
+        <p:txBody>
+          <a:bodyPr wrap="square">
+            <a:spAutoFit/>
+          </a:bodyPr>
+          <a:lstStyle/>
+          <a:p>
+            <a:r>
+              <a:rPr lang="en-US" altLang="zh-CN" dirty="0">
+                <a:solidFill>
+                  <a:schemeClr val="accent5"/>
+                </a:solidFill>
+              </a:rPr>
+              <a:t>SEC</a:t>
+            </a:r>
+            <a:endParaRPr lang="zh-CN" altLang="en-US" dirty="0"/>
+          </a:p>
+        </p:txBody>
+      </p:sp>
+      <p:sp>
+        <p:nvSpPr>
+          <p:cNvPr id="17" name="文本框 16">
+            <a:extLst>
+              <a:ext uri="{FF2B5EF4-FFF2-40B4-BE49-F238E27FC236}">
+                <a16:creationId xmlns:a16="http://schemas.microsoft.com/office/drawing/2014/main" id="{3CFD7C89-274C-7217-D52D-8AAB149BA8E3}"/>
+              </a:ext>
+            </a:extLst>
+          </p:cNvPr>
+          <p:cNvSpPr txBox="1"/>
+          <p:nvPr/>
+        </p:nvSpPr>
+        <p:spPr>
+          <a:xfrm>
+            <a:off x="8970584" y="5221954"/>
+            <a:ext cx="699889" cy="369332"/>
+          </a:xfrm>
+          <a:prstGeom prst="rect">
+            <a:avLst/>
+          </a:prstGeom>
+          <a:noFill/>
+        </p:spPr>
+        <p:txBody>
+          <a:bodyPr wrap="square">
+            <a:spAutoFit/>
+          </a:bodyPr>
+          <a:lstStyle/>
+          <a:p>
+            <a:r>
+              <a:rPr lang="en-US" altLang="zh-CN" dirty="0">
+                <a:solidFill>
+                  <a:schemeClr val="accent5"/>
+                </a:solidFill>
+              </a:rPr>
+              <a:t>CMC</a:t>
+            </a:r>
+            <a:endParaRPr lang="zh-CN" altLang="en-US" dirty="0"/>
+          </a:p>
+        </p:txBody>
+      </p:sp>
+      <p:sp>
+        <p:nvSpPr>
+          <p:cNvPr id="18" name="文本框 17">
+            <a:extLst>
+              <a:ext uri="{FF2B5EF4-FFF2-40B4-BE49-F238E27FC236}">
+                <a16:creationId xmlns:a16="http://schemas.microsoft.com/office/drawing/2014/main" id="{6467E30F-5F25-212A-74D5-055B485F5D7A}"/>
+              </a:ext>
+            </a:extLst>
+          </p:cNvPr>
+          <p:cNvSpPr txBox="1"/>
+          <p:nvPr/>
+        </p:nvSpPr>
+        <p:spPr>
+          <a:xfrm>
+            <a:off x="4760534" y="5217771"/>
+            <a:ext cx="699889" cy="369332"/>
+          </a:xfrm>
+          <a:prstGeom prst="rect">
+            <a:avLst/>
+          </a:prstGeom>
+          <a:noFill/>
+        </p:spPr>
+        <p:txBody>
+          <a:bodyPr wrap="square">
+            <a:spAutoFit/>
+          </a:bodyPr>
+          <a:lstStyle/>
+          <a:p>
+            <a:r>
+              <a:rPr lang="en-US" altLang="zh-CN" dirty="0">
+                <a:solidFill>
+                  <a:schemeClr val="accent5"/>
+                </a:solidFill>
+              </a:rPr>
+              <a:t>CMC</a:t>
+            </a:r>
+            <a:endParaRPr lang="zh-CN" altLang="en-US" dirty="0"/>
+          </a:p>
+        </p:txBody>
+      </p:sp>
+      <p:cxnSp>
+        <p:nvCxnSpPr>
+          <p:cNvPr id="20" name="直接连接符 19">
+            <a:extLst>
+              <a:ext uri="{FF2B5EF4-FFF2-40B4-BE49-F238E27FC236}">
+                <a16:creationId xmlns:a16="http://schemas.microsoft.com/office/drawing/2014/main" id="{4614CF9F-EEAB-A741-DCA5-B39F670DDC72}"/>
+              </a:ext>
+            </a:extLst>
+          </p:cNvPr>
+          <p:cNvCxnSpPr/>
+          <p:nvPr/>
+        </p:nvCxnSpPr>
+        <p:spPr>
+          <a:xfrm>
+            <a:off x="1948873" y="1773382"/>
+            <a:ext cx="0" cy="4403580"/>
+          </a:xfrm>
+          <a:prstGeom prst="line">
+            <a:avLst/>
+          </a:prstGeom>
+        </p:spPr>
+        <p:style>
+          <a:lnRef idx="1">
+            <a:schemeClr val="accent1"/>
+          </a:lnRef>
+          <a:fillRef idx="0">
+            <a:schemeClr val="accent1"/>
+          </a:fillRef>
+          <a:effectRef idx="0">
+            <a:schemeClr val="accent1"/>
+          </a:effectRef>
+          <a:fontRef idx="minor">
+            <a:schemeClr val="tx1"/>
+          </a:fontRef>
+        </p:style>
+      </p:cxnSp>
+      <p:cxnSp>
+        <p:nvCxnSpPr>
+          <p:cNvPr id="21" name="直接连接符 20">
+            <a:extLst>
+              <a:ext uri="{FF2B5EF4-FFF2-40B4-BE49-F238E27FC236}">
+                <a16:creationId xmlns:a16="http://schemas.microsoft.com/office/drawing/2014/main" id="{3C4E1690-B093-90A4-F9D6-1EEF009BA03F}"/>
+              </a:ext>
+            </a:extLst>
+          </p:cNvPr>
+          <p:cNvCxnSpPr/>
+          <p:nvPr/>
+        </p:nvCxnSpPr>
+        <p:spPr>
+          <a:xfrm>
+            <a:off x="10738138" y="1773382"/>
+            <a:ext cx="0" cy="4403580"/>
+          </a:xfrm>
+          <a:prstGeom prst="line">
+            <a:avLst/>
+          </a:prstGeom>
+        </p:spPr>
+        <p:style>
+          <a:lnRef idx="1">
+            <a:schemeClr val="accent1"/>
+          </a:lnRef>
+          <a:fillRef idx="0">
+            <a:schemeClr val="accent1"/>
+          </a:fillRef>
+          <a:effectRef idx="0">
+            <a:schemeClr val="accent1"/>
+          </a:effectRef>
+          <a:fontRef idx="minor">
+            <a:schemeClr val="tx1"/>
+          </a:fontRef>
+        </p:style>
+      </p:cxnSp>
+      <p:sp>
+        <p:nvSpPr>
+          <p:cNvPr id="23" name="文本框 22">
+            <a:extLst>
+              <a:ext uri="{FF2B5EF4-FFF2-40B4-BE49-F238E27FC236}">
+                <a16:creationId xmlns:a16="http://schemas.microsoft.com/office/drawing/2014/main" id="{0B799F0B-B537-44BA-9B2B-EE78B8061943}"/>
+              </a:ext>
+            </a:extLst>
+          </p:cNvPr>
+          <p:cNvSpPr txBox="1"/>
+          <p:nvPr/>
+        </p:nvSpPr>
+        <p:spPr>
+          <a:xfrm>
+            <a:off x="10105392" y="6238376"/>
+            <a:ext cx="1500964" cy="307777"/>
+          </a:xfrm>
+          <a:prstGeom prst="rect">
+            <a:avLst/>
+          </a:prstGeom>
+          <a:noFill/>
+        </p:spPr>
+        <p:txBody>
+          <a:bodyPr wrap="square">
+            <a:spAutoFit/>
+          </a:bodyPr>
+          <a:lstStyle/>
+          <a:p>
+            <a:r>
+              <a:rPr lang="en-US" altLang="zh-CN" sz="1400" dirty="0">
+                <a:solidFill>
+                  <a:schemeClr val="accent5">
+                    <a:lumMod val="60000"/>
+                    <a:lumOff val="40000"/>
+                  </a:schemeClr>
+                </a:solidFill>
+              </a:rPr>
+              <a:t>repeatable section</a:t>
+            </a:r>
+            <a:endParaRPr lang="zh-CN" altLang="en-US" sz="1400" dirty="0">
+              <a:solidFill>
+                <a:schemeClr val="accent5">
+                  <a:lumMod val="60000"/>
+                  <a:lumOff val="40000"/>
+                </a:schemeClr>
+              </a:solidFill>
+            </a:endParaRPr>
+          </a:p>
+        </p:txBody>
+      </p:sp>
+      <p:sp>
+        <p:nvSpPr>
+          <p:cNvPr id="24" name="文本框 23">
+            <a:extLst>
+              <a:ext uri="{FF2B5EF4-FFF2-40B4-BE49-F238E27FC236}">
+                <a16:creationId xmlns:a16="http://schemas.microsoft.com/office/drawing/2014/main" id="{48A1FA04-F218-D64F-7F85-7DE5DE1FE4B0}"/>
+              </a:ext>
+            </a:extLst>
+          </p:cNvPr>
+          <p:cNvSpPr txBox="1"/>
+          <p:nvPr/>
+        </p:nvSpPr>
+        <p:spPr>
+          <a:xfrm>
+            <a:off x="803032" y="2152395"/>
+            <a:ext cx="1004157" cy="307777"/>
+          </a:xfrm>
+          <a:prstGeom prst="rect">
+            <a:avLst/>
+          </a:prstGeom>
+          <a:noFill/>
+        </p:spPr>
+        <p:txBody>
+          <a:bodyPr wrap="square">
+            <a:spAutoFit/>
+          </a:bodyPr>
+          <a:lstStyle/>
+          <a:p>
+            <a:r>
+              <a:rPr lang="en-US" altLang="zh-CN" sz="1400" dirty="0">
+                <a:solidFill>
+                  <a:schemeClr val="accent5">
+                    <a:lumMod val="60000"/>
+                    <a:lumOff val="40000"/>
+                  </a:schemeClr>
+                </a:solidFill>
+              </a:rPr>
+              <a:t>context init</a:t>
+            </a:r>
+            <a:endParaRPr lang="zh-CN" altLang="en-US" sz="1400" dirty="0">
+              <a:solidFill>
+                <a:schemeClr val="accent5">
+                  <a:lumMod val="60000"/>
+                  <a:lumOff val="40000"/>
+                </a:schemeClr>
+              </a:solidFill>
+            </a:endParaRPr>
+          </a:p>
+        </p:txBody>
+      </p:sp>
+      <p:sp>
+        <p:nvSpPr>
+          <p:cNvPr id="25" name="文本框 24">
+            <a:extLst>
+              <a:ext uri="{FF2B5EF4-FFF2-40B4-BE49-F238E27FC236}">
+                <a16:creationId xmlns:a16="http://schemas.microsoft.com/office/drawing/2014/main" id="{0BBC4084-C2AE-37F7-F545-756617FE7FDD}"/>
+              </a:ext>
+            </a:extLst>
+          </p:cNvPr>
+          <p:cNvSpPr txBox="1"/>
+          <p:nvPr/>
+        </p:nvSpPr>
+        <p:spPr>
+          <a:xfrm>
+            <a:off x="2339688" y="2155067"/>
+            <a:ext cx="1069189" cy="307777"/>
+          </a:xfrm>
+          <a:prstGeom prst="rect">
+            <a:avLst/>
+          </a:prstGeom>
+          <a:noFill/>
+        </p:spPr>
+        <p:txBody>
+          <a:bodyPr wrap="square">
+            <a:spAutoFit/>
+          </a:bodyPr>
+          <a:lstStyle/>
+          <a:p>
+            <a:r>
+              <a:rPr lang="en-US" altLang="zh-CN" sz="1400" dirty="0">
+                <a:solidFill>
+                  <a:schemeClr val="accent5">
+                    <a:lumMod val="60000"/>
+                    <a:lumOff val="40000"/>
+                  </a:schemeClr>
+                </a:solidFill>
+              </a:rPr>
+              <a:t>data upload</a:t>
+            </a:r>
+            <a:endParaRPr lang="zh-CN" altLang="en-US" sz="1400" dirty="0">
+              <a:solidFill>
+                <a:schemeClr val="accent5">
+                  <a:lumMod val="60000"/>
+                  <a:lumOff val="40000"/>
+                </a:schemeClr>
+              </a:solidFill>
+            </a:endParaRPr>
+          </a:p>
+        </p:txBody>
+      </p:sp>
+      <p:sp>
+        <p:nvSpPr>
+          <p:cNvPr id="26" name="文本框 25">
+            <a:extLst>
+              <a:ext uri="{FF2B5EF4-FFF2-40B4-BE49-F238E27FC236}">
+                <a16:creationId xmlns:a16="http://schemas.microsoft.com/office/drawing/2014/main" id="{F4BA562F-F50B-1B22-5064-00F4BF9A76DE}"/>
+              </a:ext>
+            </a:extLst>
+          </p:cNvPr>
+          <p:cNvSpPr txBox="1"/>
+          <p:nvPr/>
+        </p:nvSpPr>
+        <p:spPr>
+          <a:xfrm>
+            <a:off x="4529823" y="2157745"/>
+            <a:ext cx="1308271" cy="307777"/>
+          </a:xfrm>
+          <a:prstGeom prst="rect">
+            <a:avLst/>
+          </a:prstGeom>
+          <a:noFill/>
+        </p:spPr>
+        <p:txBody>
+          <a:bodyPr wrap="square">
+            <a:spAutoFit/>
+          </a:bodyPr>
+          <a:lstStyle/>
+          <a:p>
+            <a:r>
+              <a:rPr lang="en-US" altLang="zh-CN" sz="1400" dirty="0">
+                <a:solidFill>
+                  <a:schemeClr val="accent5">
+                    <a:lumMod val="60000"/>
+                    <a:lumOff val="40000"/>
+                  </a:schemeClr>
+                </a:solidFill>
+              </a:rPr>
+              <a:t>context write</a:t>
+            </a:r>
+            <a:endParaRPr lang="zh-CN" altLang="en-US" sz="1400" dirty="0">
+              <a:solidFill>
+                <a:schemeClr val="accent5">
+                  <a:lumMod val="60000"/>
+                  <a:lumOff val="40000"/>
+                </a:schemeClr>
+              </a:solidFill>
+            </a:endParaRPr>
+          </a:p>
+        </p:txBody>
+      </p:sp>
+      <p:sp>
+        <p:nvSpPr>
+          <p:cNvPr id="27" name="文本框 26">
+            <a:extLst>
+              <a:ext uri="{FF2B5EF4-FFF2-40B4-BE49-F238E27FC236}">
+                <a16:creationId xmlns:a16="http://schemas.microsoft.com/office/drawing/2014/main" id="{9DAD49DA-4DAD-DB25-4120-307B855CC537}"/>
+              </a:ext>
+            </a:extLst>
+          </p:cNvPr>
+          <p:cNvSpPr txBox="1"/>
+          <p:nvPr/>
+        </p:nvSpPr>
+        <p:spPr>
+          <a:xfrm>
+            <a:off x="6516124" y="2162477"/>
+            <a:ext cx="1503674" cy="307777"/>
+          </a:xfrm>
+          <a:prstGeom prst="rect">
+            <a:avLst/>
+          </a:prstGeom>
+          <a:noFill/>
+        </p:spPr>
+        <p:txBody>
+          <a:bodyPr wrap="square">
+            <a:spAutoFit/>
+          </a:bodyPr>
+          <a:lstStyle/>
+          <a:p>
+            <a:r>
+              <a:rPr lang="en-US" altLang="zh-CN" sz="1400" dirty="0">
+                <a:solidFill>
+                  <a:schemeClr val="accent5">
+                    <a:lumMod val="60000"/>
+                    <a:lumOff val="40000"/>
+                  </a:schemeClr>
+                </a:solidFill>
+              </a:rPr>
+              <a:t>context transform</a:t>
+            </a:r>
+            <a:endParaRPr lang="zh-CN" altLang="en-US" sz="1400" dirty="0">
+              <a:solidFill>
+                <a:schemeClr val="accent5">
+                  <a:lumMod val="60000"/>
+                  <a:lumOff val="40000"/>
+                </a:schemeClr>
+              </a:solidFill>
+            </a:endParaRPr>
+          </a:p>
+        </p:txBody>
+      </p:sp>
+      <p:sp>
+        <p:nvSpPr>
+          <p:cNvPr id="28" name="文本框 27">
+            <a:extLst>
+              <a:ext uri="{FF2B5EF4-FFF2-40B4-BE49-F238E27FC236}">
+                <a16:creationId xmlns:a16="http://schemas.microsoft.com/office/drawing/2014/main" id="{2D99AF55-CFA2-7357-4CA4-6DAABC83334D}"/>
+              </a:ext>
+            </a:extLst>
+          </p:cNvPr>
+          <p:cNvSpPr txBox="1"/>
+          <p:nvPr/>
+        </p:nvSpPr>
+        <p:spPr>
+          <a:xfrm>
+            <a:off x="8903859" y="2152396"/>
+            <a:ext cx="1084918" cy="307777"/>
+          </a:xfrm>
+          <a:prstGeom prst="rect">
+            <a:avLst/>
+          </a:prstGeom>
+          <a:noFill/>
+        </p:spPr>
+        <p:txBody>
+          <a:bodyPr wrap="square">
+            <a:spAutoFit/>
+          </a:bodyPr>
+          <a:lstStyle/>
+          <a:p>
+            <a:r>
+              <a:rPr lang="en-US" altLang="zh-CN" sz="1400" dirty="0">
+                <a:solidFill>
+                  <a:schemeClr val="accent5">
+                    <a:lumMod val="60000"/>
+                    <a:lumOff val="40000"/>
+                  </a:schemeClr>
+                </a:solidFill>
+              </a:rPr>
+              <a:t>context read</a:t>
+            </a:r>
+            <a:endParaRPr lang="zh-CN" altLang="en-US" sz="1400" dirty="0">
+              <a:solidFill>
+                <a:schemeClr val="accent5">
+                  <a:lumMod val="60000"/>
+                  <a:lumOff val="40000"/>
+                </a:schemeClr>
+              </a:solidFill>
+            </a:endParaRPr>
+          </a:p>
+        </p:txBody>
+      </p:sp>
+      <p:sp>
+        <p:nvSpPr>
+          <p:cNvPr id="30" name="文本框 29">
+            <a:extLst>
+              <a:ext uri="{FF2B5EF4-FFF2-40B4-BE49-F238E27FC236}">
+                <a16:creationId xmlns:a16="http://schemas.microsoft.com/office/drawing/2014/main" id="{48DAA51F-0C61-449A-220C-59248FA550BF}"/>
+              </a:ext>
+            </a:extLst>
+          </p:cNvPr>
+          <p:cNvSpPr txBox="1"/>
+          <p:nvPr/>
+        </p:nvSpPr>
+        <p:spPr>
+          <a:xfrm>
+            <a:off x="10774801" y="2152395"/>
+            <a:ext cx="802980" cy="307777"/>
+          </a:xfrm>
+          <a:prstGeom prst="rect">
+            <a:avLst/>
+          </a:prstGeom>
+          <a:noFill/>
+        </p:spPr>
+        <p:txBody>
+          <a:bodyPr wrap="square">
+            <a:spAutoFit/>
+          </a:bodyPr>
+          <a:lstStyle/>
+          <a:p>
+            <a:r>
+              <a:rPr lang="en-US" altLang="zh-CN" sz="1400" dirty="0">
+                <a:solidFill>
+                  <a:schemeClr val="accent5">
+                    <a:lumMod val="60000"/>
+                    <a:lumOff val="40000"/>
+                  </a:schemeClr>
+                </a:solidFill>
+              </a:rPr>
+              <a:t>measure</a:t>
+            </a:r>
+            <a:endParaRPr lang="zh-CN" altLang="en-US" sz="1400" dirty="0">
+              <a:solidFill>
+                <a:schemeClr val="accent5">
+                  <a:lumMod val="60000"/>
+                  <a:lumOff val="40000"/>
+                </a:schemeClr>
+              </a:solidFill>
+            </a:endParaRPr>
+          </a:p>
+        </p:txBody>
+      </p:sp>
+      <p:sp>
+        <p:nvSpPr>
+          <p:cNvPr id="31" name="矩形: 剪去单角 30">
+            <a:extLst>
+              <a:ext uri="{FF2B5EF4-FFF2-40B4-BE49-F238E27FC236}">
+                <a16:creationId xmlns:a16="http://schemas.microsoft.com/office/drawing/2014/main" id="{44D9C0AA-B341-63B7-5A8D-3B6F4DCADC54}"/>
+              </a:ext>
+            </a:extLst>
+          </p:cNvPr>
+          <p:cNvSpPr/>
+          <p:nvPr/>
+        </p:nvSpPr>
+        <p:spPr>
+          <a:xfrm>
+            <a:off x="2066351" y="3592945"/>
+            <a:ext cx="530798" cy="1618497"/>
+          </a:xfrm>
+          <a:prstGeom prst="snip1Rect">
+            <a:avLst/>
+          </a:prstGeom>
+          <a:noFill/>
+          <a:ln w="9525" cap="flat" cmpd="sng" algn="ctr">
+            <a:solidFill>
+              <a:schemeClr val="accent6"/>
+            </a:solidFill>
+            <a:prstDash val="solid"/>
+            <a:round/>
+            <a:headEnd type="none" w="med" len="med"/>
+            <a:tailEnd type="none" w="med" len="med"/>
+          </a:ln>
+        </p:spPr>
+        <p:style>
+          <a:lnRef idx="0">
+            <a:scrgbClr r="0" g="0" b="0"/>
+          </a:lnRef>
+          <a:fillRef idx="0">
+            <a:scrgbClr r="0" g="0" b="0"/>
+          </a:fillRef>
+          <a:effectRef idx="0">
+            <a:scrgbClr r="0" g="0" b="0"/>
+          </a:effectRef>
+          <a:fontRef idx="minor">
+            <a:schemeClr val="accent6"/>
+          </a:fontRef>
+        </p:style>
+        <p:txBody>
+          <a:bodyPr rtlCol="0" anchor="ctr"/>
+          <a:lstStyle/>
+          <a:p>
+            <a:pPr algn="ctr"/>
+            <a:endParaRPr lang="zh-CN" altLang="en-US"/>
+          </a:p>
+        </p:txBody>
+      </p:sp>
+      <p:sp>
+        <p:nvSpPr>
+          <p:cNvPr id="33" name="文本框 32">
+            <a:extLst>
+              <a:ext uri="{FF2B5EF4-FFF2-40B4-BE49-F238E27FC236}">
+                <a16:creationId xmlns:a16="http://schemas.microsoft.com/office/drawing/2014/main" id="{D305A83F-C2DB-2955-498B-0FC7E15D916E}"/>
+              </a:ext>
+            </a:extLst>
+          </p:cNvPr>
+          <p:cNvSpPr txBox="1"/>
+          <p:nvPr/>
+        </p:nvSpPr>
+        <p:spPr>
+          <a:xfrm>
+            <a:off x="1939263" y="5560735"/>
+            <a:ext cx="1114461" cy="307777"/>
+          </a:xfrm>
+          <a:prstGeom prst="rect">
+            <a:avLst/>
+          </a:prstGeom>
+          <a:noFill/>
+        </p:spPr>
+        <p:txBody>
+          <a:bodyPr wrap="square">
+            <a:spAutoFit/>
+          </a:bodyPr>
+          <a:lstStyle/>
+          <a:p>
+            <a:r>
+              <a:rPr lang="en-US" altLang="zh-CN" sz="1400" dirty="0">
+                <a:solidFill>
+                  <a:schemeClr val="accent6">
+                    <a:lumMod val="60000"/>
+                    <a:lumOff val="40000"/>
+                  </a:schemeClr>
+                </a:solidFill>
+              </a:rPr>
+              <a:t>word embed</a:t>
+            </a:r>
+            <a:endParaRPr lang="zh-CN" altLang="en-US" sz="1400" dirty="0">
+              <a:solidFill>
+                <a:schemeClr val="accent6">
+                  <a:lumMod val="60000"/>
+                  <a:lumOff val="40000"/>
+                </a:schemeClr>
+              </a:solidFill>
+            </a:endParaRPr>
+          </a:p>
+        </p:txBody>
+      </p:sp>
+      <p:cxnSp>
+        <p:nvCxnSpPr>
+          <p:cNvPr id="35" name="直接箭头连接符 34">
+            <a:extLst>
+              <a:ext uri="{FF2B5EF4-FFF2-40B4-BE49-F238E27FC236}">
+                <a16:creationId xmlns:a16="http://schemas.microsoft.com/office/drawing/2014/main" id="{0DA03B8E-6ACC-5653-CD96-4057AC2EE09C}"/>
+              </a:ext>
+            </a:extLst>
+          </p:cNvPr>
+          <p:cNvCxnSpPr>
+            <a:cxnSpLocks/>
+            <a:endCxn id="31" idx="1"/>
+          </p:cNvCxnSpPr>
+          <p:nvPr/>
+        </p:nvCxnSpPr>
+        <p:spPr>
+          <a:xfrm flipV="1">
+            <a:off x="2331750" y="5211442"/>
+            <a:ext cx="0" cy="369332"/>
+          </a:xfrm>
+          <a:prstGeom prst="straightConnector1">
+            <a:avLst/>
+          </a:prstGeom>
+          <a:ln>
+            <a:tailEnd type="triangle"/>
+          </a:ln>
+        </p:spPr>
+        <p:style>
+          <a:lnRef idx="1">
+            <a:schemeClr val="accent6"/>
+          </a:lnRef>
+          <a:fillRef idx="0">
+            <a:schemeClr val="accent6"/>
+          </a:fillRef>
+          <a:effectRef idx="0">
+            <a:schemeClr val="accent6"/>
+          </a:effectRef>
+          <a:fontRef idx="minor">
+            <a:schemeClr val="tx1"/>
+          </a:fontRef>
+        </p:style>
+      </p:cxnSp>
+    </p:spTree>
+    <p:extLst>
+      <p:ext uri="{BB962C8B-B14F-4D97-AF65-F5344CB8AC3E}">
+        <p14:creationId xmlns:p14="http://schemas.microsoft.com/office/powerpoint/2010/main" val="1782511233"/>
+      </p:ext>
+    </p:extLst>
+  </p:cSld>
+  <p:clrMapOvr>
+    <a:masterClrMapping/>
+  </p:clrMapOvr>
+</p:sld>
+</file>
+
+<file path=ppt/slides/slide11.xml><?xml version="1.0" encoding="utf-8"?>
 <p:sld xmlns:a="http://schemas.openxmlformats.org/drawingml/2006/main" xmlns:r="http://schemas.openxmlformats.org/officeDocument/2006/relationships" xmlns:p="http://schemas.openxmlformats.org/presentationml/2006/main">
   <p:cSld>
     <p:spTree>
@@ -4746,7 +6458,7 @@
                   <a:srgbClr val="0070C0"/>
                 </a:solidFill>
               </a:rPr>
-              <a:t>YouroQNet differs contextual invariants from variants</a:t>
+              <a:t>YouroQNet learns semantical word representation</a:t>
             </a:r>
             <a:endParaRPr lang="zh-CN" altLang="en-US" sz="3600" dirty="0">
               <a:solidFill>
@@ -4786,13 +6498,18 @@
           <a:lstStyle/>
           <a:p>
             <a:r>
-              <a:rPr lang="en-US" altLang="zh-CN" sz="2800" dirty="0">
+              <a:rPr lang="en-US" altLang="zh-CN" dirty="0">
                 <a:solidFill>
                   <a:schemeClr val="accent5"/>
                 </a:solidFill>
               </a:rPr>
-              <a:t>fuses all tricks of</a:t>
+              <a:t>YouroQNet :=</a:t>
             </a:r>
+            <a:endParaRPr lang="en-US" altLang="zh-CN" sz="2800" dirty="0">
+              <a:solidFill>
+                <a:schemeClr val="accent5"/>
+              </a:solidFill>
+            </a:endParaRPr>
           </a:p>
           <a:p>
             <a:pPr lvl="1"/>
@@ -4802,7 +6519,7 @@
                   <a:schemeClr val="accent5"/>
                 </a:solidFill>
               </a:rPr>
-              <a:t>representation learning</a:t>
+              <a:t>pure variational quantum circuit</a:t>
             </a:r>
           </a:p>
           <a:p>
@@ -4813,7 +6530,7 @@
                   <a:srgbClr val="FF0000"/>
                 </a:solidFill>
               </a:rPr>
-              <a:t>modal separation for parameters</a:t>
+              <a:t>representation learning</a:t>
             </a:r>
           </a:p>
           <a:p>
@@ -4824,7 +6541,7 @@
                   <a:schemeClr val="accent5"/>
                 </a:solidFill>
               </a:rPr>
-              <a:t>convolutional</a:t>
+              <a:t>implicit convolutional</a:t>
             </a:r>
           </a:p>
           <a:p>
@@ -4835,7 +6552,7 @@
                   <a:schemeClr val="accent5"/>
                 </a:solidFill>
               </a:rPr>
-              <a:t>recurrent</a:t>
+              <a:t>implicit recurrent</a:t>
             </a:r>
           </a:p>
           <a:p>
@@ -4849,13 +6566,421 @@
               <a:t>style-transfer scheme</a:t>
             </a:r>
           </a:p>
-          <a:p>
-            <a:pPr lvl="1"/>
-            <a:endParaRPr lang="en-US" altLang="zh-CN" dirty="0">
+        </p:txBody>
+      </p:sp>
+      <mc:AlternateContent xmlns:mc="http://schemas.openxmlformats.org/markup-compatibility/2006" xmlns:a14="http://schemas.microsoft.com/office/drawing/2010/main">
+        <mc:Choice Requires="a14">
+          <p:sp>
+            <p:nvSpPr>
+              <p:cNvPr id="4" name="文本框 3">
+                <a:extLst>
+                  <a:ext uri="{FF2B5EF4-FFF2-40B4-BE49-F238E27FC236}">
+                    <a16:creationId xmlns:a16="http://schemas.microsoft.com/office/drawing/2014/main" id="{EF9077C0-9F39-4FD0-5ADE-559340DAE7BF}"/>
+                  </a:ext>
+                </a:extLst>
+              </p:cNvPr>
+              <p:cNvSpPr txBox="1"/>
+              <p:nvPr/>
+            </p:nvSpPr>
+            <p:spPr>
+              <a:xfrm>
+                <a:off x="6393942" y="2998626"/>
+                <a:ext cx="4158234" cy="1230080"/>
+              </a:xfrm>
+              <a:prstGeom prst="rect">
+                <a:avLst/>
+              </a:prstGeom>
+              <a:noFill/>
+            </p:spPr>
+            <p:txBody>
+              <a:bodyPr wrap="square">
+                <a:spAutoFit/>
+              </a:bodyPr>
+              <a:lstStyle/>
+              <a:p>
+                <a:pPr algn="ctr"/>
+                <a:r>
+                  <a:rPr lang="en-US" altLang="zh-CN" sz="2400" dirty="0">
+                    <a:solidFill>
+                      <a:schemeClr val="accent5"/>
+                    </a:solidFill>
+                  </a:rPr>
+                  <a:t>Train the word embedding</a:t>
+                </a:r>
+                <a14:m>
+                  <m:oMath xmlns:m="http://schemas.openxmlformats.org/officeDocument/2006/math">
+                    <m:r>
+                      <a:rPr lang="en-US" altLang="zh-CN" sz="2400" b="0" i="0" smtClean="0">
+                        <a:solidFill>
+                          <a:srgbClr val="00B050"/>
+                        </a:solidFill>
+                        <a:latin typeface="Cambria Math" panose="02040503050406030204" pitchFamily="18" charset="0"/>
+                      </a:rPr>
+                      <m:t> </m:t>
+                    </m:r>
+                    <m:sSub>
+                      <m:sSubPr>
+                        <m:ctrlPr>
+                          <a:rPr lang="en-US" altLang="zh-CN" sz="2400" i="1">
+                            <a:solidFill>
+                              <a:srgbClr val="00B050"/>
+                            </a:solidFill>
+                            <a:latin typeface="Cambria Math" panose="02040503050406030204" pitchFamily="18" charset="0"/>
+                          </a:rPr>
+                        </m:ctrlPr>
+                      </m:sSubPr>
+                      <m:e>
+                        <m:r>
+                          <a:rPr lang="zh-CN" altLang="en-US" sz="2400">
+                            <a:solidFill>
+                              <a:srgbClr val="00B050"/>
+                            </a:solidFill>
+                            <a:latin typeface="Cambria Math" panose="02040503050406030204" pitchFamily="18" charset="0"/>
+                          </a:rPr>
+                          <m:t>𝜃</m:t>
+                        </m:r>
+                      </m:e>
+                      <m:sub>
+                        <m:r>
+                          <a:rPr lang="en-US" altLang="zh-CN" sz="2400">
+                            <a:solidFill>
+                              <a:srgbClr val="00B050"/>
+                            </a:solidFill>
+                            <a:latin typeface="Cambria Math" panose="02040503050406030204" pitchFamily="18" charset="0"/>
+                          </a:rPr>
+                          <m:t>𝑗</m:t>
+                        </m:r>
+                      </m:sub>
+                    </m:sSub>
+                  </m:oMath>
+                </a14:m>
+                <a:r>
+                  <a:rPr lang="en-US" altLang="zh-CN" sz="2400" dirty="0">
+                    <a:solidFill>
+                      <a:schemeClr val="accent5"/>
+                    </a:solidFill>
+                  </a:rPr>
+                  <a:t> whose channels are partially temporally dependent.</a:t>
+                </a:r>
+                <a:endParaRPr lang="zh-CN" altLang="en-US" sz="2400" dirty="0">
+                  <a:solidFill>
+                    <a:schemeClr val="accent5"/>
+                  </a:solidFill>
+                </a:endParaRPr>
+              </a:p>
+            </p:txBody>
+          </p:sp>
+        </mc:Choice>
+        <mc:Fallback xmlns="">
+          <p:sp>
+            <p:nvSpPr>
+              <p:cNvPr id="4" name="文本框 3">
+                <a:extLst>
+                  <a:ext uri="{FF2B5EF4-FFF2-40B4-BE49-F238E27FC236}">
+                    <a16:creationId xmlns:a16="http://schemas.microsoft.com/office/drawing/2014/main" id="{EF9077C0-9F39-4FD0-5ADE-559340DAE7BF}"/>
+                  </a:ext>
+                </a:extLst>
+              </p:cNvPr>
+              <p:cNvSpPr txBox="1">
+                <a:spLocks noRot="1" noChangeAspect="1" noMove="1" noResize="1" noEditPoints="1" noAdjustHandles="1" noChangeArrowheads="1" noChangeShapeType="1" noTextEdit="1"/>
+              </p:cNvSpPr>
+              <p:nvPr/>
+            </p:nvSpPr>
+            <p:spPr>
+              <a:xfrm>
+                <a:off x="6393942" y="2998626"/>
+                <a:ext cx="4158234" cy="1230080"/>
+              </a:xfrm>
+              <a:prstGeom prst="rect">
+                <a:avLst/>
+              </a:prstGeom>
+              <a:blipFill>
+                <a:blip r:embed="rId2"/>
+                <a:stretch>
+                  <a:fillRect t="-3960" b="-10396"/>
+                </a:stretch>
+              </a:blipFill>
+            </p:spPr>
+            <p:txBody>
+              <a:bodyPr/>
+              <a:lstStyle/>
+              <a:p>
+                <a:r>
+                  <a:rPr lang="zh-CN" altLang="en-US">
+                    <a:noFill/>
+                  </a:rPr>
+                  <a:t> </a:t>
+                </a:r>
+              </a:p>
+            </p:txBody>
+          </p:sp>
+        </mc:Fallback>
+      </mc:AlternateContent>
+      <p:pic>
+        <p:nvPicPr>
+          <p:cNvPr id="5" name="图片 4">
+            <a:extLst>
+              <a:ext uri="{FF2B5EF4-FFF2-40B4-BE49-F238E27FC236}">
+                <a16:creationId xmlns:a16="http://schemas.microsoft.com/office/drawing/2014/main" id="{5282E04D-FD2A-332A-E4A3-4AC166B3C467}"/>
+              </a:ext>
+            </a:extLst>
+          </p:cNvPr>
+          <p:cNvPicPr>
+            <a:picLocks noChangeAspect="1"/>
+          </p:cNvPicPr>
+          <p:nvPr/>
+        </p:nvPicPr>
+        <p:blipFill>
+          <a:blip r:embed="rId3"/>
+          <a:stretch>
+            <a:fillRect/>
+          </a:stretch>
+        </p:blipFill>
+        <p:spPr>
+          <a:xfrm>
+            <a:off x="762152" y="3998182"/>
+            <a:ext cx="5035907" cy="2452340"/>
+          </a:xfrm>
+          <a:prstGeom prst="rect">
+            <a:avLst/>
+          </a:prstGeom>
+          <a:ln>
+            <a:noFill/>
+          </a:ln>
+          <a:effectLst>
+            <a:outerShdw blurRad="292100" dist="139700" dir="2700000" algn="tl" rotWithShape="0">
+              <a:srgbClr val="333333">
+                <a:alpha val="65000"/>
+              </a:srgbClr>
+            </a:outerShdw>
+          </a:effectLst>
+        </p:spPr>
+      </p:pic>
+      <p:sp>
+        <p:nvSpPr>
+          <p:cNvPr id="6" name="矩形 5">
+            <a:extLst>
+              <a:ext uri="{FF2B5EF4-FFF2-40B4-BE49-F238E27FC236}">
+                <a16:creationId xmlns:a16="http://schemas.microsoft.com/office/drawing/2014/main" id="{1DF7B802-FCC9-5093-8D3C-CDD8598BBC8C}"/>
+              </a:ext>
+            </a:extLst>
+          </p:cNvPr>
+          <p:cNvSpPr/>
+          <p:nvPr/>
+        </p:nvSpPr>
+        <p:spPr>
+          <a:xfrm>
+            <a:off x="1984780" y="4965408"/>
+            <a:ext cx="729845" cy="1327907"/>
+          </a:xfrm>
+          <a:prstGeom prst="rect">
+            <a:avLst/>
+          </a:prstGeom>
+          <a:noFill/>
+          <a:ln w="19050" cap="flat" cmpd="sng" algn="ctr">
+            <a:solidFill>
+              <a:srgbClr val="FF0000"/>
+            </a:solidFill>
+            <a:prstDash val="solid"/>
+            <a:round/>
+            <a:headEnd type="none" w="med" len="med"/>
+            <a:tailEnd type="none" w="med" len="med"/>
+          </a:ln>
+        </p:spPr>
+        <p:style>
+          <a:lnRef idx="0">
+            <a:scrgbClr r="0" g="0" b="0"/>
+          </a:lnRef>
+          <a:fillRef idx="0">
+            <a:scrgbClr r="0" g="0" b="0"/>
+          </a:fillRef>
+          <a:effectRef idx="0">
+            <a:scrgbClr r="0" g="0" b="0"/>
+          </a:effectRef>
+          <a:fontRef idx="minor">
+            <a:schemeClr val="accent1"/>
+          </a:fontRef>
+        </p:style>
+        <p:txBody>
+          <a:bodyPr rtlCol="0" anchor="ctr"/>
+          <a:lstStyle/>
+          <a:p>
+            <a:pPr algn="ctr"/>
+            <a:endParaRPr lang="zh-CN" altLang="en-US"/>
+          </a:p>
+        </p:txBody>
+      </p:sp>
+    </p:spTree>
+    <p:extLst>
+      <p:ext uri="{BB962C8B-B14F-4D97-AF65-F5344CB8AC3E}">
+        <p14:creationId xmlns:p14="http://schemas.microsoft.com/office/powerpoint/2010/main" val="551565791"/>
+      </p:ext>
+    </p:extLst>
+  </p:cSld>
+  <p:clrMapOvr>
+    <a:masterClrMapping/>
+  </p:clrMapOvr>
+</p:sld>
+</file>
+
+<file path=ppt/slides/slide12.xml><?xml version="1.0" encoding="utf-8"?>
+<p:sld xmlns:a="http://schemas.openxmlformats.org/drawingml/2006/main" xmlns:r="http://schemas.openxmlformats.org/officeDocument/2006/relationships" xmlns:p="http://schemas.openxmlformats.org/presentationml/2006/main">
+  <p:cSld>
+    <p:spTree>
+      <p:nvGrpSpPr>
+        <p:cNvPr id="1" name=""/>
+        <p:cNvGrpSpPr/>
+        <p:nvPr/>
+      </p:nvGrpSpPr>
+      <p:grpSpPr>
+        <a:xfrm>
+          <a:off x="0" y="0"/>
+          <a:ext cx="0" cy="0"/>
+          <a:chOff x="0" y="0"/>
+          <a:chExt cx="0" cy="0"/>
+        </a:xfrm>
+      </p:grpSpPr>
+      <p:sp>
+        <p:nvSpPr>
+          <p:cNvPr id="2" name="标题 1">
+            <a:extLst>
+              <a:ext uri="{FF2B5EF4-FFF2-40B4-BE49-F238E27FC236}">
+                <a16:creationId xmlns:a16="http://schemas.microsoft.com/office/drawing/2014/main" id="{CC625FE0-E7DD-FAB4-8060-071743B42C7B}"/>
+              </a:ext>
+            </a:extLst>
+          </p:cNvPr>
+          <p:cNvSpPr>
+            <a:spLocks noGrp="1"/>
+          </p:cNvSpPr>
+          <p:nvPr>
+            <p:ph type="title"/>
+          </p:nvPr>
+        </p:nvSpPr>
+        <p:spPr>
+          <a:xfrm>
+            <a:off x="838200" y="365126"/>
+            <a:ext cx="10515600" cy="775778"/>
+          </a:xfrm>
+        </p:spPr>
+        <p:txBody>
+          <a:bodyPr>
+            <a:normAutofit/>
+          </a:bodyPr>
+          <a:lstStyle/>
+          <a:p>
+            <a:r>
+              <a:rPr lang="en-US" altLang="zh-CN" sz="3600" dirty="0">
+                <a:solidFill>
+                  <a:srgbClr val="0070C0"/>
+                </a:solidFill>
+              </a:rPr>
+              <a:t>YouroQNet differs contextual invariants from variants</a:t>
+            </a:r>
+            <a:endParaRPr lang="zh-CN" altLang="en-US" sz="3600" dirty="0">
+              <a:solidFill>
+                <a:srgbClr val="0070C0"/>
+              </a:solidFill>
+              <a:latin typeface="+mn-lt"/>
+              <a:ea typeface="+mn-ea"/>
+              <a:cs typeface="+mn-cs"/>
+            </a:endParaRPr>
+          </a:p>
+        </p:txBody>
+      </p:sp>
+      <p:sp>
+        <p:nvSpPr>
+          <p:cNvPr id="3" name="内容占位符 2">
+            <a:extLst>
+              <a:ext uri="{FF2B5EF4-FFF2-40B4-BE49-F238E27FC236}">
+                <a16:creationId xmlns:a16="http://schemas.microsoft.com/office/drawing/2014/main" id="{D7F16886-49AF-9763-1387-07932D422539}"/>
+              </a:ext>
+            </a:extLst>
+          </p:cNvPr>
+          <p:cNvSpPr>
+            <a:spLocks noGrp="1"/>
+          </p:cNvSpPr>
+          <p:nvPr>
+            <p:ph idx="1"/>
+          </p:nvPr>
+        </p:nvSpPr>
+        <p:spPr>
+          <a:xfrm>
+            <a:off x="838200" y="1266738"/>
+            <a:ext cx="10515600" cy="4910225"/>
+          </a:xfrm>
+        </p:spPr>
+        <p:txBody>
+          <a:bodyPr/>
+          <a:lstStyle/>
+          <a:p>
+            <a:r>
+              <a:rPr lang="en-US" altLang="zh-CN" dirty="0">
+                <a:solidFill>
+                  <a:schemeClr val="accent5"/>
+                </a:solidFill>
+              </a:rPr>
+              <a:t>YouroQNet :=</a:t>
+            </a:r>
+            <a:endParaRPr lang="en-US" altLang="zh-CN" sz="2800" dirty="0">
               <a:solidFill>
                 <a:schemeClr val="accent5"/>
               </a:solidFill>
             </a:endParaRPr>
+          </a:p>
+          <a:p>
+            <a:pPr lvl="1"/>
+            <a:r>
+              <a:rPr lang="en-US" altLang="zh-CN" dirty="0">
+                <a:solidFill>
+                  <a:schemeClr val="accent5"/>
+                </a:solidFill>
+              </a:rPr>
+              <a:t>pure variational quantum circuit</a:t>
+            </a:r>
+          </a:p>
+          <a:p>
+            <a:pPr lvl="1"/>
+            <a:r>
+              <a:rPr lang="en-US" altLang="zh-CN" dirty="0">
+                <a:solidFill>
+                  <a:srgbClr val="FF0000"/>
+                </a:solidFill>
+              </a:rPr>
+              <a:t>representation learning</a:t>
+            </a:r>
+          </a:p>
+          <a:p>
+            <a:pPr lvl="1"/>
+            <a:r>
+              <a:rPr lang="en-US" altLang="zh-CN" dirty="0">
+                <a:solidFill>
+                  <a:schemeClr val="accent5"/>
+                </a:solidFill>
+              </a:rPr>
+              <a:t>implicit convolutional</a:t>
+            </a:r>
+          </a:p>
+          <a:p>
+            <a:pPr lvl="1"/>
+            <a:r>
+              <a:rPr lang="en-US" altLang="zh-CN" dirty="0">
+                <a:solidFill>
+                  <a:schemeClr val="accent5"/>
+                </a:solidFill>
+              </a:rPr>
+              <a:t>implicit recurrent</a:t>
+            </a:r>
+          </a:p>
+          <a:p>
+            <a:pPr lvl="1"/>
+            <a:r>
+              <a:rPr lang="en-US" altLang="zh-CN" dirty="0">
+                <a:solidFill>
+                  <a:schemeClr val="accent5"/>
+                </a:solidFill>
+              </a:rPr>
+              <a:t>style-transfer scheme</a:t>
+            </a:r>
           </a:p>
         </p:txBody>
       </p:sp>
@@ -5158,6 +7283,100 @@
           </p:sp>
         </mc:Fallback>
       </mc:AlternateContent>
+      <p:pic>
+        <p:nvPicPr>
+          <p:cNvPr id="4" name="图片 3">
+            <a:extLst>
+              <a:ext uri="{FF2B5EF4-FFF2-40B4-BE49-F238E27FC236}">
+                <a16:creationId xmlns:a16="http://schemas.microsoft.com/office/drawing/2014/main" id="{BC9C5F83-AFFA-73A3-7AA5-4B627EA041FF}"/>
+              </a:ext>
+            </a:extLst>
+          </p:cNvPr>
+          <p:cNvPicPr>
+            <a:picLocks noChangeAspect="1"/>
+          </p:cNvPicPr>
+          <p:nvPr/>
+        </p:nvPicPr>
+        <p:blipFill>
+          <a:blip r:embed="rId3"/>
+          <a:stretch>
+            <a:fillRect/>
+          </a:stretch>
+        </p:blipFill>
+        <p:spPr>
+          <a:xfrm>
+            <a:off x="762152" y="3998182"/>
+            <a:ext cx="5035907" cy="2452340"/>
+          </a:xfrm>
+          <a:prstGeom prst="rect">
+            <a:avLst/>
+          </a:prstGeom>
+          <a:ln>
+            <a:noFill/>
+          </a:ln>
+          <a:effectLst>
+            <a:outerShdw blurRad="292100" dist="139700" dir="2700000" algn="tl" rotWithShape="0">
+              <a:srgbClr val="333333">
+                <a:alpha val="65000"/>
+              </a:srgbClr>
+            </a:outerShdw>
+          </a:effectLst>
+        </p:spPr>
+      </p:pic>
+      <p:sp>
+        <p:nvSpPr>
+          <p:cNvPr id="6" name="矩形 5">
+            <a:extLst>
+              <a:ext uri="{FF2B5EF4-FFF2-40B4-BE49-F238E27FC236}">
+                <a16:creationId xmlns:a16="http://schemas.microsoft.com/office/drawing/2014/main" id="{4BCAFD64-6B67-E640-9832-6D6C637E82EA}"/>
+              </a:ext>
+            </a:extLst>
+          </p:cNvPr>
+          <p:cNvSpPr/>
+          <p:nvPr/>
+        </p:nvSpPr>
+        <p:spPr>
+          <a:xfrm>
+            <a:off x="1946680" y="4974889"/>
+            <a:ext cx="1333425" cy="1327907"/>
+          </a:xfrm>
+          <a:prstGeom prst="rect">
+            <a:avLst/>
+          </a:prstGeom>
+          <a:noFill/>
+          <a:ln w="19050" cap="flat" cmpd="sng" algn="ctr">
+            <a:solidFill>
+              <a:srgbClr val="FF0000"/>
+            </a:solidFill>
+            <a:prstDash val="solid"/>
+            <a:round/>
+            <a:headEnd type="none" w="med" len="med"/>
+            <a:tailEnd type="none" w="med" len="med"/>
+          </a:ln>
+        </p:spPr>
+        <p:style>
+          <a:lnRef idx="0">
+            <a:scrgbClr r="0" g="0" b="0"/>
+          </a:lnRef>
+          <a:fillRef idx="0">
+            <a:scrgbClr r="0" g="0" b="0"/>
+          </a:fillRef>
+          <a:effectRef idx="0">
+            <a:scrgbClr r="0" g="0" b="0"/>
+          </a:effectRef>
+          <a:fontRef idx="minor">
+            <a:schemeClr val="accent1"/>
+          </a:fontRef>
+        </p:style>
+        <p:txBody>
+          <a:bodyPr rtlCol="0" anchor="ctr"/>
+          <a:lstStyle/>
+          <a:p>
+            <a:pPr algn="ctr"/>
+            <a:endParaRPr lang="zh-CN" altLang="en-US"/>
+          </a:p>
+        </p:txBody>
+      </p:sp>
     </p:spTree>
     <p:extLst>
       <p:ext uri="{BB962C8B-B14F-4D97-AF65-F5344CB8AC3E}">
@@ -5171,7 +7390,7 @@
 </p:sld>
 </file>
 
-<file path=ppt/slides/slide11.xml><?xml version="1.0" encoding="utf-8"?>
+<file path=ppt/slides/slide13.xml><?xml version="1.0" encoding="utf-8"?>
 <p:sld xmlns:a="http://schemas.openxmlformats.org/drawingml/2006/main" xmlns:r="http://schemas.openxmlformats.org/officeDocument/2006/relationships" xmlns:p="http://schemas.openxmlformats.org/presentationml/2006/main">
   <p:cSld>
     <p:spTree>
@@ -5262,12 +7481,28 @@
           <a:lstStyle/>
           <a:p>
             <a:r>
-              <a:rPr lang="en-US" altLang="zh-CN" sz="2800" dirty="0">
+              <a:rPr lang="en-US" altLang="zh-CN" dirty="0">
                 <a:solidFill>
                   <a:schemeClr val="accent5"/>
                 </a:solidFill>
               </a:rPr>
-              <a:t>fuses all tricks of</a:t>
+              <a:t>YouroQNet :=</a:t>
+            </a:r>
+            <a:endParaRPr lang="en-US" altLang="zh-CN" sz="2800" dirty="0">
+              <a:solidFill>
+                <a:schemeClr val="accent5"/>
+              </a:solidFill>
+            </a:endParaRPr>
+          </a:p>
+          <a:p>
+            <a:pPr lvl="1"/>
+            <a:r>
+              <a:rPr lang="en-US" altLang="zh-CN" dirty="0">
+                <a:solidFill>
+                  <a:schemeClr val="accent5"/>
+                </a:solidFill>
+              </a:rPr>
+              <a:t>pure variational quantum circuit</a:t>
             </a:r>
           </a:p>
           <a:p>
@@ -5286,21 +7521,10 @@
             <a:r>
               <a:rPr lang="en-US" altLang="zh-CN" dirty="0">
                 <a:solidFill>
-                  <a:schemeClr val="accent5"/>
-                </a:solidFill>
-              </a:rPr>
-              <a:t>modal separation for parameters</a:t>
-            </a:r>
-          </a:p>
-          <a:p>
-            <a:pPr lvl="1"/>
-            <a:r>
-              <a:rPr lang="en-US" altLang="zh-CN" dirty="0">
-                <a:solidFill>
                   <a:srgbClr val="FF0000"/>
                 </a:solidFill>
               </a:rPr>
-              <a:t>convolutional</a:t>
+              <a:t>implicit convolutional</a:t>
             </a:r>
           </a:p>
           <a:p>
@@ -5311,7 +7535,7 @@
                   <a:schemeClr val="accent5"/>
                 </a:solidFill>
               </a:rPr>
-              <a:t>recurrent</a:t>
+              <a:t>implicit recurrent</a:t>
             </a:r>
           </a:p>
           <a:p>
@@ -5324,14 +7548,6 @@
               </a:rPr>
               <a:t>style-transfer scheme</a:t>
             </a:r>
-          </a:p>
-          <a:p>
-            <a:pPr lvl="1"/>
-            <a:endParaRPr lang="en-US" altLang="zh-CN" dirty="0">
-              <a:solidFill>
-                <a:schemeClr val="accent5"/>
-              </a:solidFill>
-            </a:endParaRPr>
           </a:p>
         </p:txBody>
       </p:sp>
@@ -5396,6 +7612,100 @@
           </a:p>
         </p:txBody>
       </p:sp>
+      <p:pic>
+        <p:nvPicPr>
+          <p:cNvPr id="5" name="图片 4">
+            <a:extLst>
+              <a:ext uri="{FF2B5EF4-FFF2-40B4-BE49-F238E27FC236}">
+                <a16:creationId xmlns:a16="http://schemas.microsoft.com/office/drawing/2014/main" id="{D0217E69-E114-572B-5C43-5D21D1EEAAE2}"/>
+              </a:ext>
+            </a:extLst>
+          </p:cNvPr>
+          <p:cNvPicPr>
+            <a:picLocks noChangeAspect="1"/>
+          </p:cNvPicPr>
+          <p:nvPr/>
+        </p:nvPicPr>
+        <p:blipFill>
+          <a:blip r:embed="rId2"/>
+          <a:stretch>
+            <a:fillRect/>
+          </a:stretch>
+        </p:blipFill>
+        <p:spPr>
+          <a:xfrm>
+            <a:off x="762152" y="3998182"/>
+            <a:ext cx="5035907" cy="2452340"/>
+          </a:xfrm>
+          <a:prstGeom prst="rect">
+            <a:avLst/>
+          </a:prstGeom>
+          <a:ln>
+            <a:noFill/>
+          </a:ln>
+          <a:effectLst>
+            <a:outerShdw blurRad="292100" dist="139700" dir="2700000" algn="tl" rotWithShape="0">
+              <a:srgbClr val="333333">
+                <a:alpha val="65000"/>
+              </a:srgbClr>
+            </a:outerShdw>
+          </a:effectLst>
+        </p:spPr>
+      </p:pic>
+      <p:sp>
+        <p:nvSpPr>
+          <p:cNvPr id="6" name="矩形 5">
+            <a:extLst>
+              <a:ext uri="{FF2B5EF4-FFF2-40B4-BE49-F238E27FC236}">
+                <a16:creationId xmlns:a16="http://schemas.microsoft.com/office/drawing/2014/main" id="{CF03F8CD-E995-C2FD-6246-B7DD864398EF}"/>
+              </a:ext>
+            </a:extLst>
+          </p:cNvPr>
+          <p:cNvSpPr/>
+          <p:nvPr/>
+        </p:nvSpPr>
+        <p:spPr>
+          <a:xfrm>
+            <a:off x="828675" y="5038811"/>
+            <a:ext cx="447675" cy="1263985"/>
+          </a:xfrm>
+          <a:prstGeom prst="rect">
+            <a:avLst/>
+          </a:prstGeom>
+          <a:noFill/>
+          <a:ln w="19050" cap="flat" cmpd="sng" algn="ctr">
+            <a:solidFill>
+              <a:srgbClr val="FF0000"/>
+            </a:solidFill>
+            <a:prstDash val="solid"/>
+            <a:round/>
+            <a:headEnd type="none" w="med" len="med"/>
+            <a:tailEnd type="none" w="med" len="med"/>
+          </a:ln>
+        </p:spPr>
+        <p:style>
+          <a:lnRef idx="0">
+            <a:scrgbClr r="0" g="0" b="0"/>
+          </a:lnRef>
+          <a:fillRef idx="0">
+            <a:scrgbClr r="0" g="0" b="0"/>
+          </a:fillRef>
+          <a:effectRef idx="0">
+            <a:scrgbClr r="0" g="0" b="0"/>
+          </a:effectRef>
+          <a:fontRef idx="minor">
+            <a:schemeClr val="accent1"/>
+          </a:fontRef>
+        </p:style>
+        <p:txBody>
+          <a:bodyPr rtlCol="0" anchor="ctr"/>
+          <a:lstStyle/>
+          <a:p>
+            <a:pPr algn="ctr"/>
+            <a:endParaRPr lang="zh-CN" altLang="en-US"/>
+          </a:p>
+        </p:txBody>
+      </p:sp>
     </p:spTree>
     <p:extLst>
       <p:ext uri="{BB962C8B-B14F-4D97-AF65-F5344CB8AC3E}">
@@ -5409,7 +7719,7 @@
 </p:sld>
 </file>
 
-<file path=ppt/slides/slide12.xml><?xml version="1.0" encoding="utf-8"?>
+<file path=ppt/slides/slide14.xml><?xml version="1.0" encoding="utf-8"?>
 <p:sld xmlns:a="http://schemas.openxmlformats.org/drawingml/2006/main" xmlns:r="http://schemas.openxmlformats.org/officeDocument/2006/relationships" xmlns:p="http://schemas.openxmlformats.org/presentationml/2006/main">
   <p:cSld>
     <p:spTree>
@@ -5500,12 +7810,28 @@
           <a:lstStyle/>
           <a:p>
             <a:r>
-              <a:rPr lang="en-US" altLang="zh-CN" sz="2800" dirty="0">
+              <a:rPr lang="en-US" altLang="zh-CN" dirty="0">
                 <a:solidFill>
                   <a:schemeClr val="accent5"/>
                 </a:solidFill>
               </a:rPr>
-              <a:t>fuses all tricks of</a:t>
+              <a:t>YouroQNet :=</a:t>
+            </a:r>
+            <a:endParaRPr lang="en-US" altLang="zh-CN" sz="2800" dirty="0">
+              <a:solidFill>
+                <a:schemeClr val="accent5"/>
+              </a:solidFill>
+            </a:endParaRPr>
+          </a:p>
+          <a:p>
+            <a:pPr lvl="1"/>
+            <a:r>
+              <a:rPr lang="en-US" altLang="zh-CN" dirty="0">
+                <a:solidFill>
+                  <a:schemeClr val="accent5"/>
+                </a:solidFill>
+              </a:rPr>
+              <a:t>pure variational quantum circuit</a:t>
             </a:r>
           </a:p>
           <a:p>
@@ -5527,18 +7853,7 @@
                   <a:schemeClr val="accent5"/>
                 </a:solidFill>
               </a:rPr>
-              <a:t>modal separation for parameters</a:t>
-            </a:r>
-          </a:p>
-          <a:p>
-            <a:pPr lvl="1"/>
-            <a:r>
-              <a:rPr lang="en-US" altLang="zh-CN" dirty="0">
-                <a:solidFill>
-                  <a:schemeClr val="accent5"/>
-                </a:solidFill>
-              </a:rPr>
-              <a:t>convolutional</a:t>
+              <a:t>implicit convolutional</a:t>
             </a:r>
           </a:p>
           <a:p>
@@ -5549,7 +7864,7 @@
                   <a:srgbClr val="FF0000"/>
                 </a:solidFill>
               </a:rPr>
-              <a:t>recurrent</a:t>
+              <a:t>implicit recurrent</a:t>
             </a:r>
           </a:p>
           <a:p>
@@ -5562,14 +7877,6 @@
               </a:rPr>
               <a:t>style-transfer scheme</a:t>
             </a:r>
-          </a:p>
-          <a:p>
-            <a:pPr lvl="1"/>
-            <a:endParaRPr lang="en-US" altLang="zh-CN" dirty="0">
-              <a:solidFill>
-                <a:schemeClr val="accent5"/>
-              </a:solidFill>
-            </a:endParaRPr>
           </a:p>
         </p:txBody>
       </p:sp>
@@ -5805,6 +8112,100 @@
           </p:sp>
         </mc:Fallback>
       </mc:AlternateContent>
+      <p:pic>
+        <p:nvPicPr>
+          <p:cNvPr id="5" name="图片 4">
+            <a:extLst>
+              <a:ext uri="{FF2B5EF4-FFF2-40B4-BE49-F238E27FC236}">
+                <a16:creationId xmlns:a16="http://schemas.microsoft.com/office/drawing/2014/main" id="{87400FDD-AD0C-FAA9-C24B-3E6525FA1AE5}"/>
+              </a:ext>
+            </a:extLst>
+          </p:cNvPr>
+          <p:cNvPicPr>
+            <a:picLocks noChangeAspect="1"/>
+          </p:cNvPicPr>
+          <p:nvPr/>
+        </p:nvPicPr>
+        <p:blipFill>
+          <a:blip r:embed="rId3"/>
+          <a:stretch>
+            <a:fillRect/>
+          </a:stretch>
+        </p:blipFill>
+        <p:spPr>
+          <a:xfrm>
+            <a:off x="762152" y="3998182"/>
+            <a:ext cx="5035907" cy="2452340"/>
+          </a:xfrm>
+          <a:prstGeom prst="rect">
+            <a:avLst/>
+          </a:prstGeom>
+          <a:ln>
+            <a:noFill/>
+          </a:ln>
+          <a:effectLst>
+            <a:outerShdw blurRad="292100" dist="139700" dir="2700000" algn="tl" rotWithShape="0">
+              <a:srgbClr val="333333">
+                <a:alpha val="65000"/>
+              </a:srgbClr>
+            </a:outerShdw>
+          </a:effectLst>
+        </p:spPr>
+      </p:pic>
+      <p:sp>
+        <p:nvSpPr>
+          <p:cNvPr id="6" name="矩形 5">
+            <a:extLst>
+              <a:ext uri="{FF2B5EF4-FFF2-40B4-BE49-F238E27FC236}">
+                <a16:creationId xmlns:a16="http://schemas.microsoft.com/office/drawing/2014/main" id="{8D1B2470-D779-5B0E-7878-6E238FA085E5}"/>
+              </a:ext>
+            </a:extLst>
+          </p:cNvPr>
+          <p:cNvSpPr/>
+          <p:nvPr/>
+        </p:nvSpPr>
+        <p:spPr>
+          <a:xfrm>
+            <a:off x="1924050" y="4417765"/>
+            <a:ext cx="2295525" cy="1885032"/>
+          </a:xfrm>
+          <a:prstGeom prst="rect">
+            <a:avLst/>
+          </a:prstGeom>
+          <a:noFill/>
+          <a:ln w="19050" cap="flat" cmpd="sng" algn="ctr">
+            <a:solidFill>
+              <a:srgbClr val="FF0000"/>
+            </a:solidFill>
+            <a:prstDash val="solid"/>
+            <a:round/>
+            <a:headEnd type="none" w="med" len="med"/>
+            <a:tailEnd type="none" w="med" len="med"/>
+          </a:ln>
+        </p:spPr>
+        <p:style>
+          <a:lnRef idx="0">
+            <a:scrgbClr r="0" g="0" b="0"/>
+          </a:lnRef>
+          <a:fillRef idx="0">
+            <a:scrgbClr r="0" g="0" b="0"/>
+          </a:fillRef>
+          <a:effectRef idx="0">
+            <a:scrgbClr r="0" g="0" b="0"/>
+          </a:effectRef>
+          <a:fontRef idx="minor">
+            <a:schemeClr val="accent1"/>
+          </a:fontRef>
+        </p:style>
+        <p:txBody>
+          <a:bodyPr rtlCol="0" anchor="ctr"/>
+          <a:lstStyle/>
+          <a:p>
+            <a:pPr algn="ctr"/>
+            <a:endParaRPr lang="zh-CN" altLang="en-US"/>
+          </a:p>
+        </p:txBody>
+      </p:sp>
     </p:spTree>
     <p:extLst>
       <p:ext uri="{BB962C8B-B14F-4D97-AF65-F5344CB8AC3E}">
@@ -5818,7 +8219,7 @@
 </p:sld>
 </file>
 
-<file path=ppt/slides/slide13.xml><?xml version="1.0" encoding="utf-8"?>
+<file path=ppt/slides/slide15.xml><?xml version="1.0" encoding="utf-8"?>
 <p:sld xmlns:a="http://schemas.openxmlformats.org/drawingml/2006/main" xmlns:r="http://schemas.openxmlformats.org/officeDocument/2006/relationships" xmlns:p="http://schemas.openxmlformats.org/presentationml/2006/main">
   <p:cSld>
     <p:spTree>
@@ -5909,12 +8310,28 @@
           <a:lstStyle/>
           <a:p>
             <a:r>
-              <a:rPr lang="en-US" altLang="zh-CN" sz="2800" dirty="0">
+              <a:rPr lang="en-US" altLang="zh-CN" dirty="0">
                 <a:solidFill>
                   <a:schemeClr val="accent5"/>
                 </a:solidFill>
               </a:rPr>
-              <a:t>fuses all tricks of</a:t>
+              <a:t>YouroQNet :=</a:t>
+            </a:r>
+            <a:endParaRPr lang="en-US" altLang="zh-CN" sz="2800" dirty="0">
+              <a:solidFill>
+                <a:schemeClr val="accent5"/>
+              </a:solidFill>
+            </a:endParaRPr>
+          </a:p>
+          <a:p>
+            <a:pPr lvl="1"/>
+            <a:r>
+              <a:rPr lang="en-US" altLang="zh-CN" dirty="0">
+                <a:solidFill>
+                  <a:schemeClr val="accent5"/>
+                </a:solidFill>
+              </a:rPr>
+              <a:t>pure variational quantum circuit</a:t>
             </a:r>
           </a:p>
           <a:p>
@@ -5936,7 +8353,7 @@
                   <a:schemeClr val="accent5"/>
                 </a:solidFill>
               </a:rPr>
-              <a:t>modal separation for parameters</a:t>
+              <a:t>implicit convolutional</a:t>
             </a:r>
           </a:p>
           <a:p>
@@ -5947,18 +8364,7 @@
                   <a:schemeClr val="accent5"/>
                 </a:solidFill>
               </a:rPr>
-              <a:t>convolutional</a:t>
-            </a:r>
-          </a:p>
-          <a:p>
-            <a:pPr lvl="1"/>
-            <a:r>
-              <a:rPr lang="en-US" altLang="zh-CN" dirty="0">
-                <a:solidFill>
-                  <a:schemeClr val="accent5"/>
-                </a:solidFill>
-              </a:rPr>
-              <a:t>recurrent</a:t>
+              <a:t>implicit recurrent</a:t>
             </a:r>
           </a:p>
           <a:p>
@@ -6264,6 +8670,100 @@
           </p:sp>
         </mc:Fallback>
       </mc:AlternateContent>
+      <p:pic>
+        <p:nvPicPr>
+          <p:cNvPr id="5" name="图片 4">
+            <a:extLst>
+              <a:ext uri="{FF2B5EF4-FFF2-40B4-BE49-F238E27FC236}">
+                <a16:creationId xmlns:a16="http://schemas.microsoft.com/office/drawing/2014/main" id="{CD2BA3CF-6259-E663-BFF8-A705F52560B5}"/>
+              </a:ext>
+            </a:extLst>
+          </p:cNvPr>
+          <p:cNvPicPr>
+            <a:picLocks noChangeAspect="1"/>
+          </p:cNvPicPr>
+          <p:nvPr/>
+        </p:nvPicPr>
+        <p:blipFill>
+          <a:blip r:embed="rId3"/>
+          <a:stretch>
+            <a:fillRect/>
+          </a:stretch>
+        </p:blipFill>
+        <p:spPr>
+          <a:xfrm>
+            <a:off x="762152" y="3998182"/>
+            <a:ext cx="5035907" cy="2452340"/>
+          </a:xfrm>
+          <a:prstGeom prst="rect">
+            <a:avLst/>
+          </a:prstGeom>
+          <a:ln>
+            <a:noFill/>
+          </a:ln>
+          <a:effectLst>
+            <a:outerShdw blurRad="292100" dist="139700" dir="2700000" algn="tl" rotWithShape="0">
+              <a:srgbClr val="333333">
+                <a:alpha val="65000"/>
+              </a:srgbClr>
+            </a:outerShdw>
+          </a:effectLst>
+        </p:spPr>
+      </p:pic>
+      <p:sp>
+        <p:nvSpPr>
+          <p:cNvPr id="6" name="矩形 5">
+            <a:extLst>
+              <a:ext uri="{FF2B5EF4-FFF2-40B4-BE49-F238E27FC236}">
+                <a16:creationId xmlns:a16="http://schemas.microsoft.com/office/drawing/2014/main" id="{5A052C59-7EB0-D64C-B08D-AC4D16CAD500}"/>
+              </a:ext>
+            </a:extLst>
+          </p:cNvPr>
+          <p:cNvSpPr/>
+          <p:nvPr/>
+        </p:nvSpPr>
+        <p:spPr>
+          <a:xfrm>
+            <a:off x="838200" y="4457700"/>
+            <a:ext cx="4867275" cy="616372"/>
+          </a:xfrm>
+          <a:prstGeom prst="rect">
+            <a:avLst/>
+          </a:prstGeom>
+          <a:noFill/>
+          <a:ln w="19050" cap="flat" cmpd="sng" algn="ctr">
+            <a:solidFill>
+              <a:srgbClr val="FF0000"/>
+            </a:solidFill>
+            <a:prstDash val="solid"/>
+            <a:round/>
+            <a:headEnd type="none" w="med" len="med"/>
+            <a:tailEnd type="none" w="med" len="med"/>
+          </a:ln>
+        </p:spPr>
+        <p:style>
+          <a:lnRef idx="0">
+            <a:scrgbClr r="0" g="0" b="0"/>
+          </a:lnRef>
+          <a:fillRef idx="0">
+            <a:scrgbClr r="0" g="0" b="0"/>
+          </a:fillRef>
+          <a:effectRef idx="0">
+            <a:scrgbClr r="0" g="0" b="0"/>
+          </a:effectRef>
+          <a:fontRef idx="minor">
+            <a:schemeClr val="accent1"/>
+          </a:fontRef>
+        </p:style>
+        <p:txBody>
+          <a:bodyPr rtlCol="0" anchor="ctr"/>
+          <a:lstStyle/>
+          <a:p>
+            <a:pPr algn="ctr"/>
+            <a:endParaRPr lang="zh-CN" altLang="en-US"/>
+          </a:p>
+        </p:txBody>
+      </p:sp>
     </p:spTree>
     <p:extLst>
       <p:ext uri="{BB962C8B-B14F-4D97-AF65-F5344CB8AC3E}">
@@ -6277,7 +8777,7 @@
 </p:sld>
 </file>
 
-<file path=ppt/slides/slide14.xml><?xml version="1.0" encoding="utf-8"?>
+<file path=ppt/slides/slide16.xml><?xml version="1.0" encoding="utf-8"?>
 <p:sld xmlns:a="http://schemas.openxmlformats.org/drawingml/2006/main" xmlns:r="http://schemas.openxmlformats.org/officeDocument/2006/relationships" xmlns:p="http://schemas.openxmlformats.org/presentationml/2006/main">
   <p:cSld>
     <p:spTree>
@@ -6357,7 +8857,7 @@
             <p:ph idx="1"/>
             <p:extLst>
               <p:ext uri="{D42A27DB-BD31-4B8C-83A1-F6EECF244321}">
-                <p14:modId xmlns:p14="http://schemas.microsoft.com/office/powerpoint/2010/main" val="3562869361"/>
+                <p14:modId xmlns:p14="http://schemas.microsoft.com/office/powerpoint/2010/main" val="3133512808"/>
               </p:ext>
             </p:extLst>
           </p:nvPr>
@@ -7110,7 +9610,25 @@
                     <a:lstStyle/>
                     <a:p>
                       <a:pPr lvl="0" algn="ctr"/>
-                      <a:endParaRPr lang="zh-CN" altLang="en-US" sz="2400" dirty="0"/>
+                      <a:r>
+                        <a:rPr lang="en-US" altLang="zh-CN" sz="1600" u="sng" kern="1200" dirty="0">
+                          <a:solidFill>
+                            <a:srgbClr val="0070C0"/>
+                          </a:solidFill>
+                          <a:latin typeface="+mn-lt"/>
+                          <a:ea typeface="+mn-ea"/>
+                          <a:cs typeface="+mn-cs"/>
+                        </a:rPr>
+                        <a:t>0.018</a:t>
+                      </a:r>
+                      <a:endParaRPr lang="zh-CN" altLang="en-US" sz="1600" u="sng" kern="1200" dirty="0">
+                        <a:solidFill>
+                          <a:srgbClr val="0070C0"/>
+                        </a:solidFill>
+                        <a:latin typeface="+mn-lt"/>
+                        <a:ea typeface="+mn-ea"/>
+                        <a:cs typeface="+mn-cs"/>
+                      </a:endParaRPr>
                     </a:p>
                   </a:txBody>
                   <a:tcPr anchor="ctr"/>
@@ -7121,7 +9639,25 @@
                     <a:lstStyle/>
                     <a:p>
                       <a:pPr lvl="0" algn="ctr"/>
-                      <a:endParaRPr lang="zh-CN" altLang="en-US" sz="2400" dirty="0"/>
+                      <a:r>
+                        <a:rPr lang="en-US" altLang="zh-CN" sz="1600" kern="1200" dirty="0">
+                          <a:solidFill>
+                            <a:srgbClr val="0070C0"/>
+                          </a:solidFill>
+                          <a:latin typeface="+mn-lt"/>
+                          <a:ea typeface="+mn-ea"/>
+                          <a:cs typeface="+mn-cs"/>
+                        </a:rPr>
+                        <a:t>0.349</a:t>
+                      </a:r>
+                      <a:endParaRPr lang="zh-CN" altLang="en-US" sz="1600" kern="1200" dirty="0">
+                        <a:solidFill>
+                          <a:srgbClr val="0070C0"/>
+                        </a:solidFill>
+                        <a:latin typeface="+mn-lt"/>
+                        <a:ea typeface="+mn-ea"/>
+                        <a:cs typeface="+mn-cs"/>
+                      </a:endParaRPr>
                     </a:p>
                   </a:txBody>
                   <a:tcPr anchor="ctr"/>
@@ -7132,7 +9668,25 @@
                     <a:lstStyle/>
                     <a:p>
                       <a:pPr lvl="0" algn="ctr"/>
-                      <a:endParaRPr lang="zh-CN" altLang="en-US" sz="2400" dirty="0"/>
+                      <a:r>
+                        <a:rPr lang="en-US" altLang="zh-CN" sz="1600" kern="1200" dirty="0">
+                          <a:solidFill>
+                            <a:srgbClr val="0070C0"/>
+                          </a:solidFill>
+                          <a:latin typeface="+mn-lt"/>
+                          <a:ea typeface="+mn-ea"/>
+                          <a:cs typeface="+mn-cs"/>
+                        </a:rPr>
+                        <a:t>0.321</a:t>
+                      </a:r>
+                      <a:endParaRPr lang="zh-CN" altLang="en-US" sz="1600" kern="1200" dirty="0">
+                        <a:solidFill>
+                          <a:srgbClr val="0070C0"/>
+                        </a:solidFill>
+                        <a:latin typeface="+mn-lt"/>
+                        <a:ea typeface="+mn-ea"/>
+                        <a:cs typeface="+mn-cs"/>
+                      </a:endParaRPr>
                     </a:p>
                   </a:txBody>
                   <a:tcPr anchor="ctr"/>
@@ -7143,7 +9697,25 @@
                     <a:lstStyle/>
                     <a:p>
                       <a:pPr lvl="0" algn="ctr"/>
-                      <a:endParaRPr lang="zh-CN" altLang="en-US" sz="2400" dirty="0"/>
+                      <a:r>
+                        <a:rPr lang="en-US" altLang="zh-CN" sz="1600" kern="1200" dirty="0">
+                          <a:solidFill>
+                            <a:srgbClr val="0070C0"/>
+                          </a:solidFill>
+                          <a:latin typeface="+mn-lt"/>
+                          <a:ea typeface="+mn-ea"/>
+                          <a:cs typeface="+mn-cs"/>
+                        </a:rPr>
+                        <a:t>0.287</a:t>
+                      </a:r>
+                      <a:endParaRPr lang="zh-CN" altLang="en-US" sz="1600" kern="1200" dirty="0">
+                        <a:solidFill>
+                          <a:srgbClr val="0070C0"/>
+                        </a:solidFill>
+                        <a:latin typeface="+mn-lt"/>
+                        <a:ea typeface="+mn-ea"/>
+                        <a:cs typeface="+mn-cs"/>
+                      </a:endParaRPr>
                     </a:p>
                   </a:txBody>
                   <a:tcPr anchor="ctr"/>
@@ -7154,7 +9726,25 @@
                     <a:lstStyle/>
                     <a:p>
                       <a:pPr lvl="0" algn="ctr"/>
-                      <a:endParaRPr lang="zh-CN" altLang="en-US" sz="2400" dirty="0"/>
+                      <a:r>
+                        <a:rPr lang="en-US" altLang="zh-CN" sz="1600" kern="1200" dirty="0">
+                          <a:solidFill>
+                            <a:srgbClr val="0070C0"/>
+                          </a:solidFill>
+                          <a:latin typeface="+mn-lt"/>
+                          <a:ea typeface="+mn-ea"/>
+                          <a:cs typeface="+mn-cs"/>
+                        </a:rPr>
+                        <a:t>0.338</a:t>
+                      </a:r>
+                      <a:endParaRPr lang="zh-CN" altLang="en-US" sz="1600" kern="1200" dirty="0">
+                        <a:solidFill>
+                          <a:srgbClr val="0070C0"/>
+                        </a:solidFill>
+                        <a:latin typeface="+mn-lt"/>
+                        <a:ea typeface="+mn-ea"/>
+                        <a:cs typeface="+mn-cs"/>
+                      </a:endParaRPr>
                     </a:p>
                   </a:txBody>
                   <a:tcPr anchor="ctr"/>
@@ -7165,7 +9755,25 @@
                     <a:lstStyle/>
                     <a:p>
                       <a:pPr lvl="0" algn="ctr"/>
-                      <a:endParaRPr lang="zh-CN" altLang="en-US" sz="2400" dirty="0"/>
+                      <a:r>
+                        <a:rPr lang="en-US" altLang="zh-CN" sz="1600" kern="1200" dirty="0">
+                          <a:solidFill>
+                            <a:srgbClr val="0070C0"/>
+                          </a:solidFill>
+                          <a:latin typeface="+mn-lt"/>
+                          <a:ea typeface="+mn-ea"/>
+                          <a:cs typeface="+mn-cs"/>
+                        </a:rPr>
+                        <a:t>0.214</a:t>
+                      </a:r>
+                      <a:endParaRPr lang="zh-CN" altLang="en-US" sz="1600" kern="1200" dirty="0">
+                        <a:solidFill>
+                          <a:srgbClr val="0070C0"/>
+                        </a:solidFill>
+                        <a:latin typeface="+mn-lt"/>
+                        <a:ea typeface="+mn-ea"/>
+                        <a:cs typeface="+mn-cs"/>
+                      </a:endParaRPr>
                     </a:p>
                   </a:txBody>
                   <a:tcPr anchor="ctr"/>
@@ -7176,7 +9784,25 @@
                     <a:lstStyle/>
                     <a:p>
                       <a:pPr lvl="0" algn="ctr"/>
-                      <a:endParaRPr lang="zh-CN" altLang="en-US" sz="2400" dirty="0"/>
+                      <a:r>
+                        <a:rPr lang="en-US" altLang="zh-CN" sz="1600" kern="1200" dirty="0">
+                          <a:solidFill>
+                            <a:srgbClr val="0070C0"/>
+                          </a:solidFill>
+                          <a:latin typeface="+mn-lt"/>
+                          <a:ea typeface="+mn-ea"/>
+                          <a:cs typeface="+mn-cs"/>
+                        </a:rPr>
+                        <a:t>0.357</a:t>
+                      </a:r>
+                      <a:endParaRPr lang="zh-CN" altLang="en-US" sz="1600" kern="1200" dirty="0">
+                        <a:solidFill>
+                          <a:srgbClr val="0070C0"/>
+                        </a:solidFill>
+                        <a:latin typeface="+mn-lt"/>
+                        <a:ea typeface="+mn-ea"/>
+                        <a:cs typeface="+mn-cs"/>
+                      </a:endParaRPr>
                     </a:p>
                   </a:txBody>
                   <a:tcPr anchor="ctr"/>
@@ -7187,7 +9813,25 @@
                     <a:lstStyle/>
                     <a:p>
                       <a:pPr lvl="0" algn="ctr"/>
-                      <a:endParaRPr lang="zh-CN" altLang="en-US" sz="2400" dirty="0"/>
+                      <a:r>
+                        <a:rPr lang="en-US" altLang="zh-CN" sz="1600" kern="1200" dirty="0">
+                          <a:solidFill>
+                            <a:srgbClr val="0070C0"/>
+                          </a:solidFill>
+                          <a:latin typeface="+mn-lt"/>
+                          <a:ea typeface="+mn-ea"/>
+                          <a:cs typeface="+mn-cs"/>
+                        </a:rPr>
+                        <a:t>0.374</a:t>
+                      </a:r>
+                      <a:endParaRPr lang="zh-CN" altLang="en-US" sz="1600" kern="1200" dirty="0">
+                        <a:solidFill>
+                          <a:srgbClr val="0070C0"/>
+                        </a:solidFill>
+                        <a:latin typeface="+mn-lt"/>
+                        <a:ea typeface="+mn-ea"/>
+                        <a:cs typeface="+mn-cs"/>
+                      </a:endParaRPr>
                     </a:p>
                   </a:txBody>
                   <a:tcPr anchor="ctr"/>
@@ -7198,7 +9842,25 @@
                     <a:lstStyle/>
                     <a:p>
                       <a:pPr lvl="0" algn="ctr"/>
-                      <a:endParaRPr lang="zh-CN" altLang="en-US" sz="2400"/>
+                      <a:r>
+                        <a:rPr lang="en-US" altLang="zh-CN" sz="1600" kern="1200" dirty="0">
+                          <a:solidFill>
+                            <a:srgbClr val="0070C0"/>
+                          </a:solidFill>
+                          <a:latin typeface="+mn-lt"/>
+                          <a:ea typeface="+mn-ea"/>
+                          <a:cs typeface="+mn-cs"/>
+                        </a:rPr>
+                        <a:t>0.41</a:t>
+                      </a:r>
+                      <a:endParaRPr lang="zh-CN" altLang="en-US" sz="1600" kern="1200" dirty="0">
+                        <a:solidFill>
+                          <a:srgbClr val="0070C0"/>
+                        </a:solidFill>
+                        <a:latin typeface="+mn-lt"/>
+                        <a:ea typeface="+mn-ea"/>
+                        <a:cs typeface="+mn-cs"/>
+                      </a:endParaRPr>
                     </a:p>
                   </a:txBody>
                   <a:tcPr anchor="ctr"/>
@@ -7209,7 +9871,25 @@
                     <a:lstStyle/>
                     <a:p>
                       <a:pPr lvl="0" algn="ctr"/>
-                      <a:endParaRPr lang="zh-CN" altLang="en-US" sz="2400" dirty="0"/>
+                      <a:r>
+                        <a:rPr lang="en-US" altLang="zh-CN" sz="1600" kern="1200" dirty="0">
+                          <a:solidFill>
+                            <a:srgbClr val="0070C0"/>
+                          </a:solidFill>
+                          <a:latin typeface="+mn-lt"/>
+                          <a:ea typeface="+mn-ea"/>
+                          <a:cs typeface="+mn-cs"/>
+                        </a:rPr>
+                        <a:t>0.361</a:t>
+                      </a:r>
+                      <a:endParaRPr lang="zh-CN" altLang="en-US" sz="1600" kern="1200" dirty="0">
+                        <a:solidFill>
+                          <a:srgbClr val="0070C0"/>
+                        </a:solidFill>
+                        <a:latin typeface="+mn-lt"/>
+                        <a:ea typeface="+mn-ea"/>
+                        <a:cs typeface="+mn-cs"/>
+                      </a:endParaRPr>
                     </a:p>
                   </a:txBody>
                   <a:tcPr anchor="ctr"/>
@@ -7220,7 +9900,25 @@
                     <a:lstStyle/>
                     <a:p>
                       <a:pPr lvl="0" algn="ctr"/>
-                      <a:endParaRPr lang="zh-CN" altLang="en-US" sz="2400" dirty="0"/>
+                      <a:r>
+                        <a:rPr lang="en-US" altLang="zh-CN" sz="1600" kern="1200" dirty="0">
+                          <a:solidFill>
+                            <a:srgbClr val="0070C0"/>
+                          </a:solidFill>
+                          <a:latin typeface="+mn-lt"/>
+                          <a:ea typeface="+mn-ea"/>
+                          <a:cs typeface="+mn-cs"/>
+                        </a:rPr>
+                        <a:t>0.413</a:t>
+                      </a:r>
+                      <a:endParaRPr lang="zh-CN" altLang="en-US" sz="1600" kern="1200" dirty="0">
+                        <a:solidFill>
+                          <a:srgbClr val="0070C0"/>
+                        </a:solidFill>
+                        <a:latin typeface="+mn-lt"/>
+                        <a:ea typeface="+mn-ea"/>
+                        <a:cs typeface="+mn-cs"/>
+                      </a:endParaRPr>
                     </a:p>
                   </a:txBody>
                   <a:tcPr anchor="ctr"/>
@@ -7231,7 +9929,25 @@
                     <a:lstStyle/>
                     <a:p>
                       <a:pPr lvl="0" algn="ctr"/>
-                      <a:endParaRPr lang="zh-CN" altLang="en-US" sz="2400" dirty="0"/>
+                      <a:r>
+                        <a:rPr lang="en-US" altLang="zh-CN" sz="1600" kern="1200" dirty="0">
+                          <a:solidFill>
+                            <a:srgbClr val="0070C0"/>
+                          </a:solidFill>
+                          <a:latin typeface="+mn-lt"/>
+                          <a:ea typeface="+mn-ea"/>
+                          <a:cs typeface="+mn-cs"/>
+                        </a:rPr>
+                        <a:t>0.430</a:t>
+                      </a:r>
+                      <a:endParaRPr lang="zh-CN" altLang="en-US" sz="1600" kern="1200" dirty="0">
+                        <a:solidFill>
+                          <a:srgbClr val="0070C0"/>
+                        </a:solidFill>
+                        <a:latin typeface="+mn-lt"/>
+                        <a:ea typeface="+mn-ea"/>
+                        <a:cs typeface="+mn-cs"/>
+                      </a:endParaRPr>
                     </a:p>
                   </a:txBody>
                   <a:tcPr anchor="ctr"/>
@@ -7242,7 +9958,25 @@
                     <a:lstStyle/>
                     <a:p>
                       <a:pPr lvl="0" algn="ctr"/>
-                      <a:endParaRPr lang="zh-CN" altLang="en-US" sz="2400"/>
+                      <a:r>
+                        <a:rPr lang="en-US" altLang="zh-CN" sz="1600" kern="1200" dirty="0">
+                          <a:solidFill>
+                            <a:srgbClr val="0070C0"/>
+                          </a:solidFill>
+                          <a:latin typeface="+mn-lt"/>
+                          <a:ea typeface="+mn-ea"/>
+                          <a:cs typeface="+mn-cs"/>
+                        </a:rPr>
+                        <a:t>0.458</a:t>
+                      </a:r>
+                      <a:endParaRPr lang="zh-CN" altLang="en-US" sz="1600" kern="1200" dirty="0">
+                        <a:solidFill>
+                          <a:srgbClr val="0070C0"/>
+                        </a:solidFill>
+                        <a:latin typeface="+mn-lt"/>
+                        <a:ea typeface="+mn-ea"/>
+                        <a:cs typeface="+mn-cs"/>
+                      </a:endParaRPr>
                     </a:p>
                   </a:txBody>
                   <a:tcPr anchor="ctr"/>
@@ -7253,7 +9987,25 @@
                     <a:lstStyle/>
                     <a:p>
                       <a:pPr lvl="0" algn="ctr"/>
-                      <a:endParaRPr lang="zh-CN" altLang="en-US" sz="2400" dirty="0"/>
+                      <a:r>
+                        <a:rPr lang="en-US" altLang="zh-CN" sz="1600" kern="1200" dirty="0">
+                          <a:solidFill>
+                            <a:srgbClr val="0070C0"/>
+                          </a:solidFill>
+                          <a:latin typeface="+mn-lt"/>
+                          <a:ea typeface="+mn-ea"/>
+                          <a:cs typeface="+mn-cs"/>
+                        </a:rPr>
+                        <a:t>0.455</a:t>
+                      </a:r>
+                      <a:endParaRPr lang="zh-CN" altLang="en-US" sz="1600" kern="1200" dirty="0">
+                        <a:solidFill>
+                          <a:srgbClr val="0070C0"/>
+                        </a:solidFill>
+                        <a:latin typeface="+mn-lt"/>
+                        <a:ea typeface="+mn-ea"/>
+                        <a:cs typeface="+mn-cs"/>
+                      </a:endParaRPr>
                     </a:p>
                   </a:txBody>
                   <a:tcPr anchor="ctr"/>
@@ -7294,7 +10046,25 @@
                     <a:lstStyle/>
                     <a:p>
                       <a:pPr lvl="0" algn="ctr"/>
-                      <a:endParaRPr lang="zh-CN" altLang="en-US" sz="2400" dirty="0"/>
+                      <a:r>
+                        <a:rPr lang="en-US" altLang="zh-CN" sz="1600" u="sng" kern="1200" dirty="0">
+                          <a:solidFill>
+                            <a:srgbClr val="0070C0"/>
+                          </a:solidFill>
+                          <a:latin typeface="+mn-lt"/>
+                          <a:ea typeface="+mn-ea"/>
+                          <a:cs typeface="+mn-cs"/>
+                        </a:rPr>
+                        <a:t>0.342</a:t>
+                      </a:r>
+                      <a:endParaRPr lang="zh-CN" altLang="en-US" sz="1600" u="sng" kern="1200" dirty="0">
+                        <a:solidFill>
+                          <a:srgbClr val="0070C0"/>
+                        </a:solidFill>
+                        <a:latin typeface="+mn-lt"/>
+                        <a:ea typeface="+mn-ea"/>
+                        <a:cs typeface="+mn-cs"/>
+                      </a:endParaRPr>
                     </a:p>
                   </a:txBody>
                   <a:tcPr anchor="ctr"/>
@@ -7305,7 +10075,25 @@
                     <a:lstStyle/>
                     <a:p>
                       <a:pPr lvl="0" algn="ctr"/>
-                      <a:endParaRPr lang="zh-CN" altLang="en-US" sz="2400" dirty="0"/>
+                      <a:r>
+                        <a:rPr lang="en-US" altLang="zh-CN" sz="1600" kern="1200" dirty="0">
+                          <a:solidFill>
+                            <a:srgbClr val="0070C0"/>
+                          </a:solidFill>
+                          <a:latin typeface="+mn-lt"/>
+                          <a:ea typeface="+mn-ea"/>
+                          <a:cs typeface="+mn-cs"/>
+                        </a:rPr>
+                        <a:t>0.294</a:t>
+                      </a:r>
+                      <a:endParaRPr lang="zh-CN" altLang="en-US" sz="1600" kern="1200" dirty="0">
+                        <a:solidFill>
+                          <a:srgbClr val="0070C0"/>
+                        </a:solidFill>
+                        <a:latin typeface="+mn-lt"/>
+                        <a:ea typeface="+mn-ea"/>
+                        <a:cs typeface="+mn-cs"/>
+                      </a:endParaRPr>
                     </a:p>
                   </a:txBody>
                   <a:tcPr anchor="ctr"/>
@@ -7316,7 +10104,25 @@
                     <a:lstStyle/>
                     <a:p>
                       <a:pPr lvl="0" algn="ctr"/>
-                      <a:endParaRPr lang="zh-CN" altLang="en-US" sz="2400" dirty="0"/>
+                      <a:r>
+                        <a:rPr lang="en-US" altLang="zh-CN" sz="1600" kern="1200" dirty="0">
+                          <a:solidFill>
+                            <a:srgbClr val="0070C0"/>
+                          </a:solidFill>
+                          <a:latin typeface="+mn-lt"/>
+                          <a:ea typeface="+mn-ea"/>
+                          <a:cs typeface="+mn-cs"/>
+                        </a:rPr>
+                        <a:t>0.175</a:t>
+                      </a:r>
+                      <a:endParaRPr lang="zh-CN" altLang="en-US" sz="1600" kern="1200" dirty="0">
+                        <a:solidFill>
+                          <a:srgbClr val="0070C0"/>
+                        </a:solidFill>
+                        <a:latin typeface="+mn-lt"/>
+                        <a:ea typeface="+mn-ea"/>
+                        <a:cs typeface="+mn-cs"/>
+                      </a:endParaRPr>
                     </a:p>
                   </a:txBody>
                   <a:tcPr anchor="ctr"/>
@@ -7327,7 +10133,25 @@
                     <a:lstStyle/>
                     <a:p>
                       <a:pPr lvl="0" algn="ctr"/>
-                      <a:endParaRPr lang="zh-CN" altLang="en-US" sz="2400"/>
+                      <a:r>
+                        <a:rPr lang="en-US" altLang="zh-CN" sz="1600" kern="1200" dirty="0">
+                          <a:solidFill>
+                            <a:srgbClr val="0070C0"/>
+                          </a:solidFill>
+                          <a:latin typeface="+mn-lt"/>
+                          <a:ea typeface="+mn-ea"/>
+                          <a:cs typeface="+mn-cs"/>
+                        </a:rPr>
+                        <a:t>0.32</a:t>
+                      </a:r>
+                      <a:endParaRPr lang="zh-CN" altLang="en-US" sz="1600" kern="1200" dirty="0">
+                        <a:solidFill>
+                          <a:srgbClr val="0070C0"/>
+                        </a:solidFill>
+                        <a:latin typeface="+mn-lt"/>
+                        <a:ea typeface="+mn-ea"/>
+                        <a:cs typeface="+mn-cs"/>
+                      </a:endParaRPr>
                     </a:p>
                   </a:txBody>
                   <a:tcPr anchor="ctr"/>
@@ -7338,7 +10162,25 @@
                     <a:lstStyle/>
                     <a:p>
                       <a:pPr lvl="0" algn="ctr"/>
-                      <a:endParaRPr lang="zh-CN" altLang="en-US" sz="2400" dirty="0"/>
+                      <a:r>
+                        <a:rPr lang="en-US" altLang="zh-CN" sz="1600" kern="1200" dirty="0">
+                          <a:solidFill>
+                            <a:srgbClr val="0070C0"/>
+                          </a:solidFill>
+                          <a:latin typeface="+mn-lt"/>
+                          <a:ea typeface="+mn-ea"/>
+                          <a:cs typeface="+mn-cs"/>
+                        </a:rPr>
+                        <a:t>0.327</a:t>
+                      </a:r>
+                      <a:endParaRPr lang="zh-CN" altLang="en-US" sz="1600" kern="1200" dirty="0">
+                        <a:solidFill>
+                          <a:srgbClr val="0070C0"/>
+                        </a:solidFill>
+                        <a:latin typeface="+mn-lt"/>
+                        <a:ea typeface="+mn-ea"/>
+                        <a:cs typeface="+mn-cs"/>
+                      </a:endParaRPr>
                     </a:p>
                   </a:txBody>
                   <a:tcPr anchor="ctr"/>
@@ -7349,7 +10191,25 @@
                     <a:lstStyle/>
                     <a:p>
                       <a:pPr lvl="0" algn="ctr"/>
-                      <a:endParaRPr lang="zh-CN" altLang="en-US" sz="2400" dirty="0"/>
+                      <a:r>
+                        <a:rPr lang="en-US" altLang="zh-CN" sz="1600" kern="1200" dirty="0">
+                          <a:solidFill>
+                            <a:srgbClr val="0070C0"/>
+                          </a:solidFill>
+                          <a:latin typeface="+mn-lt"/>
+                          <a:ea typeface="+mn-ea"/>
+                          <a:cs typeface="+mn-cs"/>
+                        </a:rPr>
+                        <a:t>0.356</a:t>
+                      </a:r>
+                      <a:endParaRPr lang="zh-CN" altLang="en-US" sz="1600" kern="1200" dirty="0">
+                        <a:solidFill>
+                          <a:srgbClr val="0070C0"/>
+                        </a:solidFill>
+                        <a:latin typeface="+mn-lt"/>
+                        <a:ea typeface="+mn-ea"/>
+                        <a:cs typeface="+mn-cs"/>
+                      </a:endParaRPr>
                     </a:p>
                   </a:txBody>
                   <a:tcPr anchor="ctr"/>
@@ -7360,7 +10220,25 @@
                     <a:lstStyle/>
                     <a:p>
                       <a:pPr lvl="0" algn="ctr"/>
-                      <a:endParaRPr lang="zh-CN" altLang="en-US" sz="2400" dirty="0"/>
+                      <a:r>
+                        <a:rPr lang="en-US" altLang="zh-CN" sz="1600" kern="1200" dirty="0">
+                          <a:solidFill>
+                            <a:srgbClr val="0070C0"/>
+                          </a:solidFill>
+                          <a:latin typeface="+mn-lt"/>
+                          <a:ea typeface="+mn-ea"/>
+                          <a:cs typeface="+mn-cs"/>
+                        </a:rPr>
+                        <a:t>0.300</a:t>
+                      </a:r>
+                      <a:endParaRPr lang="zh-CN" altLang="en-US" sz="1600" kern="1200" dirty="0">
+                        <a:solidFill>
+                          <a:srgbClr val="0070C0"/>
+                        </a:solidFill>
+                        <a:latin typeface="+mn-lt"/>
+                        <a:ea typeface="+mn-ea"/>
+                        <a:cs typeface="+mn-cs"/>
+                      </a:endParaRPr>
                     </a:p>
                   </a:txBody>
                   <a:tcPr anchor="ctr"/>
@@ -7371,7 +10249,25 @@
                     <a:lstStyle/>
                     <a:p>
                       <a:pPr lvl="0" algn="ctr"/>
-                      <a:endParaRPr lang="zh-CN" altLang="en-US" sz="2400" dirty="0"/>
+                      <a:r>
+                        <a:rPr lang="en-US" altLang="zh-CN" sz="1600" kern="1200" dirty="0">
+                          <a:solidFill>
+                            <a:srgbClr val="0070C0"/>
+                          </a:solidFill>
+                          <a:latin typeface="+mn-lt"/>
+                          <a:ea typeface="+mn-ea"/>
+                          <a:cs typeface="+mn-cs"/>
+                        </a:rPr>
+                        <a:t>0.336</a:t>
+                      </a:r>
+                      <a:endParaRPr lang="zh-CN" altLang="en-US" sz="1600" kern="1200" dirty="0">
+                        <a:solidFill>
+                          <a:srgbClr val="0070C0"/>
+                        </a:solidFill>
+                        <a:latin typeface="+mn-lt"/>
+                        <a:ea typeface="+mn-ea"/>
+                        <a:cs typeface="+mn-cs"/>
+                      </a:endParaRPr>
                     </a:p>
                   </a:txBody>
                   <a:tcPr anchor="ctr"/>
@@ -7382,7 +10278,25 @@
                     <a:lstStyle/>
                     <a:p>
                       <a:pPr lvl="0" algn="ctr"/>
-                      <a:endParaRPr lang="zh-CN" altLang="en-US" sz="2400" dirty="0"/>
+                      <a:r>
+                        <a:rPr lang="en-US" altLang="zh-CN" sz="1600" kern="1200" dirty="0">
+                          <a:solidFill>
+                            <a:srgbClr val="0070C0"/>
+                          </a:solidFill>
+                          <a:latin typeface="+mn-lt"/>
+                          <a:ea typeface="+mn-ea"/>
+                          <a:cs typeface="+mn-cs"/>
+                        </a:rPr>
+                        <a:t>0.291</a:t>
+                      </a:r>
+                      <a:endParaRPr lang="zh-CN" altLang="en-US" sz="1600" kern="1200" dirty="0">
+                        <a:solidFill>
+                          <a:srgbClr val="0070C0"/>
+                        </a:solidFill>
+                        <a:latin typeface="+mn-lt"/>
+                        <a:ea typeface="+mn-ea"/>
+                        <a:cs typeface="+mn-cs"/>
+                      </a:endParaRPr>
                     </a:p>
                   </a:txBody>
                   <a:tcPr anchor="ctr"/>
@@ -7393,7 +10307,25 @@
                     <a:lstStyle/>
                     <a:p>
                       <a:pPr lvl="0" algn="ctr"/>
-                      <a:endParaRPr lang="zh-CN" altLang="en-US" sz="2400" dirty="0"/>
+                      <a:r>
+                        <a:rPr lang="en-US" altLang="zh-CN" sz="1600" kern="1200" dirty="0">
+                          <a:solidFill>
+                            <a:srgbClr val="0070C0"/>
+                          </a:solidFill>
+                          <a:latin typeface="+mn-lt"/>
+                          <a:ea typeface="+mn-ea"/>
+                          <a:cs typeface="+mn-cs"/>
+                        </a:rPr>
+                        <a:t>0.347</a:t>
+                      </a:r>
+                      <a:endParaRPr lang="zh-CN" altLang="en-US" sz="1600" kern="1200" dirty="0">
+                        <a:solidFill>
+                          <a:srgbClr val="0070C0"/>
+                        </a:solidFill>
+                        <a:latin typeface="+mn-lt"/>
+                        <a:ea typeface="+mn-ea"/>
+                        <a:cs typeface="+mn-cs"/>
+                      </a:endParaRPr>
                     </a:p>
                   </a:txBody>
                   <a:tcPr anchor="ctr"/>
@@ -7404,7 +10336,25 @@
                     <a:lstStyle/>
                     <a:p>
                       <a:pPr lvl="0" algn="ctr"/>
-                      <a:endParaRPr lang="zh-CN" altLang="en-US" sz="2400" dirty="0"/>
+                      <a:r>
+                        <a:rPr lang="en-US" altLang="zh-CN" sz="1600" kern="1200" dirty="0">
+                          <a:solidFill>
+                            <a:srgbClr val="0070C0"/>
+                          </a:solidFill>
+                          <a:latin typeface="+mn-lt"/>
+                          <a:ea typeface="+mn-ea"/>
+                          <a:cs typeface="+mn-cs"/>
+                        </a:rPr>
+                        <a:t>0.333</a:t>
+                      </a:r>
+                      <a:endParaRPr lang="zh-CN" altLang="en-US" sz="1600" kern="1200" dirty="0">
+                        <a:solidFill>
+                          <a:srgbClr val="0070C0"/>
+                        </a:solidFill>
+                        <a:latin typeface="+mn-lt"/>
+                        <a:ea typeface="+mn-ea"/>
+                        <a:cs typeface="+mn-cs"/>
+                      </a:endParaRPr>
                     </a:p>
                   </a:txBody>
                   <a:tcPr anchor="ctr"/>
@@ -7415,7 +10365,25 @@
                     <a:lstStyle/>
                     <a:p>
                       <a:pPr lvl="0" algn="ctr"/>
-                      <a:endParaRPr lang="zh-CN" altLang="en-US" sz="2400" dirty="0"/>
+                      <a:r>
+                        <a:rPr lang="en-US" altLang="zh-CN" sz="1600" kern="1200" dirty="0">
+                          <a:solidFill>
+                            <a:srgbClr val="0070C0"/>
+                          </a:solidFill>
+                          <a:latin typeface="+mn-lt"/>
+                          <a:ea typeface="+mn-ea"/>
+                          <a:cs typeface="+mn-cs"/>
+                        </a:rPr>
+                        <a:t>0.375</a:t>
+                      </a:r>
+                      <a:endParaRPr lang="zh-CN" altLang="en-US" sz="1600" kern="1200" dirty="0">
+                        <a:solidFill>
+                          <a:srgbClr val="0070C0"/>
+                        </a:solidFill>
+                        <a:latin typeface="+mn-lt"/>
+                        <a:ea typeface="+mn-ea"/>
+                        <a:cs typeface="+mn-cs"/>
+                      </a:endParaRPr>
                     </a:p>
                   </a:txBody>
                   <a:tcPr anchor="ctr"/>
@@ -7426,7 +10394,25 @@
                     <a:lstStyle/>
                     <a:p>
                       <a:pPr lvl="0" algn="ctr"/>
-                      <a:endParaRPr lang="zh-CN" altLang="en-US" sz="2400" dirty="0"/>
+                      <a:r>
+                        <a:rPr lang="en-US" altLang="zh-CN" sz="1600" kern="1200" dirty="0">
+                          <a:solidFill>
+                            <a:srgbClr val="0070C0"/>
+                          </a:solidFill>
+                          <a:latin typeface="+mn-lt"/>
+                          <a:ea typeface="+mn-ea"/>
+                          <a:cs typeface="+mn-cs"/>
+                        </a:rPr>
+                        <a:t>0.393</a:t>
+                      </a:r>
+                      <a:endParaRPr lang="zh-CN" altLang="en-US" sz="1600" kern="1200" dirty="0">
+                        <a:solidFill>
+                          <a:srgbClr val="0070C0"/>
+                        </a:solidFill>
+                        <a:latin typeface="+mn-lt"/>
+                        <a:ea typeface="+mn-ea"/>
+                        <a:cs typeface="+mn-cs"/>
+                      </a:endParaRPr>
                     </a:p>
                   </a:txBody>
                   <a:tcPr anchor="ctr"/>
@@ -7437,7 +10423,25 @@
                     <a:lstStyle/>
                     <a:p>
                       <a:pPr lvl="0" algn="ctr"/>
-                      <a:endParaRPr lang="zh-CN" altLang="en-US" sz="2400" dirty="0"/>
+                      <a:r>
+                        <a:rPr lang="en-US" altLang="zh-CN" sz="1600" kern="1200" dirty="0">
+                          <a:solidFill>
+                            <a:srgbClr val="0070C0"/>
+                          </a:solidFill>
+                          <a:latin typeface="+mn-lt"/>
+                          <a:ea typeface="+mn-ea"/>
+                          <a:cs typeface="+mn-cs"/>
+                        </a:rPr>
+                        <a:t>0.370</a:t>
+                      </a:r>
+                      <a:endParaRPr lang="zh-CN" altLang="en-US" sz="1600" kern="1200" dirty="0">
+                        <a:solidFill>
+                          <a:srgbClr val="0070C0"/>
+                        </a:solidFill>
+                        <a:latin typeface="+mn-lt"/>
+                        <a:ea typeface="+mn-ea"/>
+                        <a:cs typeface="+mn-cs"/>
+                      </a:endParaRPr>
                     </a:p>
                   </a:txBody>
                   <a:tcPr anchor="ctr"/>
@@ -7478,7 +10482,25 @@
                     <a:lstStyle/>
                     <a:p>
                       <a:pPr lvl="0" algn="ctr"/>
-                      <a:endParaRPr lang="zh-CN" altLang="en-US" sz="2400" dirty="0"/>
+                      <a:r>
+                        <a:rPr lang="en-US" altLang="zh-CN" sz="1600" u="sng" kern="1200" dirty="0">
+                          <a:solidFill>
+                            <a:srgbClr val="0070C0"/>
+                          </a:solidFill>
+                          <a:latin typeface="+mn-lt"/>
+                          <a:ea typeface="+mn-ea"/>
+                          <a:cs typeface="+mn-cs"/>
+                        </a:rPr>
+                        <a:t>0.22</a:t>
+                      </a:r>
+                      <a:endParaRPr lang="zh-CN" altLang="en-US" sz="1600" u="sng" kern="1200" dirty="0">
+                        <a:solidFill>
+                          <a:srgbClr val="0070C0"/>
+                        </a:solidFill>
+                        <a:latin typeface="+mn-lt"/>
+                        <a:ea typeface="+mn-ea"/>
+                        <a:cs typeface="+mn-cs"/>
+                      </a:endParaRPr>
                     </a:p>
                   </a:txBody>
                   <a:tcPr anchor="ctr"/>
@@ -7489,7 +10511,25 @@
                     <a:lstStyle/>
                     <a:p>
                       <a:pPr lvl="0" algn="ctr"/>
-                      <a:endParaRPr lang="zh-CN" altLang="en-US" sz="2400" dirty="0"/>
+                      <a:r>
+                        <a:rPr lang="en-US" altLang="zh-CN" sz="1600" kern="1200" dirty="0">
+                          <a:solidFill>
+                            <a:srgbClr val="0070C0"/>
+                          </a:solidFill>
+                          <a:latin typeface="+mn-lt"/>
+                          <a:ea typeface="+mn-ea"/>
+                          <a:cs typeface="+mn-cs"/>
+                        </a:rPr>
+                        <a:t>0.306</a:t>
+                      </a:r>
+                      <a:endParaRPr lang="zh-CN" altLang="en-US" sz="1600" kern="1200" dirty="0">
+                        <a:solidFill>
+                          <a:srgbClr val="0070C0"/>
+                        </a:solidFill>
+                        <a:latin typeface="+mn-lt"/>
+                        <a:ea typeface="+mn-ea"/>
+                        <a:cs typeface="+mn-cs"/>
+                      </a:endParaRPr>
                     </a:p>
                   </a:txBody>
                   <a:tcPr anchor="ctr"/>
@@ -7500,7 +10540,25 @@
                     <a:lstStyle/>
                     <a:p>
                       <a:pPr lvl="0" algn="ctr"/>
-                      <a:endParaRPr lang="zh-CN" altLang="en-US" sz="2400" dirty="0"/>
+                      <a:r>
+                        <a:rPr lang="en-US" altLang="zh-CN" sz="1600" kern="1200" dirty="0">
+                          <a:solidFill>
+                            <a:srgbClr val="0070C0"/>
+                          </a:solidFill>
+                          <a:latin typeface="+mn-lt"/>
+                          <a:ea typeface="+mn-ea"/>
+                          <a:cs typeface="+mn-cs"/>
+                        </a:rPr>
+                        <a:t>0.321</a:t>
+                      </a:r>
+                      <a:endParaRPr lang="zh-CN" altLang="en-US" sz="1600" kern="1200" dirty="0">
+                        <a:solidFill>
+                          <a:srgbClr val="0070C0"/>
+                        </a:solidFill>
+                        <a:latin typeface="+mn-lt"/>
+                        <a:ea typeface="+mn-ea"/>
+                        <a:cs typeface="+mn-cs"/>
+                      </a:endParaRPr>
                     </a:p>
                   </a:txBody>
                   <a:tcPr anchor="ctr"/>
@@ -7511,7 +10569,25 @@
                     <a:lstStyle/>
                     <a:p>
                       <a:pPr lvl="0" algn="ctr"/>
-                      <a:endParaRPr lang="zh-CN" altLang="en-US" sz="2400"/>
+                      <a:r>
+                        <a:rPr lang="en-US" altLang="zh-CN" sz="1600" kern="1200" dirty="0">
+                          <a:solidFill>
+                            <a:srgbClr val="0070C0"/>
+                          </a:solidFill>
+                          <a:latin typeface="+mn-lt"/>
+                          <a:ea typeface="+mn-ea"/>
+                          <a:cs typeface="+mn-cs"/>
+                        </a:rPr>
+                        <a:t>0.283</a:t>
+                      </a:r>
+                      <a:endParaRPr lang="zh-CN" altLang="en-US" sz="1600" kern="1200" dirty="0">
+                        <a:solidFill>
+                          <a:srgbClr val="0070C0"/>
+                        </a:solidFill>
+                        <a:latin typeface="+mn-lt"/>
+                        <a:ea typeface="+mn-ea"/>
+                        <a:cs typeface="+mn-cs"/>
+                      </a:endParaRPr>
                     </a:p>
                   </a:txBody>
                   <a:tcPr anchor="ctr"/>
@@ -7522,7 +10598,25 @@
                     <a:lstStyle/>
                     <a:p>
                       <a:pPr lvl="0" algn="ctr"/>
-                      <a:endParaRPr lang="zh-CN" altLang="en-US" sz="2400"/>
+                      <a:r>
+                        <a:rPr lang="en-US" altLang="zh-CN" sz="1600" kern="1200" dirty="0">
+                          <a:solidFill>
+                            <a:srgbClr val="0070C0"/>
+                          </a:solidFill>
+                          <a:latin typeface="+mn-lt"/>
+                          <a:ea typeface="+mn-ea"/>
+                          <a:cs typeface="+mn-cs"/>
+                        </a:rPr>
+                        <a:t>0.175</a:t>
+                      </a:r>
+                      <a:endParaRPr lang="zh-CN" altLang="en-US" sz="1600" kern="1200" dirty="0">
+                        <a:solidFill>
+                          <a:srgbClr val="0070C0"/>
+                        </a:solidFill>
+                        <a:latin typeface="+mn-lt"/>
+                        <a:ea typeface="+mn-ea"/>
+                        <a:cs typeface="+mn-cs"/>
+                      </a:endParaRPr>
                     </a:p>
                   </a:txBody>
                   <a:tcPr anchor="ctr"/>
@@ -7533,7 +10627,25 @@
                     <a:lstStyle/>
                     <a:p>
                       <a:pPr lvl="0" algn="ctr"/>
-                      <a:endParaRPr lang="zh-CN" altLang="en-US" sz="2400"/>
+                      <a:r>
+                        <a:rPr lang="en-US" altLang="zh-CN" sz="1600" kern="1200" dirty="0">
+                          <a:solidFill>
+                            <a:srgbClr val="0070C0"/>
+                          </a:solidFill>
+                          <a:latin typeface="+mn-lt"/>
+                          <a:ea typeface="+mn-ea"/>
+                          <a:cs typeface="+mn-cs"/>
+                        </a:rPr>
+                        <a:t>0.169</a:t>
+                      </a:r>
+                      <a:endParaRPr lang="zh-CN" altLang="en-US" sz="1600" kern="1200" dirty="0">
+                        <a:solidFill>
+                          <a:srgbClr val="0070C0"/>
+                        </a:solidFill>
+                        <a:latin typeface="+mn-lt"/>
+                        <a:ea typeface="+mn-ea"/>
+                        <a:cs typeface="+mn-cs"/>
+                      </a:endParaRPr>
                     </a:p>
                   </a:txBody>
                   <a:tcPr anchor="ctr"/>
@@ -7544,7 +10656,25 @@
                     <a:lstStyle/>
                     <a:p>
                       <a:pPr lvl="0" algn="ctr"/>
-                      <a:endParaRPr lang="zh-CN" altLang="en-US" sz="2400"/>
+                      <a:r>
+                        <a:rPr lang="en-US" altLang="zh-CN" sz="1600" kern="1200" dirty="0">
+                          <a:solidFill>
+                            <a:srgbClr val="0070C0"/>
+                          </a:solidFill>
+                          <a:latin typeface="+mn-lt"/>
+                          <a:ea typeface="+mn-ea"/>
+                          <a:cs typeface="+mn-cs"/>
+                        </a:rPr>
+                        <a:t>0.274</a:t>
+                      </a:r>
+                      <a:endParaRPr lang="zh-CN" altLang="en-US" sz="1600" kern="1200" dirty="0">
+                        <a:solidFill>
+                          <a:srgbClr val="0070C0"/>
+                        </a:solidFill>
+                        <a:latin typeface="+mn-lt"/>
+                        <a:ea typeface="+mn-ea"/>
+                        <a:cs typeface="+mn-cs"/>
+                      </a:endParaRPr>
                     </a:p>
                   </a:txBody>
                   <a:tcPr anchor="ctr"/>
@@ -7555,7 +10685,25 @@
                     <a:lstStyle/>
                     <a:p>
                       <a:pPr lvl="0" algn="ctr"/>
-                      <a:endParaRPr lang="zh-CN" altLang="en-US" sz="2400"/>
+                      <a:r>
+                        <a:rPr lang="en-US" altLang="zh-CN" sz="1600" kern="1200" dirty="0">
+                          <a:solidFill>
+                            <a:srgbClr val="0070C0"/>
+                          </a:solidFill>
+                          <a:latin typeface="+mn-lt"/>
+                          <a:ea typeface="+mn-ea"/>
+                          <a:cs typeface="+mn-cs"/>
+                        </a:rPr>
+                        <a:t>0.349</a:t>
+                      </a:r>
+                      <a:endParaRPr lang="zh-CN" altLang="en-US" sz="1600" kern="1200" dirty="0">
+                        <a:solidFill>
+                          <a:srgbClr val="0070C0"/>
+                        </a:solidFill>
+                        <a:latin typeface="+mn-lt"/>
+                        <a:ea typeface="+mn-ea"/>
+                        <a:cs typeface="+mn-cs"/>
+                      </a:endParaRPr>
                     </a:p>
                   </a:txBody>
                   <a:tcPr anchor="ctr"/>
@@ -7566,7 +10714,25 @@
                     <a:lstStyle/>
                     <a:p>
                       <a:pPr lvl="0" algn="ctr"/>
-                      <a:endParaRPr lang="zh-CN" altLang="en-US" sz="2400"/>
+                      <a:r>
+                        <a:rPr lang="en-US" altLang="zh-CN" sz="1600" kern="1200" dirty="0">
+                          <a:solidFill>
+                            <a:srgbClr val="0070C0"/>
+                          </a:solidFill>
+                          <a:latin typeface="+mn-lt"/>
+                          <a:ea typeface="+mn-ea"/>
+                          <a:cs typeface="+mn-cs"/>
+                        </a:rPr>
+                        <a:t>0.306</a:t>
+                      </a:r>
+                      <a:endParaRPr lang="zh-CN" altLang="en-US" sz="1600" kern="1200" dirty="0">
+                        <a:solidFill>
+                          <a:srgbClr val="0070C0"/>
+                        </a:solidFill>
+                        <a:latin typeface="+mn-lt"/>
+                        <a:ea typeface="+mn-ea"/>
+                        <a:cs typeface="+mn-cs"/>
+                      </a:endParaRPr>
                     </a:p>
                   </a:txBody>
                   <a:tcPr anchor="ctr"/>
@@ -7577,7 +10743,25 @@
                     <a:lstStyle/>
                     <a:p>
                       <a:pPr lvl="0" algn="ctr"/>
-                      <a:endParaRPr lang="zh-CN" altLang="en-US" sz="2400"/>
+                      <a:r>
+                        <a:rPr lang="en-US" altLang="zh-CN" sz="1600" kern="1200" dirty="0">
+                          <a:solidFill>
+                            <a:srgbClr val="0070C0"/>
+                          </a:solidFill>
+                          <a:latin typeface="+mn-lt"/>
+                          <a:ea typeface="+mn-ea"/>
+                          <a:cs typeface="+mn-cs"/>
+                        </a:rPr>
+                        <a:t>0.310</a:t>
+                      </a:r>
+                      <a:endParaRPr lang="zh-CN" altLang="en-US" sz="1600" kern="1200" dirty="0">
+                        <a:solidFill>
+                          <a:srgbClr val="0070C0"/>
+                        </a:solidFill>
+                        <a:latin typeface="+mn-lt"/>
+                        <a:ea typeface="+mn-ea"/>
+                        <a:cs typeface="+mn-cs"/>
+                      </a:endParaRPr>
                     </a:p>
                   </a:txBody>
                   <a:tcPr anchor="ctr"/>
@@ -7588,7 +10772,25 @@
                     <a:lstStyle/>
                     <a:p>
                       <a:pPr lvl="0" algn="ctr"/>
-                      <a:endParaRPr lang="zh-CN" altLang="en-US" sz="2400"/>
+                      <a:r>
+                        <a:rPr lang="en-US" altLang="zh-CN" sz="1600" kern="1200" dirty="0">
+                          <a:solidFill>
+                            <a:srgbClr val="0070C0"/>
+                          </a:solidFill>
+                          <a:latin typeface="+mn-lt"/>
+                          <a:ea typeface="+mn-ea"/>
+                          <a:cs typeface="+mn-cs"/>
+                        </a:rPr>
+                        <a:t>0.24</a:t>
+                      </a:r>
+                      <a:endParaRPr lang="zh-CN" altLang="en-US" sz="1600" kern="1200" dirty="0">
+                        <a:solidFill>
+                          <a:srgbClr val="0070C0"/>
+                        </a:solidFill>
+                        <a:latin typeface="+mn-lt"/>
+                        <a:ea typeface="+mn-ea"/>
+                        <a:cs typeface="+mn-cs"/>
+                      </a:endParaRPr>
                     </a:p>
                   </a:txBody>
                   <a:tcPr anchor="ctr"/>
@@ -7599,7 +10801,25 @@
                     <a:lstStyle/>
                     <a:p>
                       <a:pPr lvl="0" algn="ctr"/>
-                      <a:endParaRPr lang="zh-CN" altLang="en-US" sz="2400"/>
+                      <a:r>
+                        <a:rPr lang="en-US" altLang="zh-CN" sz="1600" kern="1200" dirty="0">
+                          <a:solidFill>
+                            <a:srgbClr val="0070C0"/>
+                          </a:solidFill>
+                          <a:latin typeface="+mn-lt"/>
+                          <a:ea typeface="+mn-ea"/>
+                          <a:cs typeface="+mn-cs"/>
+                        </a:rPr>
+                        <a:t>0.171</a:t>
+                      </a:r>
+                      <a:endParaRPr lang="zh-CN" altLang="en-US" sz="1600" kern="1200" dirty="0">
+                        <a:solidFill>
+                          <a:srgbClr val="0070C0"/>
+                        </a:solidFill>
+                        <a:latin typeface="+mn-lt"/>
+                        <a:ea typeface="+mn-ea"/>
+                        <a:cs typeface="+mn-cs"/>
+                      </a:endParaRPr>
                     </a:p>
                   </a:txBody>
                   <a:tcPr anchor="ctr"/>
@@ -7610,7 +10830,25 @@
                     <a:lstStyle/>
                     <a:p>
                       <a:pPr lvl="0" algn="ctr"/>
-                      <a:endParaRPr lang="zh-CN" altLang="en-US" sz="2400"/>
+                      <a:r>
+                        <a:rPr lang="en-US" altLang="zh-CN" sz="1600" kern="1200" dirty="0">
+                          <a:solidFill>
+                            <a:srgbClr val="0070C0"/>
+                          </a:solidFill>
+                          <a:latin typeface="+mn-lt"/>
+                          <a:ea typeface="+mn-ea"/>
+                          <a:cs typeface="+mn-cs"/>
+                        </a:rPr>
+                        <a:t>0.328</a:t>
+                      </a:r>
+                      <a:endParaRPr lang="zh-CN" altLang="en-US" sz="1600" kern="1200" dirty="0">
+                        <a:solidFill>
+                          <a:srgbClr val="0070C0"/>
+                        </a:solidFill>
+                        <a:latin typeface="+mn-lt"/>
+                        <a:ea typeface="+mn-ea"/>
+                        <a:cs typeface="+mn-cs"/>
+                      </a:endParaRPr>
                     </a:p>
                   </a:txBody>
                   <a:tcPr anchor="ctr"/>
@@ -7621,7 +10859,25 @@
                     <a:lstStyle/>
                     <a:p>
                       <a:pPr lvl="0" algn="ctr"/>
-                      <a:endParaRPr lang="zh-CN" altLang="en-US" sz="2400"/>
+                      <a:r>
+                        <a:rPr lang="en-US" altLang="zh-CN" sz="1600" kern="1200" dirty="0">
+                          <a:solidFill>
+                            <a:srgbClr val="0070C0"/>
+                          </a:solidFill>
+                          <a:latin typeface="+mn-lt"/>
+                          <a:ea typeface="+mn-ea"/>
+                          <a:cs typeface="+mn-cs"/>
+                        </a:rPr>
+                        <a:t>0.225</a:t>
+                      </a:r>
+                      <a:endParaRPr lang="zh-CN" altLang="en-US" sz="1600" kern="1200" dirty="0">
+                        <a:solidFill>
+                          <a:srgbClr val="0070C0"/>
+                        </a:solidFill>
+                        <a:latin typeface="+mn-lt"/>
+                        <a:ea typeface="+mn-ea"/>
+                        <a:cs typeface="+mn-cs"/>
+                      </a:endParaRPr>
                     </a:p>
                   </a:txBody>
                   <a:tcPr anchor="ctr"/>
@@ -7662,7 +10918,25 @@
                     <a:lstStyle/>
                     <a:p>
                       <a:pPr lvl="0" algn="ctr"/>
-                      <a:endParaRPr lang="zh-CN" altLang="en-US" sz="2400" dirty="0"/>
+                      <a:r>
+                        <a:rPr lang="en-US" altLang="zh-CN" sz="1600" u="sng" kern="1200" dirty="0">
+                          <a:solidFill>
+                            <a:srgbClr val="0070C0"/>
+                          </a:solidFill>
+                          <a:latin typeface="+mn-lt"/>
+                          <a:ea typeface="+mn-ea"/>
+                          <a:cs typeface="+mn-cs"/>
+                        </a:rPr>
+                        <a:t>0.273</a:t>
+                      </a:r>
+                      <a:endParaRPr lang="zh-CN" altLang="en-US" sz="1600" u="sng" kern="1200" dirty="0">
+                        <a:solidFill>
+                          <a:srgbClr val="0070C0"/>
+                        </a:solidFill>
+                        <a:latin typeface="+mn-lt"/>
+                        <a:ea typeface="+mn-ea"/>
+                        <a:cs typeface="+mn-cs"/>
+                      </a:endParaRPr>
                     </a:p>
                   </a:txBody>
                   <a:tcPr anchor="ctr"/>
@@ -7673,7 +10947,25 @@
                     <a:lstStyle/>
                     <a:p>
                       <a:pPr lvl="0" algn="ctr"/>
-                      <a:endParaRPr lang="zh-CN" altLang="en-US" sz="2400" dirty="0"/>
+                      <a:r>
+                        <a:rPr lang="en-US" altLang="zh-CN" sz="1600" kern="1200" dirty="0">
+                          <a:solidFill>
+                            <a:srgbClr val="0070C0"/>
+                          </a:solidFill>
+                          <a:latin typeface="+mn-lt"/>
+                          <a:ea typeface="+mn-ea"/>
+                          <a:cs typeface="+mn-cs"/>
+                        </a:rPr>
+                        <a:t>0.187</a:t>
+                      </a:r>
+                      <a:endParaRPr lang="zh-CN" altLang="en-US" sz="1600" kern="1200" dirty="0">
+                        <a:solidFill>
+                          <a:srgbClr val="0070C0"/>
+                        </a:solidFill>
+                        <a:latin typeface="+mn-lt"/>
+                        <a:ea typeface="+mn-ea"/>
+                        <a:cs typeface="+mn-cs"/>
+                      </a:endParaRPr>
                     </a:p>
                   </a:txBody>
                   <a:tcPr anchor="ctr"/>
@@ -7684,7 +10976,25 @@
                     <a:lstStyle/>
                     <a:p>
                       <a:pPr lvl="0" algn="ctr"/>
-                      <a:endParaRPr lang="zh-CN" altLang="en-US" sz="2400" dirty="0"/>
+                      <a:r>
+                        <a:rPr lang="en-US" altLang="zh-CN" sz="1600" kern="1200" dirty="0">
+                          <a:solidFill>
+                            <a:srgbClr val="0070C0"/>
+                          </a:solidFill>
+                          <a:latin typeface="+mn-lt"/>
+                          <a:ea typeface="+mn-ea"/>
+                          <a:cs typeface="+mn-cs"/>
+                        </a:rPr>
+                        <a:t>0.275</a:t>
+                      </a:r>
+                      <a:endParaRPr lang="zh-CN" altLang="en-US" sz="1600" kern="1200" dirty="0">
+                        <a:solidFill>
+                          <a:srgbClr val="0070C0"/>
+                        </a:solidFill>
+                        <a:latin typeface="+mn-lt"/>
+                        <a:ea typeface="+mn-ea"/>
+                        <a:cs typeface="+mn-cs"/>
+                      </a:endParaRPr>
                     </a:p>
                   </a:txBody>
                   <a:tcPr anchor="ctr"/>
@@ -7695,7 +11005,25 @@
                     <a:lstStyle/>
                     <a:p>
                       <a:pPr lvl="0" algn="ctr"/>
-                      <a:endParaRPr lang="zh-CN" altLang="en-US" sz="2400" dirty="0"/>
+                      <a:r>
+                        <a:rPr lang="en-US" altLang="zh-CN" sz="1600" kern="1200" dirty="0">
+                          <a:solidFill>
+                            <a:srgbClr val="0070C0"/>
+                          </a:solidFill>
+                          <a:latin typeface="+mn-lt"/>
+                          <a:ea typeface="+mn-ea"/>
+                          <a:cs typeface="+mn-cs"/>
+                        </a:rPr>
+                        <a:t>0.318</a:t>
+                      </a:r>
+                      <a:endParaRPr lang="zh-CN" altLang="en-US" sz="1600" kern="1200" dirty="0">
+                        <a:solidFill>
+                          <a:srgbClr val="0070C0"/>
+                        </a:solidFill>
+                        <a:latin typeface="+mn-lt"/>
+                        <a:ea typeface="+mn-ea"/>
+                        <a:cs typeface="+mn-cs"/>
+                      </a:endParaRPr>
                     </a:p>
                   </a:txBody>
                   <a:tcPr anchor="ctr"/>
@@ -7706,7 +11034,25 @@
                     <a:lstStyle/>
                     <a:p>
                       <a:pPr lvl="0" algn="ctr"/>
-                      <a:endParaRPr lang="zh-CN" altLang="en-US" sz="2400"/>
+                      <a:r>
+                        <a:rPr lang="en-US" altLang="zh-CN" sz="1600" kern="1200" dirty="0">
+                          <a:solidFill>
+                            <a:srgbClr val="0070C0"/>
+                          </a:solidFill>
+                          <a:latin typeface="+mn-lt"/>
+                          <a:ea typeface="+mn-ea"/>
+                          <a:cs typeface="+mn-cs"/>
+                        </a:rPr>
+                        <a:t>0.271</a:t>
+                      </a:r>
+                      <a:endParaRPr lang="zh-CN" altLang="en-US" sz="1600" kern="1200" dirty="0">
+                        <a:solidFill>
+                          <a:srgbClr val="0070C0"/>
+                        </a:solidFill>
+                        <a:latin typeface="+mn-lt"/>
+                        <a:ea typeface="+mn-ea"/>
+                        <a:cs typeface="+mn-cs"/>
+                      </a:endParaRPr>
                     </a:p>
                   </a:txBody>
                   <a:tcPr anchor="ctr"/>
@@ -7717,7 +11063,25 @@
                     <a:lstStyle/>
                     <a:p>
                       <a:pPr lvl="0" algn="ctr"/>
-                      <a:endParaRPr lang="zh-CN" altLang="en-US" sz="2400"/>
+                      <a:r>
+                        <a:rPr lang="en-US" altLang="zh-CN" sz="1600" kern="1200" dirty="0">
+                          <a:solidFill>
+                            <a:srgbClr val="0070C0"/>
+                          </a:solidFill>
+                          <a:latin typeface="+mn-lt"/>
+                          <a:ea typeface="+mn-ea"/>
+                          <a:cs typeface="+mn-cs"/>
+                        </a:rPr>
+                        <a:t>0.259</a:t>
+                      </a:r>
+                      <a:endParaRPr lang="zh-CN" altLang="en-US" sz="1600" kern="1200" dirty="0">
+                        <a:solidFill>
+                          <a:srgbClr val="0070C0"/>
+                        </a:solidFill>
+                        <a:latin typeface="+mn-lt"/>
+                        <a:ea typeface="+mn-ea"/>
+                        <a:cs typeface="+mn-cs"/>
+                      </a:endParaRPr>
                     </a:p>
                   </a:txBody>
                   <a:tcPr anchor="ctr"/>
@@ -7728,7 +11092,25 @@
                     <a:lstStyle/>
                     <a:p>
                       <a:pPr lvl="0" algn="ctr"/>
-                      <a:endParaRPr lang="zh-CN" altLang="en-US" sz="2400"/>
+                      <a:r>
+                        <a:rPr lang="en-US" altLang="zh-CN" sz="1600" kern="1200" dirty="0">
+                          <a:solidFill>
+                            <a:srgbClr val="0070C0"/>
+                          </a:solidFill>
+                          <a:latin typeface="+mn-lt"/>
+                          <a:ea typeface="+mn-ea"/>
+                          <a:cs typeface="+mn-cs"/>
+                        </a:rPr>
+                        <a:t>0.308</a:t>
+                      </a:r>
+                      <a:endParaRPr lang="zh-CN" altLang="en-US" sz="1600" kern="1200" dirty="0">
+                        <a:solidFill>
+                          <a:srgbClr val="0070C0"/>
+                        </a:solidFill>
+                        <a:latin typeface="+mn-lt"/>
+                        <a:ea typeface="+mn-ea"/>
+                        <a:cs typeface="+mn-cs"/>
+                      </a:endParaRPr>
                     </a:p>
                   </a:txBody>
                   <a:tcPr anchor="ctr"/>
@@ -7739,7 +11121,25 @@
                     <a:lstStyle/>
                     <a:p>
                       <a:pPr lvl="0" algn="ctr"/>
-                      <a:endParaRPr lang="zh-CN" altLang="en-US" sz="2400"/>
+                      <a:r>
+                        <a:rPr lang="en-US" altLang="zh-CN" sz="1600" kern="1200" dirty="0">
+                          <a:solidFill>
+                            <a:srgbClr val="0070C0"/>
+                          </a:solidFill>
+                          <a:latin typeface="+mn-lt"/>
+                          <a:ea typeface="+mn-ea"/>
+                          <a:cs typeface="+mn-cs"/>
+                        </a:rPr>
+                        <a:t>0.24</a:t>
+                      </a:r>
+                      <a:endParaRPr lang="zh-CN" altLang="en-US" sz="1600" kern="1200" dirty="0">
+                        <a:solidFill>
+                          <a:srgbClr val="0070C0"/>
+                        </a:solidFill>
+                        <a:latin typeface="+mn-lt"/>
+                        <a:ea typeface="+mn-ea"/>
+                        <a:cs typeface="+mn-cs"/>
+                      </a:endParaRPr>
                     </a:p>
                   </a:txBody>
                   <a:tcPr anchor="ctr"/>
@@ -7750,7 +11150,25 @@
                     <a:lstStyle/>
                     <a:p>
                       <a:pPr lvl="0" algn="ctr"/>
-                      <a:endParaRPr lang="zh-CN" altLang="en-US" sz="2400"/>
+                      <a:r>
+                        <a:rPr lang="en-US" altLang="zh-CN" sz="1600" kern="1200" dirty="0">
+                          <a:solidFill>
+                            <a:srgbClr val="0070C0"/>
+                          </a:solidFill>
+                          <a:latin typeface="+mn-lt"/>
+                          <a:ea typeface="+mn-ea"/>
+                          <a:cs typeface="+mn-cs"/>
+                        </a:rPr>
+                        <a:t>0.313</a:t>
+                      </a:r>
+                      <a:endParaRPr lang="zh-CN" altLang="en-US" sz="1600" kern="1200" dirty="0">
+                        <a:solidFill>
+                          <a:srgbClr val="0070C0"/>
+                        </a:solidFill>
+                        <a:latin typeface="+mn-lt"/>
+                        <a:ea typeface="+mn-ea"/>
+                        <a:cs typeface="+mn-cs"/>
+                      </a:endParaRPr>
                     </a:p>
                   </a:txBody>
                   <a:tcPr anchor="ctr"/>
@@ -7761,7 +11179,25 @@
                     <a:lstStyle/>
                     <a:p>
                       <a:pPr lvl="0" algn="ctr"/>
-                      <a:endParaRPr lang="zh-CN" altLang="en-US" sz="2400"/>
+                      <a:r>
+                        <a:rPr lang="en-US" altLang="zh-CN" sz="1600" kern="1200" dirty="0">
+                          <a:solidFill>
+                            <a:srgbClr val="0070C0"/>
+                          </a:solidFill>
+                          <a:latin typeface="+mn-lt"/>
+                          <a:ea typeface="+mn-ea"/>
+                          <a:cs typeface="+mn-cs"/>
+                        </a:rPr>
+                        <a:t>0.179</a:t>
+                      </a:r>
+                      <a:endParaRPr lang="zh-CN" altLang="en-US" sz="1600" kern="1200" dirty="0">
+                        <a:solidFill>
+                          <a:srgbClr val="0070C0"/>
+                        </a:solidFill>
+                        <a:latin typeface="+mn-lt"/>
+                        <a:ea typeface="+mn-ea"/>
+                        <a:cs typeface="+mn-cs"/>
+                      </a:endParaRPr>
                     </a:p>
                   </a:txBody>
                   <a:tcPr anchor="ctr"/>
@@ -7772,7 +11208,25 @@
                     <a:lstStyle/>
                     <a:p>
                       <a:pPr lvl="0" algn="ctr"/>
-                      <a:endParaRPr lang="zh-CN" altLang="en-US" sz="2400"/>
+                      <a:r>
+                        <a:rPr lang="en-US" altLang="zh-CN" sz="1600" kern="1200" dirty="0">
+                          <a:solidFill>
+                            <a:srgbClr val="0070C0"/>
+                          </a:solidFill>
+                          <a:latin typeface="+mn-lt"/>
+                          <a:ea typeface="+mn-ea"/>
+                          <a:cs typeface="+mn-cs"/>
+                        </a:rPr>
+                        <a:t>0.289</a:t>
+                      </a:r>
+                      <a:endParaRPr lang="zh-CN" altLang="en-US" sz="1600" kern="1200" dirty="0">
+                        <a:solidFill>
+                          <a:srgbClr val="0070C0"/>
+                        </a:solidFill>
+                        <a:latin typeface="+mn-lt"/>
+                        <a:ea typeface="+mn-ea"/>
+                        <a:cs typeface="+mn-cs"/>
+                      </a:endParaRPr>
                     </a:p>
                   </a:txBody>
                   <a:tcPr anchor="ctr"/>
@@ -7783,7 +11237,25 @@
                     <a:lstStyle/>
                     <a:p>
                       <a:pPr lvl="0" algn="ctr"/>
-                      <a:endParaRPr lang="zh-CN" altLang="en-US" sz="2400"/>
+                      <a:r>
+                        <a:rPr lang="en-US" altLang="zh-CN" sz="1600" kern="1200" dirty="0">
+                          <a:solidFill>
+                            <a:srgbClr val="0070C0"/>
+                          </a:solidFill>
+                          <a:latin typeface="+mn-lt"/>
+                          <a:ea typeface="+mn-ea"/>
+                          <a:cs typeface="+mn-cs"/>
+                        </a:rPr>
+                        <a:t>0.306</a:t>
+                      </a:r>
+                      <a:endParaRPr lang="zh-CN" altLang="en-US" sz="1600" kern="1200" dirty="0">
+                        <a:solidFill>
+                          <a:srgbClr val="0070C0"/>
+                        </a:solidFill>
+                        <a:latin typeface="+mn-lt"/>
+                        <a:ea typeface="+mn-ea"/>
+                        <a:cs typeface="+mn-cs"/>
+                      </a:endParaRPr>
                     </a:p>
                   </a:txBody>
                   <a:tcPr anchor="ctr"/>
@@ -7794,7 +11266,25 @@
                     <a:lstStyle/>
                     <a:p>
                       <a:pPr lvl="0" algn="ctr"/>
-                      <a:endParaRPr lang="zh-CN" altLang="en-US" sz="2400"/>
+                      <a:r>
+                        <a:rPr lang="en-US" altLang="zh-CN" sz="1600" kern="1200" dirty="0">
+                          <a:solidFill>
+                            <a:srgbClr val="0070C0"/>
+                          </a:solidFill>
+                          <a:latin typeface="+mn-lt"/>
+                          <a:ea typeface="+mn-ea"/>
+                          <a:cs typeface="+mn-cs"/>
+                        </a:rPr>
+                        <a:t>0.314</a:t>
+                      </a:r>
+                      <a:endParaRPr lang="zh-CN" altLang="en-US" sz="1600" kern="1200" dirty="0">
+                        <a:solidFill>
+                          <a:srgbClr val="0070C0"/>
+                        </a:solidFill>
+                        <a:latin typeface="+mn-lt"/>
+                        <a:ea typeface="+mn-ea"/>
+                        <a:cs typeface="+mn-cs"/>
+                      </a:endParaRPr>
                     </a:p>
                   </a:txBody>
                   <a:tcPr anchor="ctr"/>
@@ -7805,7 +11295,25 @@
                     <a:lstStyle/>
                     <a:p>
                       <a:pPr lvl="0" algn="ctr"/>
-                      <a:endParaRPr lang="zh-CN" altLang="en-US" sz="2400"/>
+                      <a:r>
+                        <a:rPr lang="en-US" altLang="zh-CN" sz="1600" kern="1200" dirty="0">
+                          <a:solidFill>
+                            <a:srgbClr val="0070C0"/>
+                          </a:solidFill>
+                          <a:latin typeface="+mn-lt"/>
+                          <a:ea typeface="+mn-ea"/>
+                          <a:cs typeface="+mn-cs"/>
+                        </a:rPr>
+                        <a:t>0.290</a:t>
+                      </a:r>
+                      <a:endParaRPr lang="zh-CN" altLang="en-US" sz="1600" kern="1200" dirty="0">
+                        <a:solidFill>
+                          <a:srgbClr val="0070C0"/>
+                        </a:solidFill>
+                        <a:latin typeface="+mn-lt"/>
+                        <a:ea typeface="+mn-ea"/>
+                        <a:cs typeface="+mn-cs"/>
+                      </a:endParaRPr>
                     </a:p>
                   </a:txBody>
                   <a:tcPr anchor="ctr"/>
@@ -7849,15 +11357,21 @@
                     <a:bodyPr/>
                     <a:lstStyle/>
                     <a:p>
-                      <a:pPr lvl="0" algn="ctr"/>
-                      <a:endParaRPr lang="zh-CN" altLang="en-US" sz="2400" dirty="0">
-                        <a:solidFill>
-                          <a:schemeClr val="bg1"/>
-                        </a:solidFill>
-                      </a:endParaRPr>
+                      <a:pPr marL="0" lvl="0" algn="ctr" defTabSz="914400" rtl="0" eaLnBrk="1" fontAlgn="ctr" latinLnBrk="0" hangingPunct="1"/>
+                      <a:r>
+                        <a:rPr lang="en-US" altLang="zh-CN" sz="1600" u="sng" kern="1200" dirty="0">
+                          <a:solidFill>
+                            <a:schemeClr val="bg1"/>
+                          </a:solidFill>
+                          <a:latin typeface="+mn-lt"/>
+                          <a:ea typeface="+mn-ea"/>
+                          <a:cs typeface="+mn-cs"/>
+                        </a:rPr>
+                        <a:t>0.213</a:t>
+                      </a:r>
                     </a:p>
                   </a:txBody>
-                  <a:tcPr anchor="ctr">
+                  <a:tcPr marL="9525" marR="9525" marT="9525" marB="0" anchor="ctr">
                     <a:solidFill>
                       <a:schemeClr val="accent5"/>
                     </a:solidFill>
@@ -7868,15 +11382,21 @@
                     <a:bodyPr/>
                     <a:lstStyle/>
                     <a:p>
-                      <a:pPr lvl="0" algn="ctr"/>
-                      <a:endParaRPr lang="zh-CN" altLang="en-US" sz="2400" dirty="0">
-                        <a:solidFill>
-                          <a:schemeClr val="bg1"/>
-                        </a:solidFill>
-                      </a:endParaRPr>
+                      <a:pPr marL="0" lvl="0" algn="ctr" defTabSz="914400" rtl="0" eaLnBrk="1" fontAlgn="ctr" latinLnBrk="0" hangingPunct="1"/>
+                      <a:r>
+                        <a:rPr lang="en-US" altLang="zh-CN" sz="1600" kern="1200" dirty="0">
+                          <a:solidFill>
+                            <a:schemeClr val="bg1"/>
+                          </a:solidFill>
+                          <a:latin typeface="+mn-lt"/>
+                          <a:ea typeface="+mn-ea"/>
+                          <a:cs typeface="+mn-cs"/>
+                        </a:rPr>
+                        <a:t>0.284</a:t>
+                      </a:r>
                     </a:p>
                   </a:txBody>
-                  <a:tcPr anchor="ctr">
+                  <a:tcPr marL="9525" marR="9525" marT="9525" marB="0" anchor="ctr">
                     <a:solidFill>
                       <a:schemeClr val="accent5"/>
                     </a:solidFill>
@@ -7887,15 +11407,21 @@
                     <a:bodyPr/>
                     <a:lstStyle/>
                     <a:p>
-                      <a:pPr lvl="0" algn="ctr"/>
-                      <a:endParaRPr lang="zh-CN" altLang="en-US" sz="2400" dirty="0">
-                        <a:solidFill>
-                          <a:schemeClr val="bg1"/>
-                        </a:solidFill>
-                      </a:endParaRPr>
+                      <a:pPr marL="0" lvl="0" algn="ctr" defTabSz="914400" rtl="0" eaLnBrk="1" fontAlgn="ctr" latinLnBrk="0" hangingPunct="1"/>
+                      <a:r>
+                        <a:rPr lang="en-US" altLang="zh-CN" sz="1600" kern="1200" dirty="0">
+                          <a:solidFill>
+                            <a:schemeClr val="bg1"/>
+                          </a:solidFill>
+                          <a:latin typeface="+mn-lt"/>
+                          <a:ea typeface="+mn-ea"/>
+                          <a:cs typeface="+mn-cs"/>
+                        </a:rPr>
+                        <a:t>0.273</a:t>
+                      </a:r>
                     </a:p>
                   </a:txBody>
-                  <a:tcPr anchor="ctr">
+                  <a:tcPr marL="9525" marR="9525" marT="9525" marB="0" anchor="ctr">
                     <a:solidFill>
                       <a:schemeClr val="accent5"/>
                     </a:solidFill>
@@ -7906,15 +11432,21 @@
                     <a:bodyPr/>
                     <a:lstStyle/>
                     <a:p>
-                      <a:pPr lvl="0" algn="ctr"/>
-                      <a:endParaRPr lang="zh-CN" altLang="en-US" sz="2400" dirty="0">
-                        <a:solidFill>
-                          <a:schemeClr val="bg1"/>
-                        </a:solidFill>
-                      </a:endParaRPr>
+                      <a:pPr marL="0" lvl="0" algn="ctr" defTabSz="914400" rtl="0" eaLnBrk="1" fontAlgn="ctr" latinLnBrk="0" hangingPunct="1"/>
+                      <a:r>
+                        <a:rPr lang="en-US" altLang="zh-CN" sz="1600" kern="1200">
+                          <a:solidFill>
+                            <a:schemeClr val="bg1"/>
+                          </a:solidFill>
+                          <a:latin typeface="+mn-lt"/>
+                          <a:ea typeface="+mn-ea"/>
+                          <a:cs typeface="+mn-cs"/>
+                        </a:rPr>
+                        <a:t>0.302</a:t>
+                      </a:r>
                     </a:p>
                   </a:txBody>
-                  <a:tcPr anchor="ctr">
+                  <a:tcPr marL="9525" marR="9525" marT="9525" marB="0" anchor="ctr">
                     <a:solidFill>
                       <a:schemeClr val="accent5"/>
                     </a:solidFill>
@@ -7925,15 +11457,21 @@
                     <a:bodyPr/>
                     <a:lstStyle/>
                     <a:p>
-                      <a:pPr lvl="0" algn="ctr"/>
-                      <a:endParaRPr lang="zh-CN" altLang="en-US" sz="2400" dirty="0">
-                        <a:solidFill>
-                          <a:schemeClr val="bg1"/>
-                        </a:solidFill>
-                      </a:endParaRPr>
+                      <a:pPr marL="0" lvl="0" algn="ctr" defTabSz="914400" rtl="0" eaLnBrk="1" fontAlgn="ctr" latinLnBrk="0" hangingPunct="1"/>
+                      <a:r>
+                        <a:rPr lang="en-US" altLang="zh-CN" sz="1600" kern="1200" dirty="0">
+                          <a:solidFill>
+                            <a:schemeClr val="bg1"/>
+                          </a:solidFill>
+                          <a:latin typeface="+mn-lt"/>
+                          <a:ea typeface="+mn-ea"/>
+                          <a:cs typeface="+mn-cs"/>
+                        </a:rPr>
+                        <a:t>0.278</a:t>
+                      </a:r>
                     </a:p>
                   </a:txBody>
-                  <a:tcPr anchor="ctr">
+                  <a:tcPr marL="9525" marR="9525" marT="9525" marB="0" anchor="ctr">
                     <a:solidFill>
                       <a:schemeClr val="accent5"/>
                     </a:solidFill>
@@ -7944,15 +11482,21 @@
                     <a:bodyPr/>
                     <a:lstStyle/>
                     <a:p>
-                      <a:pPr lvl="0" algn="ctr"/>
-                      <a:endParaRPr lang="zh-CN" altLang="en-US" sz="2400" dirty="0">
-                        <a:solidFill>
-                          <a:schemeClr val="bg1"/>
-                        </a:solidFill>
-                      </a:endParaRPr>
+                      <a:pPr marL="0" lvl="0" algn="ctr" defTabSz="914400" rtl="0" eaLnBrk="1" fontAlgn="ctr" latinLnBrk="0" hangingPunct="1"/>
+                      <a:r>
+                        <a:rPr lang="en-US" altLang="zh-CN" sz="1600" kern="1200" dirty="0">
+                          <a:solidFill>
+                            <a:schemeClr val="bg1"/>
+                          </a:solidFill>
+                          <a:latin typeface="+mn-lt"/>
+                          <a:ea typeface="+mn-ea"/>
+                          <a:cs typeface="+mn-cs"/>
+                        </a:rPr>
+                        <a:t>0.25</a:t>
+                      </a:r>
                     </a:p>
                   </a:txBody>
-                  <a:tcPr anchor="ctr">
+                  <a:tcPr marL="9525" marR="9525" marT="9525" marB="0" anchor="ctr">
                     <a:solidFill>
                       <a:schemeClr val="accent5"/>
                     </a:solidFill>
@@ -7963,15 +11507,21 @@
                     <a:bodyPr/>
                     <a:lstStyle/>
                     <a:p>
-                      <a:pPr lvl="0" algn="ctr"/>
-                      <a:endParaRPr lang="zh-CN" altLang="en-US" sz="2400" dirty="0">
-                        <a:solidFill>
-                          <a:schemeClr val="bg1"/>
-                        </a:solidFill>
-                      </a:endParaRPr>
+                      <a:pPr marL="0" lvl="0" algn="ctr" defTabSz="914400" rtl="0" eaLnBrk="1" fontAlgn="ctr" latinLnBrk="0" hangingPunct="1"/>
+                      <a:r>
+                        <a:rPr lang="en-US" altLang="zh-CN" sz="1600" kern="1200" dirty="0">
+                          <a:solidFill>
+                            <a:schemeClr val="bg1"/>
+                          </a:solidFill>
+                          <a:latin typeface="+mn-lt"/>
+                          <a:ea typeface="+mn-ea"/>
+                          <a:cs typeface="+mn-cs"/>
+                        </a:rPr>
+                        <a:t>0.31</a:t>
+                      </a:r>
                     </a:p>
                   </a:txBody>
-                  <a:tcPr anchor="ctr">
+                  <a:tcPr marL="9525" marR="9525" marT="9525" marB="0" anchor="ctr">
                     <a:solidFill>
                       <a:schemeClr val="accent5"/>
                     </a:solidFill>
@@ -7982,15 +11532,21 @@
                     <a:bodyPr/>
                     <a:lstStyle/>
                     <a:p>
-                      <a:pPr lvl="0" algn="ctr"/>
-                      <a:endParaRPr lang="zh-CN" altLang="en-US" sz="2400" dirty="0">
-                        <a:solidFill>
-                          <a:schemeClr val="bg1"/>
-                        </a:solidFill>
-                      </a:endParaRPr>
+                      <a:pPr marL="0" lvl="0" algn="ctr" defTabSz="914400" rtl="0" eaLnBrk="1" fontAlgn="ctr" latinLnBrk="0" hangingPunct="1"/>
+                      <a:r>
+                        <a:rPr lang="en-US" altLang="zh-CN" sz="1600" kern="1200" dirty="0">
+                          <a:solidFill>
+                            <a:schemeClr val="bg1"/>
+                          </a:solidFill>
+                          <a:latin typeface="+mn-lt"/>
+                          <a:ea typeface="+mn-ea"/>
+                          <a:cs typeface="+mn-cs"/>
+                        </a:rPr>
+                        <a:t>0.325</a:t>
+                      </a:r>
                     </a:p>
                   </a:txBody>
-                  <a:tcPr anchor="ctr">
+                  <a:tcPr marL="9525" marR="9525" marT="9525" marB="0" anchor="ctr">
                     <a:solidFill>
                       <a:schemeClr val="accent5"/>
                     </a:solidFill>
@@ -8001,15 +11557,21 @@
                     <a:bodyPr/>
                     <a:lstStyle/>
                     <a:p>
-                      <a:pPr lvl="0" algn="ctr"/>
-                      <a:endParaRPr lang="zh-CN" altLang="en-US" sz="2400" dirty="0">
-                        <a:solidFill>
-                          <a:schemeClr val="bg1"/>
-                        </a:solidFill>
-                      </a:endParaRPr>
+                      <a:pPr marL="0" lvl="0" algn="ctr" defTabSz="914400" rtl="0" eaLnBrk="1" fontAlgn="ctr" latinLnBrk="0" hangingPunct="1"/>
+                      <a:r>
+                        <a:rPr lang="en-US" altLang="zh-CN" sz="1600" kern="1200" dirty="0">
+                          <a:solidFill>
+                            <a:schemeClr val="bg1"/>
+                          </a:solidFill>
+                          <a:latin typeface="+mn-lt"/>
+                          <a:ea typeface="+mn-ea"/>
+                          <a:cs typeface="+mn-cs"/>
+                        </a:rPr>
+                        <a:t>0.33</a:t>
+                      </a:r>
                     </a:p>
                   </a:txBody>
-                  <a:tcPr anchor="ctr">
+                  <a:tcPr marL="9525" marR="9525" marT="9525" marB="0" anchor="ctr">
                     <a:solidFill>
                       <a:schemeClr val="accent5"/>
                     </a:solidFill>
@@ -8020,15 +11582,21 @@
                     <a:bodyPr/>
                     <a:lstStyle/>
                     <a:p>
-                      <a:pPr lvl="0" algn="ctr"/>
-                      <a:endParaRPr lang="zh-CN" altLang="en-US" sz="2400" dirty="0">
-                        <a:solidFill>
-                          <a:schemeClr val="bg1"/>
-                        </a:solidFill>
-                      </a:endParaRPr>
+                      <a:pPr marL="0" lvl="0" algn="ctr" defTabSz="914400" rtl="0" eaLnBrk="1" fontAlgn="ctr" latinLnBrk="0" hangingPunct="1"/>
+                      <a:r>
+                        <a:rPr lang="en-US" altLang="zh-CN" sz="1600" kern="1200" dirty="0">
+                          <a:solidFill>
+                            <a:schemeClr val="bg1"/>
+                          </a:solidFill>
+                          <a:latin typeface="+mn-lt"/>
+                          <a:ea typeface="+mn-ea"/>
+                          <a:cs typeface="+mn-cs"/>
+                        </a:rPr>
+                        <a:t>0.3</a:t>
+                      </a:r>
                     </a:p>
                   </a:txBody>
-                  <a:tcPr anchor="ctr">
+                  <a:tcPr marL="9525" marR="9525" marT="9525" marB="0" anchor="ctr">
                     <a:solidFill>
                       <a:schemeClr val="accent5"/>
                     </a:solidFill>
@@ -8039,15 +11607,21 @@
                     <a:bodyPr/>
                     <a:lstStyle/>
                     <a:p>
-                      <a:pPr lvl="0" algn="ctr"/>
-                      <a:endParaRPr lang="zh-CN" altLang="en-US" sz="2400" dirty="0">
-                        <a:solidFill>
-                          <a:schemeClr val="bg1"/>
-                        </a:solidFill>
-                      </a:endParaRPr>
+                      <a:pPr marL="0" lvl="0" algn="ctr" defTabSz="914400" rtl="0" eaLnBrk="1" fontAlgn="ctr" latinLnBrk="0" hangingPunct="1"/>
+                      <a:r>
+                        <a:rPr lang="en-US" altLang="zh-CN" sz="1600" kern="1200" dirty="0">
+                          <a:solidFill>
+                            <a:schemeClr val="bg1"/>
+                          </a:solidFill>
+                          <a:latin typeface="+mn-lt"/>
+                          <a:ea typeface="+mn-ea"/>
+                          <a:cs typeface="+mn-cs"/>
+                        </a:rPr>
+                        <a:t>0.319</a:t>
+                      </a:r>
                     </a:p>
                   </a:txBody>
-                  <a:tcPr anchor="ctr">
+                  <a:tcPr marL="9525" marR="9525" marT="9525" marB="0" anchor="ctr">
                     <a:solidFill>
                       <a:schemeClr val="accent5"/>
                     </a:solidFill>
@@ -8058,15 +11632,21 @@
                     <a:bodyPr/>
                     <a:lstStyle/>
                     <a:p>
-                      <a:pPr lvl="0" algn="ctr"/>
-                      <a:endParaRPr lang="zh-CN" altLang="en-US" sz="2400" dirty="0">
-                        <a:solidFill>
-                          <a:schemeClr val="bg1"/>
-                        </a:solidFill>
-                      </a:endParaRPr>
+                      <a:pPr marL="0" lvl="0" algn="ctr" defTabSz="914400" rtl="0" eaLnBrk="1" fontAlgn="ctr" latinLnBrk="0" hangingPunct="1"/>
+                      <a:r>
+                        <a:rPr lang="en-US" altLang="zh-CN" sz="1600" kern="1200" dirty="0">
+                          <a:solidFill>
+                            <a:schemeClr val="bg1"/>
+                          </a:solidFill>
+                          <a:latin typeface="+mn-lt"/>
+                          <a:ea typeface="+mn-ea"/>
+                          <a:cs typeface="+mn-cs"/>
+                        </a:rPr>
+                        <a:t>0.321</a:t>
+                      </a:r>
                     </a:p>
                   </a:txBody>
-                  <a:tcPr anchor="ctr">
+                  <a:tcPr marL="9525" marR="9525" marT="9525" marB="0" anchor="ctr">
                     <a:solidFill>
                       <a:schemeClr val="accent5"/>
                     </a:solidFill>
@@ -8077,15 +11657,21 @@
                     <a:bodyPr/>
                     <a:lstStyle/>
                     <a:p>
-                      <a:pPr lvl="0" algn="ctr"/>
-                      <a:endParaRPr lang="zh-CN" altLang="en-US" sz="2400" dirty="0">
-                        <a:solidFill>
-                          <a:schemeClr val="bg1"/>
-                        </a:solidFill>
-                      </a:endParaRPr>
+                      <a:pPr marL="0" lvl="0" algn="ctr" defTabSz="914400" rtl="0" eaLnBrk="1" fontAlgn="ctr" latinLnBrk="0" hangingPunct="1"/>
+                      <a:r>
+                        <a:rPr lang="en-US" altLang="zh-CN" sz="1600" kern="1200" dirty="0">
+                          <a:solidFill>
+                            <a:schemeClr val="bg1"/>
+                          </a:solidFill>
+                          <a:latin typeface="+mn-lt"/>
+                          <a:ea typeface="+mn-ea"/>
+                          <a:cs typeface="+mn-cs"/>
+                        </a:rPr>
+                        <a:t>0.373</a:t>
+                      </a:r>
                     </a:p>
                   </a:txBody>
-                  <a:tcPr anchor="ctr">
+                  <a:tcPr marL="9525" marR="9525" marT="9525" marB="0" anchor="ctr">
                     <a:solidFill>
                       <a:schemeClr val="accent5"/>
                     </a:solidFill>
@@ -8096,15 +11682,21 @@
                     <a:bodyPr/>
                     <a:lstStyle/>
                     <a:p>
-                      <a:pPr lvl="0" algn="ctr"/>
-                      <a:endParaRPr lang="zh-CN" altLang="en-US" sz="2400" dirty="0">
-                        <a:solidFill>
-                          <a:schemeClr val="bg1"/>
-                        </a:solidFill>
-                      </a:endParaRPr>
+                      <a:pPr marL="0" lvl="0" algn="ctr" defTabSz="914400" rtl="0" eaLnBrk="1" fontAlgn="ctr" latinLnBrk="0" hangingPunct="1"/>
+                      <a:r>
+                        <a:rPr lang="en-US" altLang="zh-CN" sz="1600" kern="1200" dirty="0">
+                          <a:solidFill>
+                            <a:schemeClr val="bg1"/>
+                          </a:solidFill>
+                          <a:latin typeface="+mn-lt"/>
+                          <a:ea typeface="+mn-ea"/>
+                          <a:cs typeface="+mn-cs"/>
+                        </a:rPr>
+                        <a:t>0.335</a:t>
+                      </a:r>
                     </a:p>
                   </a:txBody>
-                  <a:tcPr anchor="ctr">
+                  <a:tcPr marL="9525" marR="9525" marT="9525" marB="0" anchor="ctr">
                     <a:solidFill>
                       <a:schemeClr val="accent5"/>
                     </a:solidFill>
@@ -8124,228 +11716,6 @@
     <p:extLst>
       <p:ext uri="{BB962C8B-B14F-4D97-AF65-F5344CB8AC3E}">
         <p14:creationId xmlns:p14="http://schemas.microsoft.com/office/powerpoint/2010/main" val="4049921579"/>
-      </p:ext>
-    </p:extLst>
-  </p:cSld>
-  <p:clrMapOvr>
-    <a:masterClrMapping/>
-  </p:clrMapOvr>
-</p:sld>
-</file>
-
-<file path=ppt/slides/slide15.xml><?xml version="1.0" encoding="utf-8"?>
-<p:sld xmlns:a="http://schemas.openxmlformats.org/drawingml/2006/main" xmlns:r="http://schemas.openxmlformats.org/officeDocument/2006/relationships" xmlns:p="http://schemas.openxmlformats.org/presentationml/2006/main">
-  <p:cSld>
-    <p:spTree>
-      <p:nvGrpSpPr>
-        <p:cNvPr id="1" name=""/>
-        <p:cNvGrpSpPr/>
-        <p:nvPr/>
-      </p:nvGrpSpPr>
-      <p:grpSpPr>
-        <a:xfrm>
-          <a:off x="0" y="0"/>
-          <a:ext cx="0" cy="0"/>
-          <a:chOff x="0" y="0"/>
-          <a:chExt cx="0" cy="0"/>
-        </a:xfrm>
-      </p:grpSpPr>
-      <p:sp>
-        <p:nvSpPr>
-          <p:cNvPr id="2" name="标题 1">
-            <a:extLst>
-              <a:ext uri="{FF2B5EF4-FFF2-40B4-BE49-F238E27FC236}">
-                <a16:creationId xmlns:a16="http://schemas.microsoft.com/office/drawing/2014/main" id="{CC625FE0-E7DD-FAB4-8060-071743B42C7B}"/>
-              </a:ext>
-            </a:extLst>
-          </p:cNvPr>
-          <p:cNvSpPr>
-            <a:spLocks noGrp="1"/>
-          </p:cNvSpPr>
-          <p:nvPr>
-            <p:ph type="title"/>
-          </p:nvPr>
-        </p:nvSpPr>
-        <p:spPr>
-          <a:xfrm>
-            <a:off x="838200" y="365126"/>
-            <a:ext cx="10515600" cy="775778"/>
-          </a:xfrm>
-        </p:spPr>
-        <p:txBody>
-          <a:bodyPr>
-            <a:normAutofit/>
-          </a:bodyPr>
-          <a:lstStyle/>
-          <a:p>
-            <a:r>
-              <a:rPr lang="en-US" altLang="zh-CN" sz="3600" dirty="0">
-                <a:solidFill>
-                  <a:srgbClr val="0070C0"/>
-                </a:solidFill>
-              </a:rPr>
-              <a:t>YouroQNet: embedding visualization</a:t>
-            </a:r>
-            <a:endParaRPr lang="zh-CN" altLang="en-US" sz="3600" dirty="0">
-              <a:solidFill>
-                <a:srgbClr val="0070C0"/>
-              </a:solidFill>
-              <a:latin typeface="+mn-lt"/>
-              <a:ea typeface="+mn-ea"/>
-              <a:cs typeface="+mn-cs"/>
-            </a:endParaRPr>
-          </a:p>
-        </p:txBody>
-      </p:sp>
-      <p:sp>
-        <p:nvSpPr>
-          <p:cNvPr id="3" name="内容占位符 2">
-            <a:extLst>
-              <a:ext uri="{FF2B5EF4-FFF2-40B4-BE49-F238E27FC236}">
-                <a16:creationId xmlns:a16="http://schemas.microsoft.com/office/drawing/2014/main" id="{D7F16886-49AF-9763-1387-07932D422539}"/>
-              </a:ext>
-            </a:extLst>
-          </p:cNvPr>
-          <p:cNvSpPr>
-            <a:spLocks noGrp="1"/>
-          </p:cNvSpPr>
-          <p:nvPr>
-            <p:ph idx="1"/>
-          </p:nvPr>
-        </p:nvSpPr>
-        <p:spPr>
-          <a:xfrm>
-            <a:off x="838200" y="1266738"/>
-            <a:ext cx="10515600" cy="4910225"/>
-          </a:xfrm>
-        </p:spPr>
-        <p:txBody>
-          <a:bodyPr/>
-          <a:lstStyle/>
-          <a:p>
-            <a:endParaRPr lang="en-US" altLang="zh-CN" dirty="0">
-              <a:solidFill>
-                <a:schemeClr val="accent5"/>
-              </a:solidFill>
-            </a:endParaRPr>
-          </a:p>
-        </p:txBody>
-      </p:sp>
-    </p:spTree>
-    <p:extLst>
-      <p:ext uri="{BB962C8B-B14F-4D97-AF65-F5344CB8AC3E}">
-        <p14:creationId xmlns:p14="http://schemas.microsoft.com/office/powerpoint/2010/main" val="1450267613"/>
-      </p:ext>
-    </p:extLst>
-  </p:cSld>
-  <p:clrMapOvr>
-    <a:masterClrMapping/>
-  </p:clrMapOvr>
-</p:sld>
-</file>
-
-<file path=ppt/slides/slide16.xml><?xml version="1.0" encoding="utf-8"?>
-<p:sld xmlns:a="http://schemas.openxmlformats.org/drawingml/2006/main" xmlns:r="http://schemas.openxmlformats.org/officeDocument/2006/relationships" xmlns:p="http://schemas.openxmlformats.org/presentationml/2006/main">
-  <p:cSld>
-    <p:spTree>
-      <p:nvGrpSpPr>
-        <p:cNvPr id="1" name=""/>
-        <p:cNvGrpSpPr/>
-        <p:nvPr/>
-      </p:nvGrpSpPr>
-      <p:grpSpPr>
-        <a:xfrm>
-          <a:off x="0" y="0"/>
-          <a:ext cx="0" cy="0"/>
-          <a:chOff x="0" y="0"/>
-          <a:chExt cx="0" cy="0"/>
-        </a:xfrm>
-      </p:grpSpPr>
-      <p:sp>
-        <p:nvSpPr>
-          <p:cNvPr id="2" name="标题 1">
-            <a:extLst>
-              <a:ext uri="{FF2B5EF4-FFF2-40B4-BE49-F238E27FC236}">
-                <a16:creationId xmlns:a16="http://schemas.microsoft.com/office/drawing/2014/main" id="{CC625FE0-E7DD-FAB4-8060-071743B42C7B}"/>
-              </a:ext>
-            </a:extLst>
-          </p:cNvPr>
-          <p:cNvSpPr>
-            <a:spLocks noGrp="1"/>
-          </p:cNvSpPr>
-          <p:nvPr>
-            <p:ph type="title"/>
-          </p:nvPr>
-        </p:nvSpPr>
-        <p:spPr>
-          <a:xfrm>
-            <a:off x="838200" y="365126"/>
-            <a:ext cx="10515600" cy="775778"/>
-          </a:xfrm>
-        </p:spPr>
-        <p:txBody>
-          <a:bodyPr>
-            <a:normAutofit/>
-          </a:bodyPr>
-          <a:lstStyle/>
-          <a:p>
-            <a:r>
-              <a:rPr lang="en-US" altLang="zh-CN" sz="3600" dirty="0">
-                <a:solidFill>
-                  <a:srgbClr val="0070C0"/>
-                </a:solidFill>
-              </a:rPr>
-              <a:t>YouroQNet: interactive demo</a:t>
-            </a:r>
-            <a:endParaRPr lang="zh-CN" altLang="en-US" sz="3600" dirty="0">
-              <a:solidFill>
-                <a:srgbClr val="0070C0"/>
-              </a:solidFill>
-              <a:latin typeface="+mn-lt"/>
-              <a:ea typeface="+mn-ea"/>
-              <a:cs typeface="+mn-cs"/>
-            </a:endParaRPr>
-          </a:p>
-        </p:txBody>
-      </p:sp>
-      <p:sp>
-        <p:nvSpPr>
-          <p:cNvPr id="3" name="内容占位符 2">
-            <a:extLst>
-              <a:ext uri="{FF2B5EF4-FFF2-40B4-BE49-F238E27FC236}">
-                <a16:creationId xmlns:a16="http://schemas.microsoft.com/office/drawing/2014/main" id="{D7F16886-49AF-9763-1387-07932D422539}"/>
-              </a:ext>
-            </a:extLst>
-          </p:cNvPr>
-          <p:cNvSpPr>
-            <a:spLocks noGrp="1"/>
-          </p:cNvSpPr>
-          <p:nvPr>
-            <p:ph idx="1"/>
-          </p:nvPr>
-        </p:nvSpPr>
-        <p:spPr>
-          <a:xfrm>
-            <a:off x="838200" y="1266738"/>
-            <a:ext cx="10515600" cy="4910225"/>
-          </a:xfrm>
-        </p:spPr>
-        <p:txBody>
-          <a:bodyPr/>
-          <a:lstStyle/>
-          <a:p>
-            <a:endParaRPr lang="en-US" altLang="zh-CN" dirty="0">
-              <a:solidFill>
-                <a:schemeClr val="accent5"/>
-              </a:solidFill>
-            </a:endParaRPr>
-          </a:p>
-        </p:txBody>
-      </p:sp>
-    </p:spTree>
-    <p:extLst>
-      <p:ext uri="{BB962C8B-B14F-4D97-AF65-F5344CB8AC3E}">
-        <p14:creationId xmlns:p14="http://schemas.microsoft.com/office/powerpoint/2010/main" val="3968878475"/>
       </p:ext>
     </p:extLst>
   </p:cSld>
@@ -8406,7 +11776,7 @@
                   <a:srgbClr val="0070C0"/>
                 </a:solidFill>
               </a:rPr>
-              <a:t>YouroQNet: toy verification in details</a:t>
+              <a:t>YouroQNet - mini: toy verification in details</a:t>
             </a:r>
             <a:endParaRPr lang="zh-CN" altLang="en-US" sz="3600" dirty="0">
               <a:solidFill>
@@ -9538,7 +12908,7 @@
           <p:cNvPr id="2" name="标题 1">
             <a:extLst>
               <a:ext uri="{FF2B5EF4-FFF2-40B4-BE49-F238E27FC236}">
-                <a16:creationId xmlns:a16="http://schemas.microsoft.com/office/drawing/2014/main" id="{CC625FE0-E7DD-FAB4-8060-071743B42C7B}"/>
+                <a16:creationId xmlns:a16="http://schemas.microsoft.com/office/drawing/2014/main" id="{9A30A9A1-A430-AC44-73B9-1E2D46D0DAA5}"/>
               </a:ext>
             </a:extLst>
           </p:cNvPr>
@@ -9546,61 +12916,32 @@
             <a:spLocks noGrp="1"/>
           </p:cNvSpPr>
           <p:nvPr>
-            <p:ph type="ctrTitle"/>
+            <p:ph type="title"/>
           </p:nvPr>
         </p:nvSpPr>
         <p:spPr/>
         <p:txBody>
-          <a:bodyPr>
-            <a:normAutofit/>
-          </a:bodyPr>
+          <a:bodyPr/>
           <a:lstStyle/>
           <a:p>
             <a:r>
               <a:rPr lang="en-US" altLang="zh-CN" sz="3600" dirty="0">
                 <a:solidFill>
-                  <a:srgbClr val="3A729A"/>
+                  <a:schemeClr val="accent6">
+                    <a:lumMod val="75000"/>
+                  </a:schemeClr>
                 </a:solidFill>
                 <a:latin typeface="+mn-lt"/>
                 <a:ea typeface="+mn-ea"/>
                 <a:cs typeface="+mn-cs"/>
               </a:rPr>
-              <a:t>Thanks for your watching~</a:t>
-            </a:r>
-            <a:br>
-              <a:rPr lang="en-US" altLang="zh-CN" sz="3600" dirty="0">
-                <a:solidFill>
-                  <a:srgbClr val="3A729A"/>
-                </a:solidFill>
-                <a:latin typeface="+mn-lt"/>
-                <a:ea typeface="+mn-ea"/>
-                <a:cs typeface="+mn-cs"/>
-              </a:rPr>
-            </a:br>
-            <a:br>
-              <a:rPr lang="en-US" altLang="zh-CN" sz="3600" dirty="0">
-                <a:solidFill>
-                  <a:srgbClr val="3A729A"/>
-                </a:solidFill>
-                <a:latin typeface="+mn-lt"/>
-                <a:ea typeface="+mn-ea"/>
-                <a:cs typeface="+mn-cs"/>
-              </a:rPr>
-            </a:br>
-            <a:r>
-              <a:rPr lang="en-US" altLang="zh-CN" sz="3600" dirty="0">
-                <a:solidFill>
-                  <a:srgbClr val="3A729A"/>
-                </a:solidFill>
-                <a:latin typeface="+mn-lt"/>
-                <a:ea typeface="+mn-ea"/>
-                <a:cs typeface="+mn-cs"/>
-              </a:rPr>
-              <a:t>YouroQNet</a:t>
+              <a:t>Content Table</a:t>
             </a:r>
             <a:endParaRPr lang="zh-CN" altLang="en-US" sz="3600" dirty="0">
               <a:solidFill>
-                <a:srgbClr val="3A729A"/>
+                <a:schemeClr val="accent6">
+                  <a:lumMod val="75000"/>
+                </a:schemeClr>
               </a:solidFill>
               <a:latin typeface="+mn-lt"/>
               <a:ea typeface="+mn-ea"/>
@@ -9611,10 +12952,10 @@
       </p:sp>
       <p:sp>
         <p:nvSpPr>
-          <p:cNvPr id="7" name="副标题 2">
+          <p:cNvPr id="4" name="内容占位符 3">
             <a:extLst>
               <a:ext uri="{FF2B5EF4-FFF2-40B4-BE49-F238E27FC236}">
-                <a16:creationId xmlns:a16="http://schemas.microsoft.com/office/drawing/2014/main" id="{80174E70-BB18-8325-ECD6-9DD3A3F08EC4}"/>
+                <a16:creationId xmlns:a16="http://schemas.microsoft.com/office/drawing/2014/main" id="{68A24AEE-F16F-5A49-7B81-54F3FC1852E1}"/>
               </a:ext>
             </a:extLst>
           </p:cNvPr>
@@ -9622,80 +12963,58 @@
             <a:spLocks noGrp="1"/>
           </p:cNvSpPr>
           <p:nvPr>
-            <p:ph type="subTitle" idx="1"/>
+            <p:ph idx="1"/>
           </p:nvPr>
         </p:nvSpPr>
-        <p:spPr>
-          <a:xfrm>
-            <a:off x="1524000" y="3602038"/>
-            <a:ext cx="9144000" cy="1655762"/>
-          </a:xfrm>
-        </p:spPr>
+        <p:spPr/>
         <p:txBody>
-          <a:bodyPr>
-            <a:normAutofit lnSpcReduction="10000"/>
-          </a:bodyPr>
+          <a:bodyPr/>
           <a:lstStyle/>
-          <a:p>
-            <a:r>
-              <a:rPr lang="ja-JP" altLang="en-US" b="0" dirty="0">
-                <a:solidFill>
-                  <a:schemeClr val="accent5">
-                    <a:lumMod val="60000"/>
-                    <a:lumOff val="40000"/>
-                  </a:schemeClr>
-                </a:solidFill>
-                <a:effectLst/>
-                <a:latin typeface="Consolas" panose="020B0609020204030204" pitchFamily="49" charset="0"/>
-              </a:rPr>
-              <a:t>熔炉ネットと言うのは、虚仮威し全て裏技を繋ぐもん</a:t>
-            </a:r>
-            <a:endParaRPr lang="en-US" altLang="ja-JP" b="0" dirty="0">
-              <a:solidFill>
-                <a:schemeClr val="accent5">
-                  <a:lumMod val="60000"/>
-                  <a:lumOff val="40000"/>
-                </a:schemeClr>
-              </a:solidFill>
-              <a:effectLst/>
-              <a:latin typeface="Consolas" panose="020B0609020204030204" pitchFamily="49" charset="0"/>
-            </a:endParaRPr>
-          </a:p>
-          <a:p>
-            <a:endParaRPr lang="ja-JP" altLang="en-US" sz="1800" b="0" dirty="0">
-              <a:solidFill>
-                <a:srgbClr val="CCCCCC"/>
-              </a:solidFill>
-              <a:effectLst/>
-              <a:latin typeface="Consolas" panose="020B0609020204030204" pitchFamily="49" charset="0"/>
-            </a:endParaRPr>
-          </a:p>
           <a:p>
             <a:r>
               <a:rPr lang="en-US" altLang="zh-CN" dirty="0">
                 <a:solidFill>
-                  <a:srgbClr val="3A729A"/>
+                  <a:schemeClr val="bg1">
+                    <a:lumMod val="75000"/>
+                  </a:schemeClr>
                 </a:solidFill>
               </a:rPr>
-              <a:t>Team: QwQ</a:t>
+              <a:t>Entropy-based Heuristic k-gram Tokenizer</a:t>
             </a:r>
           </a:p>
           <a:p>
             <a:r>
               <a:rPr lang="en-US" altLang="zh-CN" dirty="0">
                 <a:solidFill>
-                  <a:srgbClr val="3A729A"/>
+                  <a:schemeClr val="bg1">
+                    <a:lumMod val="75000"/>
+                  </a:schemeClr>
                 </a:solidFill>
               </a:rPr>
-              <a:t>Reporter: Armit</a:t>
+              <a:t>YouroQNet for Quantum Sequence Classification</a:t>
             </a:r>
+          </a:p>
+          <a:p>
+            <a:r>
+              <a:rPr lang="en-US" altLang="zh-CN" dirty="0">
+                <a:solidFill>
+                  <a:srgbClr val="00B050"/>
+                </a:solidFill>
+              </a:rPr>
+              <a:t>Computational Analysis over Common QCircuits</a:t>
+            </a:r>
+            <a:endParaRPr lang="zh-CN" altLang="en-US" dirty="0">
+              <a:solidFill>
+                <a:srgbClr val="00B050"/>
+              </a:solidFill>
+            </a:endParaRPr>
           </a:p>
         </p:txBody>
       </p:sp>
     </p:spTree>
     <p:extLst>
       <p:ext uri="{BB962C8B-B14F-4D97-AF65-F5344CB8AC3E}">
-        <p14:creationId xmlns:p14="http://schemas.microsoft.com/office/powerpoint/2010/main" val="1205885818"/>
+        <p14:creationId xmlns:p14="http://schemas.microsoft.com/office/powerpoint/2010/main" val="1402646283"/>
       </p:ext>
     </p:extLst>
   </p:cSld>
@@ -9797,7 +13116,7 @@
         <p:spPr>
           <a:xfrm>
             <a:off x="838200" y="1266738"/>
-            <a:ext cx="10515600" cy="4910225"/>
+            <a:ext cx="10515600" cy="5330005"/>
           </a:xfrm>
         </p:spPr>
         <p:txBody>
@@ -9958,6 +13277,19 @@
                 </a:solidFill>
               </a:rPr>
               <a:t>YouroQNet</a:t>
+            </a:r>
+          </a:p>
+          <a:p>
+            <a:pPr lvl="1"/>
+            <a:r>
+              <a:rPr lang="en-US" altLang="zh-CN" dirty="0">
+                <a:solidFill>
+                  <a:schemeClr val="bg1">
+                    <a:lumMod val="50000"/>
+                  </a:schemeClr>
+                </a:solidFill>
+              </a:rPr>
+              <a:t>computational analysis</a:t>
             </a:r>
           </a:p>
         </p:txBody>
@@ -10206,6 +13538,1846 @@
     <p:extLst>
       <p:ext uri="{BB962C8B-B14F-4D97-AF65-F5344CB8AC3E}">
         <p14:creationId xmlns:p14="http://schemas.microsoft.com/office/powerpoint/2010/main" val="4209612692"/>
+      </p:ext>
+    </p:extLst>
+  </p:cSld>
+  <p:clrMapOvr>
+    <a:masterClrMapping/>
+  </p:clrMapOvr>
+</p:sld>
+</file>
+
+<file path=ppt/slides/slide20.xml><?xml version="1.0" encoding="utf-8"?>
+<p:sld xmlns:a="http://schemas.openxmlformats.org/drawingml/2006/main" xmlns:r="http://schemas.openxmlformats.org/officeDocument/2006/relationships" xmlns:p="http://schemas.openxmlformats.org/presentationml/2006/main">
+  <p:cSld>
+    <p:spTree>
+      <p:nvGrpSpPr>
+        <p:cNvPr id="1" name=""/>
+        <p:cNvGrpSpPr/>
+        <p:nvPr/>
+      </p:nvGrpSpPr>
+      <p:grpSpPr>
+        <a:xfrm>
+          <a:off x="0" y="0"/>
+          <a:ext cx="0" cy="0"/>
+          <a:chOff x="0" y="0"/>
+          <a:chExt cx="0" cy="0"/>
+        </a:xfrm>
+      </p:grpSpPr>
+      <p:sp>
+        <p:nvSpPr>
+          <p:cNvPr id="2" name="标题 1">
+            <a:extLst>
+              <a:ext uri="{FF2B5EF4-FFF2-40B4-BE49-F238E27FC236}">
+                <a16:creationId xmlns:a16="http://schemas.microsoft.com/office/drawing/2014/main" id="{80BA6040-B647-8A3F-90B5-AC4720C6BA4A}"/>
+              </a:ext>
+            </a:extLst>
+          </p:cNvPr>
+          <p:cNvSpPr>
+            <a:spLocks noGrp="1"/>
+          </p:cNvSpPr>
+          <p:nvPr>
+            <p:ph type="title"/>
+          </p:nvPr>
+        </p:nvSpPr>
+        <p:spPr/>
+        <p:txBody>
+          <a:bodyPr/>
+          <a:lstStyle/>
+          <a:p>
+            <a:r>
+              <a:rPr lang="en-US" altLang="zh-CN" sz="3600" dirty="0">
+                <a:solidFill>
+                  <a:srgbClr val="00B050"/>
+                </a:solidFill>
+                <a:latin typeface="+mn-lt"/>
+                <a:ea typeface="+mn-ea"/>
+                <a:cs typeface="+mn-cs"/>
+              </a:rPr>
+              <a:t>Rethink on QCricuit</a:t>
+            </a:r>
+            <a:endParaRPr lang="zh-CN" altLang="en-US" sz="3600" dirty="0">
+              <a:solidFill>
+                <a:srgbClr val="00B050"/>
+              </a:solidFill>
+              <a:latin typeface="+mn-lt"/>
+              <a:ea typeface="+mn-ea"/>
+              <a:cs typeface="+mn-cs"/>
+            </a:endParaRPr>
+          </a:p>
+        </p:txBody>
+      </p:sp>
+      <p:sp>
+        <p:nvSpPr>
+          <p:cNvPr id="3" name="内容占位符 2">
+            <a:extLst>
+              <a:ext uri="{FF2B5EF4-FFF2-40B4-BE49-F238E27FC236}">
+                <a16:creationId xmlns:a16="http://schemas.microsoft.com/office/drawing/2014/main" id="{8DFA9159-D06E-85E9-5A77-D7A0E2134A13}"/>
+              </a:ext>
+            </a:extLst>
+          </p:cNvPr>
+          <p:cNvSpPr>
+            <a:spLocks noGrp="1"/>
+          </p:cNvSpPr>
+          <p:nvPr>
+            <p:ph idx="1"/>
+          </p:nvPr>
+        </p:nvSpPr>
+        <p:spPr/>
+        <p:txBody>
+          <a:bodyPr/>
+          <a:lstStyle/>
+          <a:p>
+            <a:r>
+              <a:rPr lang="en-US" altLang="zh-CN" dirty="0">
+                <a:solidFill>
+                  <a:schemeClr val="accent6"/>
+                </a:solidFill>
+              </a:rPr>
+              <a:t>Conceptual model in meme</a:t>
+            </a:r>
+          </a:p>
+          <a:p>
+            <a:pPr lvl="1"/>
+            <a:r>
+              <a:rPr lang="en-US" altLang="zh-CN" dirty="0">
+                <a:solidFill>
+                  <a:schemeClr val="accent6"/>
+                </a:solidFill>
+              </a:rPr>
+              <a:t>Balancer / 3D Clock</a:t>
+            </a:r>
+          </a:p>
+          <a:p>
+            <a:pPr lvl="1"/>
+            <a:r>
+              <a:rPr lang="en-US" altLang="zh-CN" dirty="0">
+                <a:solidFill>
+                  <a:schemeClr val="accent6"/>
+                </a:solidFill>
+              </a:rPr>
+              <a:t>Map-Reduce</a:t>
+            </a:r>
+          </a:p>
+          <a:p>
+            <a:pPr lvl="1"/>
+            <a:endParaRPr lang="en-US" altLang="zh-CN" dirty="0">
+              <a:solidFill>
+                <a:schemeClr val="accent6"/>
+              </a:solidFill>
+            </a:endParaRPr>
+          </a:p>
+          <a:p>
+            <a:r>
+              <a:rPr lang="en-US" altLang="zh-CN" dirty="0">
+                <a:solidFill>
+                  <a:schemeClr val="accent6"/>
+                </a:solidFill>
+              </a:rPr>
+              <a:t>But what’s the mathematical model?</a:t>
+            </a:r>
+          </a:p>
+          <a:p>
+            <a:pPr lvl="1"/>
+            <a:r>
+              <a:rPr lang="en-US" altLang="zh-CN" dirty="0">
+                <a:solidFill>
+                  <a:schemeClr val="accent6"/>
+                </a:solidFill>
+              </a:rPr>
+              <a:t>Single qubit rotation (superposition)</a:t>
+            </a:r>
+          </a:p>
+          <a:p>
+            <a:pPr lvl="1"/>
+            <a:r>
+              <a:rPr lang="en-US" altLang="zh-CN" dirty="0">
+                <a:solidFill>
+                  <a:schemeClr val="accent6"/>
+                </a:solidFill>
+              </a:rPr>
+              <a:t>Multi-qubit entanglement</a:t>
+            </a:r>
+          </a:p>
+          <a:p>
+            <a:pPr lvl="1"/>
+            <a:endParaRPr lang="zh-CN" altLang="en-US" dirty="0">
+              <a:solidFill>
+                <a:schemeClr val="accent6"/>
+              </a:solidFill>
+            </a:endParaRPr>
+          </a:p>
+        </p:txBody>
+      </p:sp>
+      <p:pic>
+        <p:nvPicPr>
+          <p:cNvPr id="5" name="图片 4">
+            <a:extLst>
+              <a:ext uri="{FF2B5EF4-FFF2-40B4-BE49-F238E27FC236}">
+                <a16:creationId xmlns:a16="http://schemas.microsoft.com/office/drawing/2014/main" id="{A6B9B07D-D64D-8792-66CA-7D7BF0EF05C1}"/>
+              </a:ext>
+            </a:extLst>
+          </p:cNvPr>
+          <p:cNvPicPr>
+            <a:picLocks noChangeAspect="1"/>
+          </p:cNvPicPr>
+          <p:nvPr/>
+        </p:nvPicPr>
+        <p:blipFill>
+          <a:blip r:embed="rId3">
+            <a:extLst>
+              <a:ext uri="{28A0092B-C50C-407E-A947-70E740481C1C}">
+                <a14:useLocalDpi xmlns:a14="http://schemas.microsoft.com/office/drawing/2010/main" val="0"/>
+              </a:ext>
+            </a:extLst>
+          </a:blip>
+          <a:stretch>
+            <a:fillRect/>
+          </a:stretch>
+        </p:blipFill>
+        <p:spPr>
+          <a:xfrm>
+            <a:off x="8096250" y="1557337"/>
+            <a:ext cx="2967084" cy="3155494"/>
+          </a:xfrm>
+          <a:prstGeom prst="rect">
+            <a:avLst/>
+          </a:prstGeom>
+        </p:spPr>
+      </p:pic>
+      <p:sp>
+        <p:nvSpPr>
+          <p:cNvPr id="7" name="文本框 6">
+            <a:extLst>
+              <a:ext uri="{FF2B5EF4-FFF2-40B4-BE49-F238E27FC236}">
+                <a16:creationId xmlns:a16="http://schemas.microsoft.com/office/drawing/2014/main" id="{7F660966-7387-1A77-FFCD-62A5399EF7A1}"/>
+              </a:ext>
+            </a:extLst>
+          </p:cNvPr>
+          <p:cNvSpPr txBox="1"/>
+          <p:nvPr/>
+        </p:nvSpPr>
+        <p:spPr>
+          <a:xfrm>
+            <a:off x="6962775" y="4915694"/>
+            <a:ext cx="4829176" cy="307777"/>
+          </a:xfrm>
+          <a:prstGeom prst="rect">
+            <a:avLst/>
+          </a:prstGeom>
+          <a:noFill/>
+        </p:spPr>
+        <p:txBody>
+          <a:bodyPr wrap="square">
+            <a:spAutoFit/>
+          </a:bodyPr>
+          <a:lstStyle/>
+          <a:p>
+            <a:pPr algn="ctr"/>
+            <a:r>
+              <a:rPr lang="zh-CN" altLang="en-US" sz="1400" dirty="0">
+                <a:hlinkClick r:id="rId4"/>
+              </a:rPr>
+              <a:t>https://leimao.github.io/blog/Qubit-Bloch-Sphere/</a:t>
+            </a:r>
+            <a:endParaRPr lang="en-US" altLang="zh-CN" sz="1400" dirty="0"/>
+          </a:p>
+        </p:txBody>
+      </p:sp>
+    </p:spTree>
+    <p:extLst>
+      <p:ext uri="{BB962C8B-B14F-4D97-AF65-F5344CB8AC3E}">
+        <p14:creationId xmlns:p14="http://schemas.microsoft.com/office/powerpoint/2010/main" val="378942308"/>
+      </p:ext>
+    </p:extLst>
+  </p:cSld>
+  <p:clrMapOvr>
+    <a:masterClrMapping/>
+  </p:clrMapOvr>
+</p:sld>
+</file>
+
+<file path=ppt/slides/slide21.xml><?xml version="1.0" encoding="utf-8"?>
+<p:sld xmlns:a="http://schemas.openxmlformats.org/drawingml/2006/main" xmlns:r="http://schemas.openxmlformats.org/officeDocument/2006/relationships" xmlns:p="http://schemas.openxmlformats.org/presentationml/2006/main">
+  <p:cSld>
+    <p:spTree>
+      <p:nvGrpSpPr>
+        <p:cNvPr id="1" name=""/>
+        <p:cNvGrpSpPr/>
+        <p:nvPr/>
+      </p:nvGrpSpPr>
+      <p:grpSpPr>
+        <a:xfrm>
+          <a:off x="0" y="0"/>
+          <a:ext cx="0" cy="0"/>
+          <a:chOff x="0" y="0"/>
+          <a:chExt cx="0" cy="0"/>
+        </a:xfrm>
+      </p:grpSpPr>
+      <p:sp>
+        <p:nvSpPr>
+          <p:cNvPr id="2" name="标题 1">
+            <a:extLst>
+              <a:ext uri="{FF2B5EF4-FFF2-40B4-BE49-F238E27FC236}">
+                <a16:creationId xmlns:a16="http://schemas.microsoft.com/office/drawing/2014/main" id="{8F9005FA-EB31-AB4E-0EE9-15BFFC73729D}"/>
+              </a:ext>
+            </a:extLst>
+          </p:cNvPr>
+          <p:cNvSpPr>
+            <a:spLocks noGrp="1"/>
+          </p:cNvSpPr>
+          <p:nvPr>
+            <p:ph type="title"/>
+          </p:nvPr>
+        </p:nvSpPr>
+        <p:spPr/>
+        <p:txBody>
+          <a:bodyPr/>
+          <a:lstStyle/>
+          <a:p>
+            <a:r>
+              <a:rPr lang="en-US" altLang="zh-CN" sz="3600" dirty="0">
+                <a:solidFill>
+                  <a:srgbClr val="00B050"/>
+                </a:solidFill>
+                <a:latin typeface="+mn-lt"/>
+                <a:ea typeface="+mn-ea"/>
+                <a:cs typeface="+mn-cs"/>
+              </a:rPr>
+              <a:t>XYZ - RotCiruit</a:t>
+            </a:r>
+            <a:endParaRPr lang="zh-CN" altLang="en-US" sz="3600" dirty="0">
+              <a:solidFill>
+                <a:srgbClr val="00B050"/>
+              </a:solidFill>
+              <a:latin typeface="+mn-lt"/>
+              <a:ea typeface="+mn-ea"/>
+              <a:cs typeface="+mn-cs"/>
+            </a:endParaRPr>
+          </a:p>
+        </p:txBody>
+      </p:sp>
+      <p:sp>
+        <p:nvSpPr>
+          <p:cNvPr id="7" name="内容占位符 6">
+            <a:extLst>
+              <a:ext uri="{FF2B5EF4-FFF2-40B4-BE49-F238E27FC236}">
+                <a16:creationId xmlns:a16="http://schemas.microsoft.com/office/drawing/2014/main" id="{428BE9CE-EA37-CAF2-91AB-BF073829C15C}"/>
+              </a:ext>
+            </a:extLst>
+          </p:cNvPr>
+          <p:cNvSpPr>
+            <a:spLocks noGrp="1"/>
+          </p:cNvSpPr>
+          <p:nvPr>
+            <p:ph idx="1"/>
+          </p:nvPr>
+        </p:nvSpPr>
+        <p:spPr>
+          <a:xfrm>
+            <a:off x="838200" y="1786812"/>
+            <a:ext cx="10515600" cy="4351338"/>
+          </a:xfrm>
+        </p:spPr>
+        <p:txBody>
+          <a:bodyPr/>
+          <a:lstStyle/>
+          <a:p>
+            <a:r>
+              <a:rPr lang="en-US" altLang="zh-CN" dirty="0">
+                <a:solidFill>
+                  <a:schemeClr val="accent6"/>
+                </a:solidFill>
+              </a:rPr>
+              <a:t>numerical XOR!!</a:t>
+            </a:r>
+            <a:endParaRPr lang="zh-CN" altLang="en-US" dirty="0">
+              <a:solidFill>
+                <a:schemeClr val="accent6"/>
+              </a:solidFill>
+            </a:endParaRPr>
+          </a:p>
+        </p:txBody>
+      </p:sp>
+      <p:grpSp>
+        <p:nvGrpSpPr>
+          <p:cNvPr id="15" name="组合 14">
+            <a:extLst>
+              <a:ext uri="{FF2B5EF4-FFF2-40B4-BE49-F238E27FC236}">
+                <a16:creationId xmlns:a16="http://schemas.microsoft.com/office/drawing/2014/main" id="{C9EC8215-7200-6FE9-5F56-4029BAF0F3EB}"/>
+              </a:ext>
+            </a:extLst>
+          </p:cNvPr>
+          <p:cNvGrpSpPr/>
+          <p:nvPr/>
+        </p:nvGrpSpPr>
+        <p:grpSpPr>
+          <a:xfrm>
+            <a:off x="4410290" y="1214518"/>
+            <a:ext cx="7500304" cy="4588911"/>
+            <a:chOff x="4298323" y="1027906"/>
+            <a:chExt cx="7500304" cy="4588911"/>
+          </a:xfrm>
+        </p:grpSpPr>
+        <p:pic>
+          <p:nvPicPr>
+            <p:cNvPr id="8" name="内容占位符 4">
+              <a:extLst>
+                <a:ext uri="{FF2B5EF4-FFF2-40B4-BE49-F238E27FC236}">
+                  <a16:creationId xmlns:a16="http://schemas.microsoft.com/office/drawing/2014/main" id="{8391D097-4AD0-B914-5F5A-616E72D92AEE}"/>
+                </a:ext>
+              </a:extLst>
+            </p:cNvPr>
+            <p:cNvPicPr>
+              <a:picLocks noChangeAspect="1"/>
+            </p:cNvPicPr>
+            <p:nvPr/>
+          </p:nvPicPr>
+          <p:blipFill>
+            <a:blip r:embed="rId3"/>
+            <a:stretch>
+              <a:fillRect/>
+            </a:stretch>
+          </p:blipFill>
+          <p:spPr>
+            <a:xfrm>
+              <a:off x="4298323" y="1027906"/>
+              <a:ext cx="7500304" cy="4588911"/>
+            </a:xfrm>
+            <a:prstGeom prst="rect">
+              <a:avLst/>
+            </a:prstGeom>
+            <a:ln>
+              <a:noFill/>
+            </a:ln>
+            <a:effectLst>
+              <a:outerShdw blurRad="292100" dist="139700" dir="2700000" algn="tl" rotWithShape="0">
+                <a:srgbClr val="333333">
+                  <a:alpha val="65000"/>
+                </a:srgbClr>
+              </a:outerShdw>
+            </a:effectLst>
+          </p:spPr>
+        </p:pic>
+        <p:pic>
+          <p:nvPicPr>
+            <p:cNvPr id="10" name="图片 9">
+              <a:extLst>
+                <a:ext uri="{FF2B5EF4-FFF2-40B4-BE49-F238E27FC236}">
+                  <a16:creationId xmlns:a16="http://schemas.microsoft.com/office/drawing/2014/main" id="{7CDBFAC7-8335-D2DE-5986-B858F13BF954}"/>
+                </a:ext>
+              </a:extLst>
+            </p:cNvPr>
+            <p:cNvPicPr>
+              <a:picLocks noChangeAspect="1"/>
+            </p:cNvPicPr>
+            <p:nvPr/>
+          </p:nvPicPr>
+          <p:blipFill>
+            <a:blip r:embed="rId4"/>
+            <a:stretch>
+              <a:fillRect/>
+            </a:stretch>
+          </p:blipFill>
+          <p:spPr>
+            <a:xfrm>
+              <a:off x="9290438" y="1234798"/>
+              <a:ext cx="2285776" cy="2541071"/>
+            </a:xfrm>
+            <a:prstGeom prst="rect">
+              <a:avLst/>
+            </a:prstGeom>
+            <a:ln>
+              <a:noFill/>
+            </a:ln>
+            <a:effectLst>
+              <a:outerShdw blurRad="292100" dist="139700" dir="2700000" algn="tl" rotWithShape="0">
+                <a:srgbClr val="333333">
+                  <a:alpha val="65000"/>
+                </a:srgbClr>
+              </a:outerShdw>
+            </a:effectLst>
+          </p:spPr>
+        </p:pic>
+      </p:grpSp>
+      <p:grpSp>
+        <p:nvGrpSpPr>
+          <p:cNvPr id="14" name="组合 13">
+            <a:extLst>
+              <a:ext uri="{FF2B5EF4-FFF2-40B4-BE49-F238E27FC236}">
+                <a16:creationId xmlns:a16="http://schemas.microsoft.com/office/drawing/2014/main" id="{CE40595E-C840-3287-8A34-5296BDF983EA}"/>
+              </a:ext>
+            </a:extLst>
+          </p:cNvPr>
+          <p:cNvGrpSpPr/>
+          <p:nvPr/>
+        </p:nvGrpSpPr>
+        <p:grpSpPr>
+          <a:xfrm>
+            <a:off x="503819" y="2621919"/>
+            <a:ext cx="3460123" cy="3870956"/>
+            <a:chOff x="393373" y="2621919"/>
+            <a:chExt cx="3460123" cy="3870956"/>
+          </a:xfrm>
+        </p:grpSpPr>
+        <p:pic>
+          <p:nvPicPr>
+            <p:cNvPr id="12" name="图片 11">
+              <a:extLst>
+                <a:ext uri="{FF2B5EF4-FFF2-40B4-BE49-F238E27FC236}">
+                  <a16:creationId xmlns:a16="http://schemas.microsoft.com/office/drawing/2014/main" id="{ABAD2593-C608-84FE-7D8B-E9CD746CF7E0}"/>
+                </a:ext>
+              </a:extLst>
+            </p:cNvPr>
+            <p:cNvPicPr>
+              <a:picLocks noChangeAspect="1"/>
+            </p:cNvPicPr>
+            <p:nvPr/>
+          </p:nvPicPr>
+          <p:blipFill>
+            <a:blip r:embed="rId5"/>
+            <a:stretch>
+              <a:fillRect/>
+            </a:stretch>
+          </p:blipFill>
+          <p:spPr>
+            <a:xfrm>
+              <a:off x="393373" y="2621919"/>
+              <a:ext cx="3460123" cy="3870956"/>
+            </a:xfrm>
+            <a:prstGeom prst="rect">
+              <a:avLst/>
+            </a:prstGeom>
+            <a:ln>
+              <a:noFill/>
+            </a:ln>
+            <a:effectLst>
+              <a:outerShdw blurRad="292100" dist="139700" dir="2700000" algn="tl" rotWithShape="0">
+                <a:srgbClr val="333333">
+                  <a:alpha val="65000"/>
+                </a:srgbClr>
+              </a:outerShdw>
+            </a:effectLst>
+          </p:spPr>
+        </p:pic>
+        <p:sp>
+          <p:nvSpPr>
+            <p:cNvPr id="13" name="矩形 12">
+              <a:extLst>
+                <a:ext uri="{FF2B5EF4-FFF2-40B4-BE49-F238E27FC236}">
+                  <a16:creationId xmlns:a16="http://schemas.microsoft.com/office/drawing/2014/main" id="{4154CD3C-DE2E-902B-775B-664C19F8BF1F}"/>
+                </a:ext>
+              </a:extLst>
+            </p:cNvPr>
+            <p:cNvSpPr/>
+            <p:nvPr/>
+          </p:nvSpPr>
+          <p:spPr>
+            <a:xfrm>
+              <a:off x="1558212" y="3803863"/>
+              <a:ext cx="1492898" cy="1495925"/>
+            </a:xfrm>
+            <a:prstGeom prst="rect">
+              <a:avLst/>
+            </a:prstGeom>
+            <a:noFill/>
+            <a:ln w="28575" cap="flat" cmpd="sng" algn="ctr">
+              <a:solidFill>
+                <a:srgbClr val="FF0000"/>
+              </a:solidFill>
+              <a:prstDash val="solid"/>
+              <a:round/>
+              <a:headEnd type="none" w="med" len="med"/>
+              <a:tailEnd type="none" w="med" len="med"/>
+            </a:ln>
+          </p:spPr>
+          <p:style>
+            <a:lnRef idx="0">
+              <a:scrgbClr r="0" g="0" b="0"/>
+            </a:lnRef>
+            <a:fillRef idx="0">
+              <a:scrgbClr r="0" g="0" b="0"/>
+            </a:fillRef>
+            <a:effectRef idx="0">
+              <a:scrgbClr r="0" g="0" b="0"/>
+            </a:effectRef>
+            <a:fontRef idx="minor">
+              <a:schemeClr val="accent2"/>
+            </a:fontRef>
+          </p:style>
+          <p:txBody>
+            <a:bodyPr rtlCol="0" anchor="ctr"/>
+            <a:lstStyle/>
+            <a:p>
+              <a:pPr algn="ctr"/>
+              <a:endParaRPr lang="zh-CN" altLang="en-US"/>
+            </a:p>
+          </p:txBody>
+        </p:sp>
+      </p:grpSp>
+    </p:spTree>
+    <p:extLst>
+      <p:ext uri="{BB962C8B-B14F-4D97-AF65-F5344CB8AC3E}">
+        <p14:creationId xmlns:p14="http://schemas.microsoft.com/office/powerpoint/2010/main" val="452627996"/>
+      </p:ext>
+    </p:extLst>
+  </p:cSld>
+  <p:clrMapOvr>
+    <a:masterClrMapping/>
+  </p:clrMapOvr>
+</p:sld>
+</file>
+
+<file path=ppt/slides/slide22.xml><?xml version="1.0" encoding="utf-8"?>
+<p:sld xmlns:a="http://schemas.openxmlformats.org/drawingml/2006/main" xmlns:r="http://schemas.openxmlformats.org/officeDocument/2006/relationships" xmlns:p="http://schemas.openxmlformats.org/presentationml/2006/main">
+  <p:cSld>
+    <p:spTree>
+      <p:nvGrpSpPr>
+        <p:cNvPr id="1" name=""/>
+        <p:cNvGrpSpPr/>
+        <p:nvPr/>
+      </p:nvGrpSpPr>
+      <p:grpSpPr>
+        <a:xfrm>
+          <a:off x="0" y="0"/>
+          <a:ext cx="0" cy="0"/>
+          <a:chOff x="0" y="0"/>
+          <a:chExt cx="0" cy="0"/>
+        </a:xfrm>
+      </p:grpSpPr>
+      <p:sp>
+        <p:nvSpPr>
+          <p:cNvPr id="2" name="标题 1">
+            <a:extLst>
+              <a:ext uri="{FF2B5EF4-FFF2-40B4-BE49-F238E27FC236}">
+                <a16:creationId xmlns:a16="http://schemas.microsoft.com/office/drawing/2014/main" id="{8F9005FA-EB31-AB4E-0EE9-15BFFC73729D}"/>
+              </a:ext>
+            </a:extLst>
+          </p:cNvPr>
+          <p:cNvSpPr>
+            <a:spLocks noGrp="1"/>
+          </p:cNvSpPr>
+          <p:nvPr>
+            <p:ph type="title"/>
+          </p:nvPr>
+        </p:nvSpPr>
+        <p:spPr/>
+        <p:txBody>
+          <a:bodyPr/>
+          <a:lstStyle/>
+          <a:p>
+            <a:r>
+              <a:rPr lang="en-US" altLang="zh-CN" sz="3600" dirty="0">
+                <a:solidFill>
+                  <a:srgbClr val="00B050"/>
+                </a:solidFill>
+                <a:latin typeface="+mn-lt"/>
+                <a:ea typeface="+mn-ea"/>
+                <a:cs typeface="+mn-cs"/>
+              </a:rPr>
+              <a:t>YouroQNet - mini</a:t>
+            </a:r>
+            <a:endParaRPr lang="zh-CN" altLang="en-US" sz="3600" dirty="0">
+              <a:solidFill>
+                <a:srgbClr val="00B050"/>
+              </a:solidFill>
+              <a:latin typeface="+mn-lt"/>
+              <a:ea typeface="+mn-ea"/>
+              <a:cs typeface="+mn-cs"/>
+            </a:endParaRPr>
+          </a:p>
+        </p:txBody>
+      </p:sp>
+      <p:sp>
+        <p:nvSpPr>
+          <p:cNvPr id="3" name="内容占位符 2">
+            <a:extLst>
+              <a:ext uri="{FF2B5EF4-FFF2-40B4-BE49-F238E27FC236}">
+                <a16:creationId xmlns:a16="http://schemas.microsoft.com/office/drawing/2014/main" id="{186F1433-22A9-D8FB-8541-697DFD178F81}"/>
+              </a:ext>
+            </a:extLst>
+          </p:cNvPr>
+          <p:cNvSpPr>
+            <a:spLocks noGrp="1"/>
+          </p:cNvSpPr>
+          <p:nvPr>
+            <p:ph idx="1"/>
+          </p:nvPr>
+        </p:nvSpPr>
+        <p:spPr>
+          <a:xfrm>
+            <a:off x="838199" y="1622303"/>
+            <a:ext cx="10515600" cy="4486275"/>
+          </a:xfrm>
+        </p:spPr>
+        <p:txBody>
+          <a:bodyPr/>
+          <a:lstStyle/>
+          <a:p>
+            <a:r>
+              <a:rPr lang="en-US" altLang="zh-CN" dirty="0">
+                <a:solidFill>
+                  <a:schemeClr val="accent6"/>
+                </a:solidFill>
+              </a:rPr>
+              <a:t>combinational sum with trigonometric activation!!</a:t>
+            </a:r>
+          </a:p>
+          <a:p>
+            <a:endParaRPr lang="en-US" altLang="zh-CN" dirty="0">
+              <a:solidFill>
+                <a:schemeClr val="accent6"/>
+              </a:solidFill>
+            </a:endParaRPr>
+          </a:p>
+        </p:txBody>
+      </p:sp>
+      <p:grpSp>
+        <p:nvGrpSpPr>
+          <p:cNvPr id="14" name="组合 13">
+            <a:extLst>
+              <a:ext uri="{FF2B5EF4-FFF2-40B4-BE49-F238E27FC236}">
+                <a16:creationId xmlns:a16="http://schemas.microsoft.com/office/drawing/2014/main" id="{10621F40-D94A-2D8F-4F9E-AD0446BFC5D4}"/>
+              </a:ext>
+            </a:extLst>
+          </p:cNvPr>
+          <p:cNvGrpSpPr/>
+          <p:nvPr/>
+        </p:nvGrpSpPr>
+        <p:grpSpPr>
+          <a:xfrm>
+            <a:off x="1709736" y="2247901"/>
+            <a:ext cx="8772525" cy="4340224"/>
+            <a:chOff x="1903050" y="2458545"/>
+            <a:chExt cx="8385900" cy="4001058"/>
+          </a:xfrm>
+        </p:grpSpPr>
+        <p:grpSp>
+          <p:nvGrpSpPr>
+            <p:cNvPr id="9" name="组合 8">
+              <a:extLst>
+                <a:ext uri="{FF2B5EF4-FFF2-40B4-BE49-F238E27FC236}">
+                  <a16:creationId xmlns:a16="http://schemas.microsoft.com/office/drawing/2014/main" id="{11FCE56B-19F1-2D25-A4B6-41D4EA21D941}"/>
+                </a:ext>
+              </a:extLst>
+            </p:cNvPr>
+            <p:cNvGrpSpPr/>
+            <p:nvPr/>
+          </p:nvGrpSpPr>
+          <p:grpSpPr>
+            <a:xfrm>
+              <a:off x="1903050" y="2458545"/>
+              <a:ext cx="8385900" cy="4001058"/>
+              <a:chOff x="3592287" y="2491817"/>
+              <a:chExt cx="8385900" cy="4001058"/>
+            </a:xfrm>
+          </p:grpSpPr>
+          <p:pic>
+            <p:nvPicPr>
+              <p:cNvPr id="5" name="图片 4">
+                <a:extLst>
+                  <a:ext uri="{FF2B5EF4-FFF2-40B4-BE49-F238E27FC236}">
+                    <a16:creationId xmlns:a16="http://schemas.microsoft.com/office/drawing/2014/main" id="{96B96C0E-BFFB-4261-ADA0-CC6526477B1F}"/>
+                  </a:ext>
+                </a:extLst>
+              </p:cNvPr>
+              <p:cNvPicPr>
+                <a:picLocks noChangeAspect="1"/>
+              </p:cNvPicPr>
+              <p:nvPr/>
+            </p:nvPicPr>
+            <p:blipFill>
+              <a:blip r:embed="rId2"/>
+              <a:stretch>
+                <a:fillRect/>
+              </a:stretch>
+            </p:blipFill>
+            <p:spPr>
+              <a:xfrm>
+                <a:off x="3592287" y="2491817"/>
+                <a:ext cx="8385900" cy="4001058"/>
+              </a:xfrm>
+              <a:prstGeom prst="rect">
+                <a:avLst/>
+              </a:prstGeom>
+              <a:ln>
+                <a:noFill/>
+              </a:ln>
+              <a:effectLst>
+                <a:outerShdw blurRad="292100" dist="139700" dir="2700000" algn="tl" rotWithShape="0">
+                  <a:srgbClr val="333333">
+                    <a:alpha val="65000"/>
+                  </a:srgbClr>
+                </a:outerShdw>
+              </a:effectLst>
+            </p:spPr>
+          </p:pic>
+          <p:sp>
+            <p:nvSpPr>
+              <p:cNvPr id="7" name="矩形 6">
+                <a:extLst>
+                  <a:ext uri="{FF2B5EF4-FFF2-40B4-BE49-F238E27FC236}">
+                    <a16:creationId xmlns:a16="http://schemas.microsoft.com/office/drawing/2014/main" id="{1AF613F8-30F2-9861-7CF9-DD5C621429A0}"/>
+                  </a:ext>
+                </a:extLst>
+              </p:cNvPr>
+              <p:cNvSpPr/>
+              <p:nvPr/>
+            </p:nvSpPr>
+            <p:spPr>
+              <a:xfrm>
+                <a:off x="9932729" y="5543485"/>
+                <a:ext cx="769540" cy="949390"/>
+              </a:xfrm>
+              <a:prstGeom prst="rect">
+                <a:avLst/>
+              </a:prstGeom>
+              <a:noFill/>
+              <a:ln w="28575" cap="flat" cmpd="sng" algn="ctr">
+                <a:solidFill>
+                  <a:srgbClr val="C00000"/>
+                </a:solidFill>
+                <a:prstDash val="solid"/>
+                <a:round/>
+                <a:headEnd type="none" w="med" len="med"/>
+                <a:tailEnd type="none" w="med" len="med"/>
+              </a:ln>
+            </p:spPr>
+            <p:style>
+              <a:lnRef idx="0">
+                <a:scrgbClr r="0" g="0" b="0"/>
+              </a:lnRef>
+              <a:fillRef idx="0">
+                <a:scrgbClr r="0" g="0" b="0"/>
+              </a:fillRef>
+              <a:effectRef idx="0">
+                <a:scrgbClr r="0" g="0" b="0"/>
+              </a:effectRef>
+              <a:fontRef idx="minor">
+                <a:schemeClr val="accent2"/>
+              </a:fontRef>
+            </p:style>
+            <p:txBody>
+              <a:bodyPr rtlCol="0" anchor="ctr"/>
+              <a:lstStyle/>
+              <a:p>
+                <a:pPr algn="ctr"/>
+                <a:endParaRPr lang="zh-CN" altLang="en-US"/>
+              </a:p>
+            </p:txBody>
+          </p:sp>
+        </p:grpSp>
+        <p:sp>
+          <p:nvSpPr>
+            <p:cNvPr id="11" name="矩形 10">
+              <a:extLst>
+                <a:ext uri="{FF2B5EF4-FFF2-40B4-BE49-F238E27FC236}">
+                  <a16:creationId xmlns:a16="http://schemas.microsoft.com/office/drawing/2014/main" id="{C4672D00-99BF-D5F8-2904-153E6932C2DB}"/>
+                </a:ext>
+              </a:extLst>
+            </p:cNvPr>
+            <p:cNvSpPr/>
+            <p:nvPr/>
+          </p:nvSpPr>
+          <p:spPr>
+            <a:xfrm>
+              <a:off x="2043737" y="5531665"/>
+              <a:ext cx="2425869" cy="927938"/>
+            </a:xfrm>
+            <a:prstGeom prst="rect">
+              <a:avLst/>
+            </a:prstGeom>
+            <a:noFill/>
+            <a:ln w="28575" cap="flat" cmpd="sng" algn="ctr">
+              <a:solidFill>
+                <a:srgbClr val="00B050"/>
+              </a:solidFill>
+              <a:prstDash val="solid"/>
+              <a:round/>
+              <a:headEnd type="none" w="med" len="med"/>
+              <a:tailEnd type="none" w="med" len="med"/>
+            </a:ln>
+          </p:spPr>
+          <p:style>
+            <a:lnRef idx="0">
+              <a:scrgbClr r="0" g="0" b="0"/>
+            </a:lnRef>
+            <a:fillRef idx="0">
+              <a:scrgbClr r="0" g="0" b="0"/>
+            </a:fillRef>
+            <a:effectRef idx="0">
+              <a:scrgbClr r="0" g="0" b="0"/>
+            </a:effectRef>
+            <a:fontRef idx="minor">
+              <a:schemeClr val="accent2"/>
+            </a:fontRef>
+          </p:style>
+          <p:txBody>
+            <a:bodyPr rtlCol="0" anchor="ctr"/>
+            <a:lstStyle/>
+            <a:p>
+              <a:pPr algn="ctr"/>
+              <a:endParaRPr lang="zh-CN" altLang="en-US"/>
+            </a:p>
+          </p:txBody>
+        </p:sp>
+        <p:sp>
+          <p:nvSpPr>
+            <p:cNvPr id="12" name="矩形 11">
+              <a:extLst>
+                <a:ext uri="{FF2B5EF4-FFF2-40B4-BE49-F238E27FC236}">
+                  <a16:creationId xmlns:a16="http://schemas.microsoft.com/office/drawing/2014/main" id="{9B9625EB-0735-8E0A-5790-F94323C83283}"/>
+                </a:ext>
+              </a:extLst>
+            </p:cNvPr>
+            <p:cNvSpPr/>
+            <p:nvPr/>
+          </p:nvSpPr>
+          <p:spPr>
+            <a:xfrm>
+              <a:off x="6020200" y="5531665"/>
+              <a:ext cx="2078431" cy="751659"/>
+            </a:xfrm>
+            <a:prstGeom prst="rect">
+              <a:avLst/>
+            </a:prstGeom>
+            <a:noFill/>
+            <a:ln w="28575" cap="flat" cmpd="sng" algn="ctr">
+              <a:solidFill>
+                <a:srgbClr val="00B0F0"/>
+              </a:solidFill>
+              <a:prstDash val="solid"/>
+              <a:round/>
+              <a:headEnd type="none" w="med" len="med"/>
+              <a:tailEnd type="none" w="med" len="med"/>
+            </a:ln>
+          </p:spPr>
+          <p:style>
+            <a:lnRef idx="0">
+              <a:scrgbClr r="0" g="0" b="0"/>
+            </a:lnRef>
+            <a:fillRef idx="0">
+              <a:scrgbClr r="0" g="0" b="0"/>
+            </a:fillRef>
+            <a:effectRef idx="0">
+              <a:scrgbClr r="0" g="0" b="0"/>
+            </a:effectRef>
+            <a:fontRef idx="minor">
+              <a:schemeClr val="accent2"/>
+            </a:fontRef>
+          </p:style>
+          <p:txBody>
+            <a:bodyPr rtlCol="0" anchor="ctr"/>
+            <a:lstStyle/>
+            <a:p>
+              <a:pPr algn="ctr"/>
+              <a:endParaRPr lang="zh-CN" altLang="en-US"/>
+            </a:p>
+          </p:txBody>
+        </p:sp>
+        <mc:AlternateContent xmlns:mc="http://schemas.openxmlformats.org/markup-compatibility/2006">
+          <mc:Choice xmlns:a14="http://schemas.microsoft.com/office/drawing/2010/main" Requires="a14">
+            <p:sp>
+              <p:nvSpPr>
+                <p:cNvPr id="13" name="文本框 12">
+                  <a:extLst>
+                    <a:ext uri="{FF2B5EF4-FFF2-40B4-BE49-F238E27FC236}">
+                      <a16:creationId xmlns:a16="http://schemas.microsoft.com/office/drawing/2014/main" id="{E071DD7F-3DC7-D43A-02C6-B50860ED293F}"/>
+                    </a:ext>
+                  </a:extLst>
+                </p:cNvPr>
+                <p:cNvSpPr txBox="1"/>
+                <p:nvPr/>
+              </p:nvSpPr>
+              <p:spPr>
+                <a:xfrm>
+                  <a:off x="9011465" y="5814645"/>
+                  <a:ext cx="1067985" cy="276999"/>
+                </a:xfrm>
+                <a:prstGeom prst="rect">
+                  <a:avLst/>
+                </a:prstGeom>
+                <a:noFill/>
+              </p:spPr>
+              <p:txBody>
+                <a:bodyPr wrap="none" rtlCol="0">
+                  <a:spAutoFit/>
+                </a:bodyPr>
+                <a:lstStyle/>
+                <a:p>
+                  <a14:m>
+                    <m:oMathPara xmlns:m="http://schemas.openxmlformats.org/officeDocument/2006/math">
+                      <m:oMathParaPr>
+                        <m:jc m:val="centerGroup"/>
+                      </m:oMathParaPr>
+                      <m:oMath xmlns:m="http://schemas.openxmlformats.org/officeDocument/2006/math">
+                        <m:r>
+                          <a:rPr lang="en-US" altLang="zh-CN" sz="1200" i="1" dirty="0" smtClean="0">
+                            <a:solidFill>
+                              <a:srgbClr val="FF0000"/>
+                            </a:solidFill>
+                            <a:latin typeface="Cambria Math" panose="02040503050406030204" pitchFamily="18" charset="0"/>
+                          </a:rPr>
+                          <m:t>+</m:t>
+                        </m:r>
+                        <m:r>
+                          <a:rPr lang="en-US" altLang="zh-CN" sz="1200" i="1" dirty="0" smtClean="0">
+                            <a:solidFill>
+                              <a:srgbClr val="FF0000"/>
+                            </a:solidFill>
+                            <a:latin typeface="Cambria Math" panose="02040503050406030204" pitchFamily="18" charset="0"/>
+                          </a:rPr>
+                          <m:t>𝜓</m:t>
+                        </m:r>
+                        <m:r>
+                          <a:rPr lang="en-US" altLang="zh-CN" sz="1200" i="1" dirty="0" smtClean="0">
+                            <a:solidFill>
+                              <a:srgbClr val="FF0000"/>
+                            </a:solidFill>
+                            <a:latin typeface="Cambria Math" panose="02040503050406030204" pitchFamily="18" charset="0"/>
+                          </a:rPr>
+                          <m:t>_5/2+…</m:t>
+                        </m:r>
+                      </m:oMath>
+                    </m:oMathPara>
+                  </a14:m>
+                  <a:endParaRPr lang="zh-CN" altLang="en-US" sz="1200" dirty="0">
+                    <a:solidFill>
+                      <a:srgbClr val="FF0000"/>
+                    </a:solidFill>
+                  </a:endParaRPr>
+                </a:p>
+              </p:txBody>
+            </p:sp>
+          </mc:Choice>
+          <mc:Fallback>
+            <p:sp>
+              <p:nvSpPr>
+                <p:cNvPr id="13" name="文本框 12">
+                  <a:extLst>
+                    <a:ext uri="{FF2B5EF4-FFF2-40B4-BE49-F238E27FC236}">
+                      <a16:creationId xmlns:a16="http://schemas.microsoft.com/office/drawing/2014/main" id="{E071DD7F-3DC7-D43A-02C6-B50860ED293F}"/>
+                    </a:ext>
+                  </a:extLst>
+                </p:cNvPr>
+                <p:cNvSpPr txBox="1">
+                  <a:spLocks noRot="1" noChangeAspect="1" noMove="1" noResize="1" noEditPoints="1" noAdjustHandles="1" noChangeArrowheads="1" noChangeShapeType="1" noTextEdit="1"/>
+                </p:cNvSpPr>
+                <p:nvPr/>
+              </p:nvSpPr>
+              <p:spPr>
+                <a:xfrm>
+                  <a:off x="9011465" y="5814645"/>
+                  <a:ext cx="1067985" cy="276999"/>
+                </a:xfrm>
+                <a:prstGeom prst="rect">
+                  <a:avLst/>
+                </a:prstGeom>
+                <a:blipFill>
+                  <a:blip r:embed="rId3"/>
+                  <a:stretch>
+                    <a:fillRect/>
+                  </a:stretch>
+                </a:blipFill>
+              </p:spPr>
+              <p:txBody>
+                <a:bodyPr/>
+                <a:lstStyle/>
+                <a:p>
+                  <a:r>
+                    <a:rPr lang="zh-CN" altLang="en-US">
+                      <a:noFill/>
+                    </a:rPr>
+                    <a:t> </a:t>
+                  </a:r>
+                </a:p>
+              </p:txBody>
+            </p:sp>
+          </mc:Fallback>
+        </mc:AlternateContent>
+      </p:grpSp>
+    </p:spTree>
+    <p:extLst>
+      <p:ext uri="{BB962C8B-B14F-4D97-AF65-F5344CB8AC3E}">
+        <p14:creationId xmlns:p14="http://schemas.microsoft.com/office/powerpoint/2010/main" val="2420280014"/>
+      </p:ext>
+    </p:extLst>
+  </p:cSld>
+  <p:clrMapOvr>
+    <a:masterClrMapping/>
+  </p:clrMapOvr>
+</p:sld>
+</file>
+
+<file path=ppt/slides/slide23.xml><?xml version="1.0" encoding="utf-8"?>
+<p:sld xmlns:a="http://schemas.openxmlformats.org/drawingml/2006/main" xmlns:r="http://schemas.openxmlformats.org/officeDocument/2006/relationships" xmlns:p="http://schemas.openxmlformats.org/presentationml/2006/main">
+  <p:cSld>
+    <p:spTree>
+      <p:nvGrpSpPr>
+        <p:cNvPr id="1" name=""/>
+        <p:cNvGrpSpPr/>
+        <p:nvPr/>
+      </p:nvGrpSpPr>
+      <p:grpSpPr>
+        <a:xfrm>
+          <a:off x="0" y="0"/>
+          <a:ext cx="0" cy="0"/>
+          <a:chOff x="0" y="0"/>
+          <a:chExt cx="0" cy="0"/>
+        </a:xfrm>
+      </p:grpSpPr>
+      <p:sp>
+        <p:nvSpPr>
+          <p:cNvPr id="2" name="标题 1">
+            <a:extLst>
+              <a:ext uri="{FF2B5EF4-FFF2-40B4-BE49-F238E27FC236}">
+                <a16:creationId xmlns:a16="http://schemas.microsoft.com/office/drawing/2014/main" id="{CC625FE0-E7DD-FAB4-8060-071743B42C7B}"/>
+              </a:ext>
+            </a:extLst>
+          </p:cNvPr>
+          <p:cNvSpPr>
+            <a:spLocks noGrp="1"/>
+          </p:cNvSpPr>
+          <p:nvPr>
+            <p:ph type="title"/>
+          </p:nvPr>
+        </p:nvSpPr>
+        <p:spPr/>
+        <p:txBody>
+          <a:bodyPr>
+            <a:normAutofit/>
+          </a:bodyPr>
+          <a:lstStyle/>
+          <a:p>
+            <a:r>
+              <a:rPr lang="en-US" altLang="zh-CN" sz="3600" dirty="0">
+                <a:solidFill>
+                  <a:srgbClr val="00B050"/>
+                </a:solidFill>
+                <a:latin typeface="+mn-lt"/>
+                <a:ea typeface="+mn-ea"/>
+                <a:cs typeface="+mn-cs"/>
+              </a:rPr>
+              <a:t>YouroQNet - mini: learned function value space</a:t>
+            </a:r>
+            <a:endParaRPr lang="zh-CN" altLang="en-US" sz="3600" dirty="0">
+              <a:solidFill>
+                <a:srgbClr val="00B050"/>
+              </a:solidFill>
+              <a:latin typeface="+mn-lt"/>
+              <a:ea typeface="+mn-ea"/>
+              <a:cs typeface="+mn-cs"/>
+            </a:endParaRPr>
+          </a:p>
+        </p:txBody>
+      </p:sp>
+      <p:sp>
+        <p:nvSpPr>
+          <p:cNvPr id="3" name="内容占位符 2">
+            <a:extLst>
+              <a:ext uri="{FF2B5EF4-FFF2-40B4-BE49-F238E27FC236}">
+                <a16:creationId xmlns:a16="http://schemas.microsoft.com/office/drawing/2014/main" id="{D7F16886-49AF-9763-1387-07932D422539}"/>
+              </a:ext>
+            </a:extLst>
+          </p:cNvPr>
+          <p:cNvSpPr>
+            <a:spLocks noGrp="1"/>
+          </p:cNvSpPr>
+          <p:nvPr>
+            <p:ph idx="1"/>
+          </p:nvPr>
+        </p:nvSpPr>
+        <p:spPr>
+          <a:xfrm>
+            <a:off x="838200" y="1690688"/>
+            <a:ext cx="10515600" cy="4351338"/>
+          </a:xfrm>
+        </p:spPr>
+        <p:txBody>
+          <a:bodyPr/>
+          <a:lstStyle/>
+          <a:p>
+            <a:r>
+              <a:rPr lang="en-US" altLang="zh-CN" dirty="0">
+                <a:solidFill>
+                  <a:schemeClr val="accent6"/>
+                </a:solidFill>
+              </a:rPr>
+              <a:t>weird generalization…</a:t>
+            </a:r>
+          </a:p>
+          <a:p>
+            <a:endParaRPr lang="en-US" altLang="zh-CN" dirty="0">
+              <a:solidFill>
+                <a:schemeClr val="accent6"/>
+              </a:solidFill>
+            </a:endParaRPr>
+          </a:p>
+        </p:txBody>
+      </p:sp>
+      <p:pic>
+        <p:nvPicPr>
+          <p:cNvPr id="4" name="图片 3">
+            <a:extLst>
+              <a:ext uri="{FF2B5EF4-FFF2-40B4-BE49-F238E27FC236}">
+                <a16:creationId xmlns:a16="http://schemas.microsoft.com/office/drawing/2014/main" id="{096972B3-C232-D836-D1D4-0AABC6424E8B}"/>
+              </a:ext>
+            </a:extLst>
+          </p:cNvPr>
+          <p:cNvPicPr>
+            <a:picLocks noChangeAspect="1"/>
+          </p:cNvPicPr>
+          <p:nvPr/>
+        </p:nvPicPr>
+        <p:blipFill rotWithShape="1">
+          <a:blip r:embed="rId3"/>
+          <a:srcRect l="23021" t="14792" r="16250" b="6944"/>
+          <a:stretch/>
+        </p:blipFill>
+        <p:spPr>
+          <a:xfrm>
+            <a:off x="7115174" y="1509713"/>
+            <a:ext cx="4486275" cy="4336219"/>
+          </a:xfrm>
+          <a:prstGeom prst="rect">
+            <a:avLst/>
+          </a:prstGeom>
+          <a:ln>
+            <a:noFill/>
+          </a:ln>
+          <a:effectLst>
+            <a:outerShdw blurRad="292100" dist="139700" dir="2700000" algn="tl" rotWithShape="0">
+              <a:srgbClr val="333333">
+                <a:alpha val="65000"/>
+              </a:srgbClr>
+            </a:outerShdw>
+          </a:effectLst>
+        </p:spPr>
+      </p:pic>
+      <p:pic>
+        <p:nvPicPr>
+          <p:cNvPr id="5" name="图片 4">
+            <a:extLst>
+              <a:ext uri="{FF2B5EF4-FFF2-40B4-BE49-F238E27FC236}">
+                <a16:creationId xmlns:a16="http://schemas.microsoft.com/office/drawing/2014/main" id="{6784921B-EED5-4FC3-8A93-5F4093D175FE}"/>
+              </a:ext>
+            </a:extLst>
+          </p:cNvPr>
+          <p:cNvPicPr>
+            <a:picLocks noChangeAspect="1"/>
+          </p:cNvPicPr>
+          <p:nvPr/>
+        </p:nvPicPr>
+        <p:blipFill>
+          <a:blip r:embed="rId4"/>
+          <a:stretch>
+            <a:fillRect/>
+          </a:stretch>
+        </p:blipFill>
+        <p:spPr>
+          <a:xfrm>
+            <a:off x="1133475" y="2487612"/>
+            <a:ext cx="5251450" cy="3938588"/>
+          </a:xfrm>
+          <a:prstGeom prst="rect">
+            <a:avLst/>
+          </a:prstGeom>
+          <a:ln>
+            <a:noFill/>
+          </a:ln>
+          <a:effectLst>
+            <a:outerShdw blurRad="292100" dist="139700" dir="2700000" algn="tl" rotWithShape="0">
+              <a:srgbClr val="333333">
+                <a:alpha val="65000"/>
+              </a:srgbClr>
+            </a:outerShdw>
+          </a:effectLst>
+        </p:spPr>
+      </p:pic>
+      <mc:AlternateContent xmlns:mc="http://schemas.openxmlformats.org/markup-compatibility/2006">
+        <mc:Choice xmlns:a14="http://schemas.microsoft.com/office/drawing/2010/main" Requires="a14">
+          <p:sp>
+            <p:nvSpPr>
+              <p:cNvPr id="6" name="文本框 5">
+                <a:extLst>
+                  <a:ext uri="{FF2B5EF4-FFF2-40B4-BE49-F238E27FC236}">
+                    <a16:creationId xmlns:a16="http://schemas.microsoft.com/office/drawing/2014/main" id="{FBA451F7-D2CF-C607-9935-DA8BBBFE9B2B}"/>
+                  </a:ext>
+                </a:extLst>
+              </p:cNvPr>
+              <p:cNvSpPr txBox="1"/>
+              <p:nvPr/>
+            </p:nvSpPr>
+            <p:spPr>
+              <a:xfrm>
+                <a:off x="7115175" y="6017108"/>
+                <a:ext cx="4486275" cy="646331"/>
+              </a:xfrm>
+              <a:prstGeom prst="rect">
+                <a:avLst/>
+              </a:prstGeom>
+              <a:noFill/>
+            </p:spPr>
+            <p:txBody>
+              <a:bodyPr wrap="square">
+                <a:spAutoFit/>
+              </a:bodyPr>
+              <a:lstStyle/>
+              <a:p>
+                <a:pPr algn="ctr"/>
+                <a:r>
+                  <a:rPr lang="en-US" altLang="zh-CN" dirty="0">
+                    <a:solidFill>
+                      <a:schemeClr val="accent6"/>
+                    </a:solidFill>
+                  </a:rPr>
+                  <a:t>Value space of a learned YouroQNet-mini</a:t>
+                </a:r>
+              </a:p>
+              <a:p>
+                <a:pPr algn="ctr"/>
+                <a:r>
+                  <a:rPr lang="en-US" altLang="zh-CN" dirty="0">
+                    <a:solidFill>
+                      <a:schemeClr val="accent6"/>
+                    </a:solidFill>
+                  </a:rPr>
+                  <a:t>(input is word embedding </a:t>
+                </a:r>
+                <a14:m>
+                  <m:oMath xmlns:m="http://schemas.openxmlformats.org/officeDocument/2006/math">
+                    <m:r>
+                      <a:rPr lang="en-US" altLang="zh-CN" i="1" dirty="0" smtClean="0">
+                        <a:solidFill>
+                          <a:schemeClr val="accent6"/>
+                        </a:solidFill>
+                        <a:latin typeface="Cambria Math" panose="02040503050406030204" pitchFamily="18" charset="0"/>
+                      </a:rPr>
+                      <m:t>𝜃</m:t>
+                    </m:r>
+                  </m:oMath>
+                </a14:m>
+                <a:r>
+                  <a:rPr lang="en-US" altLang="zh-CN" dirty="0">
+                    <a:solidFill>
+                      <a:schemeClr val="accent6"/>
+                    </a:solidFill>
+                  </a:rPr>
+                  <a:t>)</a:t>
+                </a:r>
+                <a:endParaRPr lang="zh-CN" altLang="en-US" dirty="0">
+                  <a:solidFill>
+                    <a:schemeClr val="accent6"/>
+                  </a:solidFill>
+                </a:endParaRPr>
+              </a:p>
+            </p:txBody>
+          </p:sp>
+        </mc:Choice>
+        <mc:Fallback>
+          <p:sp>
+            <p:nvSpPr>
+              <p:cNvPr id="6" name="文本框 5">
+                <a:extLst>
+                  <a:ext uri="{FF2B5EF4-FFF2-40B4-BE49-F238E27FC236}">
+                    <a16:creationId xmlns:a16="http://schemas.microsoft.com/office/drawing/2014/main" id="{FBA451F7-D2CF-C607-9935-DA8BBBFE9B2B}"/>
+                  </a:ext>
+                </a:extLst>
+              </p:cNvPr>
+              <p:cNvSpPr txBox="1">
+                <a:spLocks noRot="1" noChangeAspect="1" noMove="1" noResize="1" noEditPoints="1" noAdjustHandles="1" noChangeArrowheads="1" noChangeShapeType="1" noTextEdit="1"/>
+              </p:cNvSpPr>
+              <p:nvPr/>
+            </p:nvSpPr>
+            <p:spPr>
+              <a:xfrm>
+                <a:off x="7115175" y="6017108"/>
+                <a:ext cx="4486275" cy="646331"/>
+              </a:xfrm>
+              <a:prstGeom prst="rect">
+                <a:avLst/>
+              </a:prstGeom>
+              <a:blipFill>
+                <a:blip r:embed="rId5"/>
+                <a:stretch>
+                  <a:fillRect t="-4717" b="-14151"/>
+                </a:stretch>
+              </a:blipFill>
+            </p:spPr>
+            <p:txBody>
+              <a:bodyPr/>
+              <a:lstStyle/>
+              <a:p>
+                <a:r>
+                  <a:rPr lang="zh-CN" altLang="en-US">
+                    <a:noFill/>
+                  </a:rPr>
+                  <a:t> </a:t>
+                </a:r>
+              </a:p>
+            </p:txBody>
+          </p:sp>
+        </mc:Fallback>
+      </mc:AlternateContent>
+    </p:spTree>
+    <p:extLst>
+      <p:ext uri="{BB962C8B-B14F-4D97-AF65-F5344CB8AC3E}">
+        <p14:creationId xmlns:p14="http://schemas.microsoft.com/office/powerpoint/2010/main" val="1769729752"/>
+      </p:ext>
+    </p:extLst>
+  </p:cSld>
+  <p:clrMapOvr>
+    <a:masterClrMapping/>
+  </p:clrMapOvr>
+</p:sld>
+</file>
+
+<file path=ppt/slides/slide24.xml><?xml version="1.0" encoding="utf-8"?>
+<p:sld xmlns:a="http://schemas.openxmlformats.org/drawingml/2006/main" xmlns:r="http://schemas.openxmlformats.org/officeDocument/2006/relationships" xmlns:p="http://schemas.openxmlformats.org/presentationml/2006/main">
+  <p:cSld>
+    <p:spTree>
+      <p:nvGrpSpPr>
+        <p:cNvPr id="1" name=""/>
+        <p:cNvGrpSpPr/>
+        <p:nvPr/>
+      </p:nvGrpSpPr>
+      <p:grpSpPr>
+        <a:xfrm>
+          <a:off x="0" y="0"/>
+          <a:ext cx="0" cy="0"/>
+          <a:chOff x="0" y="0"/>
+          <a:chExt cx="0" cy="0"/>
+        </a:xfrm>
+      </p:grpSpPr>
+      <p:sp>
+        <p:nvSpPr>
+          <p:cNvPr id="2" name="标题 1">
+            <a:extLst>
+              <a:ext uri="{FF2B5EF4-FFF2-40B4-BE49-F238E27FC236}">
+                <a16:creationId xmlns:a16="http://schemas.microsoft.com/office/drawing/2014/main" id="{9A30A9A1-A430-AC44-73B9-1E2D46D0DAA5}"/>
+              </a:ext>
+            </a:extLst>
+          </p:cNvPr>
+          <p:cNvSpPr>
+            <a:spLocks noGrp="1"/>
+          </p:cNvSpPr>
+          <p:nvPr>
+            <p:ph type="title"/>
+          </p:nvPr>
+        </p:nvSpPr>
+        <p:spPr/>
+        <p:txBody>
+          <a:bodyPr/>
+          <a:lstStyle/>
+          <a:p>
+            <a:r>
+              <a:rPr lang="en-US" altLang="zh-CN" sz="3600" dirty="0">
+                <a:solidFill>
+                  <a:schemeClr val="bg1">
+                    <a:lumMod val="50000"/>
+                  </a:schemeClr>
+                </a:solidFill>
+                <a:latin typeface="+mn-lt"/>
+                <a:ea typeface="+mn-ea"/>
+                <a:cs typeface="+mn-cs"/>
+              </a:rPr>
+              <a:t>Content Table</a:t>
+            </a:r>
+            <a:endParaRPr lang="zh-CN" altLang="en-US" sz="3600" dirty="0">
+              <a:solidFill>
+                <a:schemeClr val="bg1">
+                  <a:lumMod val="50000"/>
+                </a:schemeClr>
+              </a:solidFill>
+              <a:latin typeface="+mn-lt"/>
+              <a:ea typeface="+mn-ea"/>
+              <a:cs typeface="+mn-cs"/>
+            </a:endParaRPr>
+          </a:p>
+        </p:txBody>
+      </p:sp>
+      <p:sp>
+        <p:nvSpPr>
+          <p:cNvPr id="4" name="内容占位符 3">
+            <a:extLst>
+              <a:ext uri="{FF2B5EF4-FFF2-40B4-BE49-F238E27FC236}">
+                <a16:creationId xmlns:a16="http://schemas.microsoft.com/office/drawing/2014/main" id="{68A24AEE-F16F-5A49-7B81-54F3FC1852E1}"/>
+              </a:ext>
+            </a:extLst>
+          </p:cNvPr>
+          <p:cNvSpPr>
+            <a:spLocks noGrp="1"/>
+          </p:cNvSpPr>
+          <p:nvPr>
+            <p:ph idx="1"/>
+          </p:nvPr>
+        </p:nvSpPr>
+        <p:spPr/>
+        <p:txBody>
+          <a:bodyPr/>
+          <a:lstStyle/>
+          <a:p>
+            <a:r>
+              <a:rPr lang="en-US" altLang="zh-CN" sz="2800" dirty="0">
+                <a:solidFill>
+                  <a:schemeClr val="accent2">
+                    <a:lumMod val="75000"/>
+                  </a:schemeClr>
+                </a:solidFill>
+                <a:latin typeface="+mn-lt"/>
+                <a:ea typeface="+mn-ea"/>
+                <a:cs typeface="+mn-cs"/>
+              </a:rPr>
+              <a:t>Entropy-based Heuristic k-gram Tokenizer</a:t>
+            </a:r>
+          </a:p>
+          <a:p>
+            <a:r>
+              <a:rPr lang="en-US" altLang="zh-CN" sz="2800" dirty="0">
+                <a:solidFill>
+                  <a:srgbClr val="0070C0"/>
+                </a:solidFill>
+              </a:rPr>
+              <a:t>YouroQNet for Quantum Sequence Classification</a:t>
+            </a:r>
+          </a:p>
+          <a:p>
+            <a:r>
+              <a:rPr lang="en-US" altLang="zh-CN" dirty="0">
+                <a:solidFill>
+                  <a:srgbClr val="00B050"/>
+                </a:solidFill>
+              </a:rPr>
+              <a:t>Computational Analysis over Simple QCircuits</a:t>
+            </a:r>
+            <a:endParaRPr lang="zh-CN" altLang="en-US" dirty="0">
+              <a:solidFill>
+                <a:srgbClr val="00B050"/>
+              </a:solidFill>
+            </a:endParaRPr>
+          </a:p>
+        </p:txBody>
+      </p:sp>
+      <p:pic>
+        <p:nvPicPr>
+          <p:cNvPr id="7" name="图片 6">
+            <a:extLst>
+              <a:ext uri="{FF2B5EF4-FFF2-40B4-BE49-F238E27FC236}">
+                <a16:creationId xmlns:a16="http://schemas.microsoft.com/office/drawing/2014/main" id="{0D9E500D-3C6B-9CE2-D58B-A5581FE7E315}"/>
+              </a:ext>
+            </a:extLst>
+          </p:cNvPr>
+          <p:cNvPicPr>
+            <a:picLocks noChangeAspect="1"/>
+          </p:cNvPicPr>
+          <p:nvPr/>
+        </p:nvPicPr>
+        <p:blipFill>
+          <a:blip r:embed="rId3"/>
+          <a:stretch>
+            <a:fillRect/>
+          </a:stretch>
+        </p:blipFill>
+        <p:spPr>
+          <a:xfrm>
+            <a:off x="1334668" y="3895625"/>
+            <a:ext cx="2810145" cy="1038231"/>
+          </a:xfrm>
+          <a:prstGeom prst="rect">
+            <a:avLst/>
+          </a:prstGeom>
+          <a:ln>
+            <a:noFill/>
+          </a:ln>
+          <a:effectLst>
+            <a:outerShdw blurRad="292100" dist="139700" dir="2700000" algn="tl" rotWithShape="0">
+              <a:srgbClr val="333333">
+                <a:alpha val="65000"/>
+              </a:srgbClr>
+            </a:outerShdw>
+          </a:effectLst>
+        </p:spPr>
+      </p:pic>
+      <p:pic>
+        <p:nvPicPr>
+          <p:cNvPr id="11" name="图片 10">
+            <a:extLst>
+              <a:ext uri="{FF2B5EF4-FFF2-40B4-BE49-F238E27FC236}">
+                <a16:creationId xmlns:a16="http://schemas.microsoft.com/office/drawing/2014/main" id="{4C4492BF-082D-998F-4A95-0C02CD999DC4}"/>
+              </a:ext>
+            </a:extLst>
+          </p:cNvPr>
+          <p:cNvPicPr>
+            <a:picLocks noChangeAspect="1"/>
+          </p:cNvPicPr>
+          <p:nvPr/>
+        </p:nvPicPr>
+        <p:blipFill rotWithShape="1">
+          <a:blip r:embed="rId4"/>
+          <a:srcRect l="34200" t="1" b="11077"/>
+          <a:stretch/>
+        </p:blipFill>
+        <p:spPr>
+          <a:xfrm>
+            <a:off x="219512" y="5329143"/>
+            <a:ext cx="5547482" cy="1243107"/>
+          </a:xfrm>
+          <a:prstGeom prst="rect">
+            <a:avLst/>
+          </a:prstGeom>
+          <a:ln>
+            <a:noFill/>
+          </a:ln>
+          <a:effectLst>
+            <a:outerShdw blurRad="292100" dist="139700" dir="2700000" algn="tl" rotWithShape="0">
+              <a:srgbClr val="333333">
+                <a:alpha val="65000"/>
+              </a:srgbClr>
+            </a:outerShdw>
+          </a:effectLst>
+        </p:spPr>
+      </p:pic>
+      <p:pic>
+        <p:nvPicPr>
+          <p:cNvPr id="5" name="图片 4">
+            <a:extLst>
+              <a:ext uri="{FF2B5EF4-FFF2-40B4-BE49-F238E27FC236}">
+                <a16:creationId xmlns:a16="http://schemas.microsoft.com/office/drawing/2014/main" id="{ECC43BF3-43D1-114B-FAF1-C3F7E955DE5B}"/>
+              </a:ext>
+            </a:extLst>
+          </p:cNvPr>
+          <p:cNvPicPr>
+            <a:picLocks noChangeAspect="1"/>
+          </p:cNvPicPr>
+          <p:nvPr/>
+        </p:nvPicPr>
+        <p:blipFill>
+          <a:blip r:embed="rId5"/>
+          <a:stretch>
+            <a:fillRect/>
+          </a:stretch>
+        </p:blipFill>
+        <p:spPr>
+          <a:xfrm>
+            <a:off x="5997342" y="3766577"/>
+            <a:ext cx="5653481" cy="2726298"/>
+          </a:xfrm>
+          <a:prstGeom prst="rect">
+            <a:avLst/>
+          </a:prstGeom>
+          <a:ln>
+            <a:noFill/>
+          </a:ln>
+          <a:effectLst>
+            <a:outerShdw blurRad="292100" dist="139700" dir="2700000" algn="tl" rotWithShape="0">
+              <a:srgbClr val="333333">
+                <a:alpha val="65000"/>
+              </a:srgbClr>
+            </a:outerShdw>
+          </a:effectLst>
+        </p:spPr>
+      </p:pic>
+    </p:spTree>
+    <p:extLst>
+      <p:ext uri="{BB962C8B-B14F-4D97-AF65-F5344CB8AC3E}">
+        <p14:creationId xmlns:p14="http://schemas.microsoft.com/office/powerpoint/2010/main" val="691914217"/>
+      </p:ext>
+    </p:extLst>
+  </p:cSld>
+  <p:clrMapOvr>
+    <a:masterClrMapping/>
+  </p:clrMapOvr>
+</p:sld>
+</file>
+
+<file path=ppt/slides/slide25.xml><?xml version="1.0" encoding="utf-8"?>
+<p:sld xmlns:a="http://schemas.openxmlformats.org/drawingml/2006/main" xmlns:r="http://schemas.openxmlformats.org/officeDocument/2006/relationships" xmlns:p="http://schemas.openxmlformats.org/presentationml/2006/main">
+  <p:cSld>
+    <p:spTree>
+      <p:nvGrpSpPr>
+        <p:cNvPr id="1" name=""/>
+        <p:cNvGrpSpPr/>
+        <p:nvPr/>
+      </p:nvGrpSpPr>
+      <p:grpSpPr>
+        <a:xfrm>
+          <a:off x="0" y="0"/>
+          <a:ext cx="0" cy="0"/>
+          <a:chOff x="0" y="0"/>
+          <a:chExt cx="0" cy="0"/>
+        </a:xfrm>
+      </p:grpSpPr>
+      <p:sp>
+        <p:nvSpPr>
+          <p:cNvPr id="2" name="标题 1">
+            <a:extLst>
+              <a:ext uri="{FF2B5EF4-FFF2-40B4-BE49-F238E27FC236}">
+                <a16:creationId xmlns:a16="http://schemas.microsoft.com/office/drawing/2014/main" id="{CC625FE0-E7DD-FAB4-8060-071743B42C7B}"/>
+              </a:ext>
+            </a:extLst>
+          </p:cNvPr>
+          <p:cNvSpPr>
+            <a:spLocks noGrp="1"/>
+          </p:cNvSpPr>
+          <p:nvPr>
+            <p:ph type="ctrTitle"/>
+          </p:nvPr>
+        </p:nvSpPr>
+        <p:spPr/>
+        <p:txBody>
+          <a:bodyPr>
+            <a:normAutofit/>
+          </a:bodyPr>
+          <a:lstStyle/>
+          <a:p>
+            <a:r>
+              <a:rPr lang="en-US" altLang="zh-CN" sz="3600" dirty="0">
+                <a:solidFill>
+                  <a:srgbClr val="FF6600"/>
+                </a:solidFill>
+                <a:latin typeface="+mn-lt"/>
+                <a:ea typeface="+mn-ea"/>
+                <a:cs typeface="+mn-cs"/>
+              </a:rPr>
+              <a:t>Thanks for your watching~</a:t>
+            </a:r>
+            <a:br>
+              <a:rPr lang="en-US" altLang="zh-CN" sz="3600" dirty="0">
+                <a:solidFill>
+                  <a:srgbClr val="FF6600"/>
+                </a:solidFill>
+                <a:latin typeface="+mn-lt"/>
+                <a:ea typeface="+mn-ea"/>
+                <a:cs typeface="+mn-cs"/>
+              </a:rPr>
+            </a:br>
+            <a:br>
+              <a:rPr lang="en-US" altLang="zh-CN" sz="3600" dirty="0">
+                <a:solidFill>
+                  <a:srgbClr val="FF6600"/>
+                </a:solidFill>
+                <a:latin typeface="+mn-lt"/>
+                <a:ea typeface="+mn-ea"/>
+                <a:cs typeface="+mn-cs"/>
+              </a:rPr>
+            </a:br>
+            <a:r>
+              <a:rPr lang="en-US" altLang="zh-CN" sz="3600" dirty="0">
+                <a:solidFill>
+                  <a:schemeClr val="accent5">
+                    <a:lumMod val="75000"/>
+                  </a:schemeClr>
+                </a:solidFill>
+                <a:latin typeface="+mn-lt"/>
+                <a:ea typeface="+mn-ea"/>
+                <a:cs typeface="+mn-cs"/>
+              </a:rPr>
+              <a:t>YouroQNet</a:t>
+            </a:r>
+            <a:endParaRPr lang="zh-CN" altLang="en-US" sz="3600" dirty="0">
+              <a:solidFill>
+                <a:schemeClr val="accent5">
+                  <a:lumMod val="75000"/>
+                </a:schemeClr>
+              </a:solidFill>
+              <a:latin typeface="+mn-lt"/>
+              <a:ea typeface="+mn-ea"/>
+              <a:cs typeface="+mn-cs"/>
+            </a:endParaRPr>
+          </a:p>
+        </p:txBody>
+      </p:sp>
+      <p:sp>
+        <p:nvSpPr>
+          <p:cNvPr id="7" name="副标题 2">
+            <a:extLst>
+              <a:ext uri="{FF2B5EF4-FFF2-40B4-BE49-F238E27FC236}">
+                <a16:creationId xmlns:a16="http://schemas.microsoft.com/office/drawing/2014/main" id="{80174E70-BB18-8325-ECD6-9DD3A3F08EC4}"/>
+              </a:ext>
+            </a:extLst>
+          </p:cNvPr>
+          <p:cNvSpPr>
+            <a:spLocks noGrp="1"/>
+          </p:cNvSpPr>
+          <p:nvPr>
+            <p:ph type="subTitle" idx="1"/>
+          </p:nvPr>
+        </p:nvSpPr>
+        <p:spPr>
+          <a:xfrm>
+            <a:off x="1524000" y="3602038"/>
+            <a:ext cx="9144000" cy="1655762"/>
+          </a:xfrm>
+        </p:spPr>
+        <p:txBody>
+          <a:bodyPr>
+            <a:normAutofit/>
+          </a:bodyPr>
+          <a:lstStyle/>
+          <a:p>
+            <a:r>
+              <a:rPr lang="ja-JP" altLang="en-US" b="0" dirty="0">
+                <a:solidFill>
+                  <a:schemeClr val="accent5">
+                    <a:lumMod val="60000"/>
+                    <a:lumOff val="40000"/>
+                  </a:schemeClr>
+                </a:solidFill>
+                <a:effectLst/>
+                <a:latin typeface="Consolas" panose="020B0609020204030204" pitchFamily="49" charset="0"/>
+              </a:rPr>
+              <a:t>熔炉ネットと言うのは、虚仮威し全て裏技を繋ぐもん</a:t>
+            </a:r>
+            <a:endParaRPr lang="en-US" altLang="ja-JP" b="0" dirty="0">
+              <a:solidFill>
+                <a:schemeClr val="accent5">
+                  <a:lumMod val="60000"/>
+                  <a:lumOff val="40000"/>
+                </a:schemeClr>
+              </a:solidFill>
+              <a:effectLst/>
+              <a:latin typeface="Consolas" panose="020B0609020204030204" pitchFamily="49" charset="0"/>
+            </a:endParaRPr>
+          </a:p>
+          <a:p>
+            <a:endParaRPr lang="ja-JP" altLang="en-US" sz="1800" b="0" dirty="0">
+              <a:solidFill>
+                <a:srgbClr val="CCCCCC"/>
+              </a:solidFill>
+              <a:effectLst/>
+              <a:latin typeface="Consolas" panose="020B0609020204030204" pitchFamily="49" charset="0"/>
+            </a:endParaRPr>
+          </a:p>
+          <a:p>
+            <a:r>
+              <a:rPr lang="en-US" altLang="zh-CN" sz="2000" dirty="0">
+                <a:solidFill>
+                  <a:schemeClr val="accent5">
+                    <a:lumMod val="75000"/>
+                  </a:schemeClr>
+                </a:solidFill>
+              </a:rPr>
+              <a:t>Team: QwQ</a:t>
+            </a:r>
+          </a:p>
+          <a:p>
+            <a:r>
+              <a:rPr lang="en-US" altLang="zh-CN" sz="2000" dirty="0">
+                <a:solidFill>
+                  <a:schemeClr val="accent5">
+                    <a:lumMod val="75000"/>
+                  </a:schemeClr>
+                </a:solidFill>
+              </a:rPr>
+              <a:t>Reporter: Armit</a:t>
+            </a:r>
+          </a:p>
+        </p:txBody>
+      </p:sp>
+    </p:spTree>
+    <p:extLst>
+      <p:ext uri="{BB962C8B-B14F-4D97-AF65-F5344CB8AC3E}">
+        <p14:creationId xmlns:p14="http://schemas.microsoft.com/office/powerpoint/2010/main" val="1205885818"/>
       </p:ext>
     </p:extLst>
   </p:cSld>
@@ -18397,6 +23569,151 @@
           <p:cNvPr id="2" name="标题 1">
             <a:extLst>
               <a:ext uri="{FF2B5EF4-FFF2-40B4-BE49-F238E27FC236}">
+                <a16:creationId xmlns:a16="http://schemas.microsoft.com/office/drawing/2014/main" id="{9A30A9A1-A430-AC44-73B9-1E2D46D0DAA5}"/>
+              </a:ext>
+            </a:extLst>
+          </p:cNvPr>
+          <p:cNvSpPr>
+            <a:spLocks noGrp="1"/>
+          </p:cNvSpPr>
+          <p:nvPr>
+            <p:ph type="title"/>
+          </p:nvPr>
+        </p:nvSpPr>
+        <p:spPr/>
+        <p:txBody>
+          <a:bodyPr/>
+          <a:lstStyle/>
+          <a:p>
+            <a:r>
+              <a:rPr lang="en-US" altLang="zh-CN" sz="3600" dirty="0">
+                <a:solidFill>
+                  <a:schemeClr val="accent2">
+                    <a:lumMod val="50000"/>
+                  </a:schemeClr>
+                </a:solidFill>
+                <a:latin typeface="+mn-lt"/>
+                <a:ea typeface="+mn-ea"/>
+                <a:cs typeface="+mn-cs"/>
+              </a:rPr>
+              <a:t>Content Table</a:t>
+            </a:r>
+            <a:endParaRPr lang="zh-CN" altLang="en-US" sz="3600" dirty="0">
+              <a:solidFill>
+                <a:schemeClr val="accent2">
+                  <a:lumMod val="50000"/>
+                </a:schemeClr>
+              </a:solidFill>
+              <a:latin typeface="+mn-lt"/>
+              <a:ea typeface="+mn-ea"/>
+              <a:cs typeface="+mn-cs"/>
+            </a:endParaRPr>
+          </a:p>
+        </p:txBody>
+      </p:sp>
+      <p:sp>
+        <p:nvSpPr>
+          <p:cNvPr id="4" name="内容占位符 3">
+            <a:extLst>
+              <a:ext uri="{FF2B5EF4-FFF2-40B4-BE49-F238E27FC236}">
+                <a16:creationId xmlns:a16="http://schemas.microsoft.com/office/drawing/2014/main" id="{68A24AEE-F16F-5A49-7B81-54F3FC1852E1}"/>
+              </a:ext>
+            </a:extLst>
+          </p:cNvPr>
+          <p:cNvSpPr>
+            <a:spLocks noGrp="1"/>
+          </p:cNvSpPr>
+          <p:nvPr>
+            <p:ph idx="1"/>
+          </p:nvPr>
+        </p:nvSpPr>
+        <p:spPr/>
+        <p:txBody>
+          <a:bodyPr/>
+          <a:lstStyle/>
+          <a:p>
+            <a:r>
+              <a:rPr lang="en-US" altLang="zh-CN" sz="2800" dirty="0">
+                <a:solidFill>
+                  <a:schemeClr val="accent2">
+                    <a:lumMod val="75000"/>
+                  </a:schemeClr>
+                </a:solidFill>
+                <a:latin typeface="+mn-lt"/>
+                <a:ea typeface="+mn-ea"/>
+                <a:cs typeface="+mn-cs"/>
+              </a:rPr>
+              <a:t>Entropy-based Heuristic k-gram Tokenizer</a:t>
+            </a:r>
+          </a:p>
+          <a:p>
+            <a:r>
+              <a:rPr lang="en-US" altLang="zh-CN" sz="2800" dirty="0">
+                <a:solidFill>
+                  <a:schemeClr val="bg1">
+                    <a:lumMod val="75000"/>
+                  </a:schemeClr>
+                </a:solidFill>
+              </a:rPr>
+              <a:t>YouroQNet for Quantum Sequence Classification</a:t>
+            </a:r>
+          </a:p>
+          <a:p>
+            <a:r>
+              <a:rPr lang="en-US" altLang="zh-CN" dirty="0">
+                <a:solidFill>
+                  <a:schemeClr val="bg1">
+                    <a:lumMod val="75000"/>
+                  </a:schemeClr>
+                </a:solidFill>
+              </a:rPr>
+              <a:t>Computational Analysis over Simple QCircuits</a:t>
+            </a:r>
+            <a:endParaRPr lang="zh-CN" altLang="en-US" dirty="0">
+              <a:solidFill>
+                <a:schemeClr val="bg1">
+                  <a:lumMod val="75000"/>
+                </a:schemeClr>
+              </a:solidFill>
+            </a:endParaRPr>
+          </a:p>
+        </p:txBody>
+      </p:sp>
+    </p:spTree>
+    <p:extLst>
+      <p:ext uri="{BB962C8B-B14F-4D97-AF65-F5344CB8AC3E}">
+        <p14:creationId xmlns:p14="http://schemas.microsoft.com/office/powerpoint/2010/main" val="2118619160"/>
+      </p:ext>
+    </p:extLst>
+  </p:cSld>
+  <p:clrMapOvr>
+    <a:masterClrMapping/>
+  </p:clrMapOvr>
+</p:sld>
+</file>
+
+<file path=ppt/slides/slide5.xml><?xml version="1.0" encoding="utf-8"?>
+<p:sld xmlns:a="http://schemas.openxmlformats.org/drawingml/2006/main" xmlns:r="http://schemas.openxmlformats.org/officeDocument/2006/relationships" xmlns:p="http://schemas.openxmlformats.org/presentationml/2006/main">
+  <p:cSld>
+    <p:spTree>
+      <p:nvGrpSpPr>
+        <p:cNvPr id="1" name=""/>
+        <p:cNvGrpSpPr/>
+        <p:nvPr/>
+      </p:nvGrpSpPr>
+      <p:grpSpPr>
+        <a:xfrm>
+          <a:off x="0" y="0"/>
+          <a:ext cx="0" cy="0"/>
+          <a:chOff x="0" y="0"/>
+          <a:chExt cx="0" cy="0"/>
+        </a:xfrm>
+      </p:grpSpPr>
+      <p:sp>
+        <p:nvSpPr>
+          <p:cNvPr id="2" name="标题 1">
+            <a:extLst>
+              <a:ext uri="{FF2B5EF4-FFF2-40B4-BE49-F238E27FC236}">
                 <a16:creationId xmlns:a16="http://schemas.microsoft.com/office/drawing/2014/main" id="{CC625FE0-E7DD-FAB4-8060-071743B42C7B}"/>
               </a:ext>
             </a:extLst>
@@ -20001,7 +25318,7 @@
 </p:sld>
 </file>
 
-<file path=ppt/slides/slide5.xml><?xml version="1.0" encoding="utf-8"?>
+<file path=ppt/slides/slide6.xml><?xml version="1.0" encoding="utf-8"?>
 <p:sld xmlns:a="http://schemas.openxmlformats.org/drawingml/2006/main" xmlns:r="http://schemas.openxmlformats.org/officeDocument/2006/relationships" xmlns:p="http://schemas.openxmlformats.org/presentationml/2006/main">
   <p:cSld>
     <p:spTree>
@@ -21726,7 +27043,7 @@
 </p:sld>
 </file>
 
-<file path=ppt/slides/slide6.xml><?xml version="1.0" encoding="utf-8"?>
+<file path=ppt/slides/slide7.xml><?xml version="1.0" encoding="utf-8"?>
 <p:sld xmlns:a="http://schemas.openxmlformats.org/drawingml/2006/main" xmlns:r="http://schemas.openxmlformats.org/officeDocument/2006/relationships" xmlns:p="http://schemas.openxmlformats.org/presentationml/2006/main">
   <p:cSld>
     <p:spTree>
@@ -21892,7 +27209,7 @@
 </p:sld>
 </file>
 
-<file path=ppt/slides/slide7.xml><?xml version="1.0" encoding="utf-8"?>
+<file path=ppt/slides/slide8.xml><?xml version="1.0" encoding="utf-8"?>
 <p:sld xmlns:a="http://schemas.openxmlformats.org/drawingml/2006/main" xmlns:r="http://schemas.openxmlformats.org/officeDocument/2006/relationships" xmlns:p="http://schemas.openxmlformats.org/presentationml/2006/main">
   <p:cSld>
     <p:spTree>
@@ -21914,7 +27231,7 @@
           <p:cNvPr id="2" name="标题 1">
             <a:extLst>
               <a:ext uri="{FF2B5EF4-FFF2-40B4-BE49-F238E27FC236}">
-                <a16:creationId xmlns:a16="http://schemas.microsoft.com/office/drawing/2014/main" id="{CC625FE0-E7DD-FAB4-8060-071743B42C7B}"/>
+                <a16:creationId xmlns:a16="http://schemas.microsoft.com/office/drawing/2014/main" id="{9A30A9A1-A430-AC44-73B9-1E2D46D0DAA5}"/>
               </a:ext>
             </a:extLst>
           </p:cNvPr>
@@ -21925,29 +27242,29 @@
             <p:ph type="title"/>
           </p:nvPr>
         </p:nvSpPr>
-        <p:spPr>
-          <a:xfrm>
-            <a:off x="838200" y="365126"/>
-            <a:ext cx="10515600" cy="775778"/>
-          </a:xfrm>
-        </p:spPr>
+        <p:spPr/>
         <p:txBody>
-          <a:bodyPr>
-            <a:normAutofit/>
-          </a:bodyPr>
+          <a:bodyPr/>
           <a:lstStyle/>
           <a:p>
             <a:r>
               <a:rPr lang="en-US" altLang="zh-CN" sz="3600" dirty="0">
                 <a:solidFill>
-                  <a:srgbClr val="0070C0"/>
+                  <a:schemeClr val="accent5">
+                    <a:lumMod val="50000"/>
+                  </a:schemeClr>
                 </a:solidFill>
+                <a:latin typeface="+mn-lt"/>
+                <a:ea typeface="+mn-ea"/>
+                <a:cs typeface="+mn-cs"/>
               </a:rPr>
-              <a:t>YouroQNet for Quantum Sequence Classification</a:t>
+              <a:t>Content Table</a:t>
             </a:r>
             <a:endParaRPr lang="zh-CN" altLang="en-US" sz="3600" dirty="0">
               <a:solidFill>
-                <a:srgbClr val="0070C0"/>
+                <a:schemeClr val="accent5">
+                  <a:lumMod val="50000"/>
+                </a:schemeClr>
               </a:solidFill>
               <a:latin typeface="+mn-lt"/>
               <a:ea typeface="+mn-ea"/>
@@ -21958,10 +27275,10 @@
       </p:sp>
       <p:sp>
         <p:nvSpPr>
-          <p:cNvPr id="3" name="内容占位符 2">
+          <p:cNvPr id="4" name="内容占位符 3">
             <a:extLst>
               <a:ext uri="{FF2B5EF4-FFF2-40B4-BE49-F238E27FC236}">
-                <a16:creationId xmlns:a16="http://schemas.microsoft.com/office/drawing/2014/main" id="{D7F16886-49AF-9763-1387-07932D422539}"/>
+                <a16:creationId xmlns:a16="http://schemas.microsoft.com/office/drawing/2014/main" id="{68A24AEE-F16F-5A49-7B81-54F3FC1852E1}"/>
               </a:ext>
             </a:extLst>
           </p:cNvPr>
@@ -21972,12 +27289,7 @@
             <p:ph idx="1"/>
           </p:nvPr>
         </p:nvSpPr>
-        <p:spPr>
-          <a:xfrm>
-            <a:off x="838200" y="1266738"/>
-            <a:ext cx="10515600" cy="4910225"/>
-          </a:xfrm>
-        </p:spPr>
+        <p:spPr/>
         <p:txBody>
           <a:bodyPr/>
           <a:lstStyle/>
@@ -21985,1252 +27297,49 @@
             <a:r>
               <a:rPr lang="en-US" altLang="zh-CN" dirty="0">
                 <a:solidFill>
-                  <a:schemeClr val="accent5"/>
+                  <a:schemeClr val="bg1">
+                    <a:lumMod val="75000"/>
+                  </a:schemeClr>
                 </a:solidFill>
               </a:rPr>
-              <a:t>YouroQNet :=</a:t>
+              <a:t>Entropy-based Heuristic k-gram Tokenizer</a:t>
             </a:r>
-            <a:endParaRPr lang="en-US" altLang="zh-CN" sz="2800" dirty="0">
-              <a:solidFill>
-                <a:schemeClr val="accent5"/>
-              </a:solidFill>
-            </a:endParaRPr>
-          </a:p>
-          <a:p>
-            <a:pPr lvl="1"/>
+          </a:p>
+          <a:p>
             <a:r>
-              <a:rPr lang="en-US" altLang="zh-CN" dirty="0">
-                <a:solidFill>
-                  <a:schemeClr val="accent5"/>
-                </a:solidFill>
-              </a:rPr>
-              <a:t>pure variational quantum circuit</a:t>
-            </a:r>
-          </a:p>
-          <a:p>
-            <a:pPr lvl="1"/>
-            <a:r>
-              <a:rPr lang="en-US" altLang="zh-CN" dirty="0">
-                <a:solidFill>
-                  <a:schemeClr val="accent5"/>
-                </a:solidFill>
-              </a:rPr>
-              <a:t>representation learning</a:t>
-            </a:r>
-          </a:p>
-          <a:p>
-            <a:pPr lvl="1"/>
-            <a:r>
-              <a:rPr lang="en-US" altLang="zh-CN" dirty="0">
-                <a:solidFill>
-                  <a:schemeClr val="accent5"/>
-                </a:solidFill>
-              </a:rPr>
-              <a:t>contrastive learning</a:t>
-            </a:r>
-          </a:p>
-          <a:p>
-            <a:pPr lvl="1"/>
-            <a:r>
-              <a:rPr lang="en-US" altLang="zh-CN" dirty="0">
-                <a:solidFill>
-                  <a:schemeClr val="accent5"/>
-                </a:solidFill>
-              </a:rPr>
-              <a:t>modal separation for parameters</a:t>
-            </a:r>
-          </a:p>
-          <a:p>
-            <a:pPr lvl="1"/>
-            <a:r>
-              <a:rPr lang="en-US" altLang="zh-CN" dirty="0">
-                <a:solidFill>
-                  <a:schemeClr val="accent5"/>
-                </a:solidFill>
-              </a:rPr>
-              <a:t>convolutional</a:t>
-            </a:r>
-          </a:p>
-          <a:p>
-            <a:pPr lvl="1"/>
-            <a:r>
-              <a:rPr lang="en-US" altLang="zh-CN" dirty="0">
-                <a:solidFill>
-                  <a:schemeClr val="accent5"/>
-                </a:solidFill>
-              </a:rPr>
-              <a:t>recurrent</a:t>
-            </a:r>
-          </a:p>
-          <a:p>
-            <a:pPr lvl="1"/>
-            <a:r>
-              <a:rPr lang="en-US" altLang="zh-CN" dirty="0">
-                <a:solidFill>
-                  <a:schemeClr val="accent5"/>
-                </a:solidFill>
-              </a:rPr>
-              <a:t>style-transfer scheme</a:t>
-            </a:r>
-          </a:p>
-          <a:p>
-            <a:pPr lvl="1"/>
-            <a:endParaRPr lang="en-US" altLang="zh-CN" dirty="0">
-              <a:solidFill>
-                <a:schemeClr val="accent5"/>
-              </a:solidFill>
-            </a:endParaRPr>
-          </a:p>
-          <a:p>
-            <a:r>
-              <a:rPr lang="en-US" altLang="zh-CN" dirty="0">
-                <a:solidFill>
-                  <a:schemeClr val="accent5"/>
-                </a:solidFill>
-              </a:rPr>
-              <a:t>what is for</a:t>
-            </a:r>
-          </a:p>
-          <a:p>
-            <a:pPr lvl="1"/>
-            <a:r>
-              <a:rPr lang="en-US" altLang="zh-CN" dirty="0">
-                <a:solidFill>
-                  <a:schemeClr val="accent5"/>
-                </a:solidFill>
-              </a:rPr>
-              <a:t>sequence classification</a:t>
-            </a:r>
-          </a:p>
-          <a:p>
-            <a:pPr lvl="1"/>
-            <a:endParaRPr lang="en-US" altLang="zh-CN" dirty="0">
-              <a:solidFill>
-                <a:schemeClr val="accent5"/>
-              </a:solidFill>
-            </a:endParaRPr>
-          </a:p>
-        </p:txBody>
-      </p:sp>
-      <p:sp>
-        <p:nvSpPr>
-          <p:cNvPr id="7" name="文本框 6">
-            <a:extLst>
-              <a:ext uri="{FF2B5EF4-FFF2-40B4-BE49-F238E27FC236}">
-                <a16:creationId xmlns:a16="http://schemas.microsoft.com/office/drawing/2014/main" id="{E6C183D6-9725-300E-4835-2EAE5D902B35}"/>
-              </a:ext>
-            </a:extLst>
-          </p:cNvPr>
-          <p:cNvSpPr txBox="1"/>
-          <p:nvPr/>
-        </p:nvSpPr>
-        <p:spPr>
-          <a:xfrm>
-            <a:off x="7245993" y="5289831"/>
-            <a:ext cx="3109505" cy="369332"/>
-          </a:xfrm>
-          <a:prstGeom prst="rect">
-            <a:avLst/>
-          </a:prstGeom>
-          <a:noFill/>
-        </p:spPr>
-        <p:txBody>
-          <a:bodyPr wrap="square">
-            <a:spAutoFit/>
-          </a:bodyPr>
-          <a:lstStyle/>
-          <a:p>
-            <a:r>
-              <a:rPr lang="en-US" altLang="zh-CN" sz="1800" dirty="0">
+              <a:rPr lang="en-US" altLang="zh-CN" sz="2800" dirty="0">
                 <a:solidFill>
                   <a:srgbClr val="0070C0"/>
                 </a:solidFill>
               </a:rPr>
-              <a:t>YouroQNet general architecture</a:t>
+              <a:t>YouroQNet for Quantum Sequence Classification</a:t>
             </a:r>
-            <a:endParaRPr lang="zh-CN" altLang="en-US" dirty="0"/>
+          </a:p>
+          <a:p>
+            <a:r>
+              <a:rPr lang="en-US" altLang="zh-CN" dirty="0">
+                <a:solidFill>
+                  <a:schemeClr val="bg1">
+                    <a:lumMod val="75000"/>
+                  </a:schemeClr>
+                </a:solidFill>
+              </a:rPr>
+              <a:t>Computational Analysis over Simple QCircuits</a:t>
+            </a:r>
+            <a:endParaRPr lang="zh-CN" altLang="en-US" dirty="0">
+              <a:solidFill>
+                <a:schemeClr val="bg1">
+                  <a:lumMod val="75000"/>
+                </a:schemeClr>
+              </a:solidFill>
+            </a:endParaRPr>
           </a:p>
         </p:txBody>
       </p:sp>
-      <p:pic>
-        <p:nvPicPr>
-          <p:cNvPr id="5" name="图片 4">
-            <a:extLst>
-              <a:ext uri="{FF2B5EF4-FFF2-40B4-BE49-F238E27FC236}">
-                <a16:creationId xmlns:a16="http://schemas.microsoft.com/office/drawing/2014/main" id="{11B08A20-87C6-896B-1F85-9C6830169269}"/>
-              </a:ext>
-            </a:extLst>
-          </p:cNvPr>
-          <p:cNvPicPr>
-            <a:picLocks noChangeAspect="1"/>
-          </p:cNvPicPr>
-          <p:nvPr/>
-        </p:nvPicPr>
-        <p:blipFill>
-          <a:blip r:embed="rId2"/>
-          <a:stretch>
-            <a:fillRect/>
-          </a:stretch>
-        </p:blipFill>
-        <p:spPr>
-          <a:xfrm>
-            <a:off x="5876163" y="2292990"/>
-            <a:ext cx="5849166" cy="2848373"/>
-          </a:xfrm>
-          <a:prstGeom prst="rect">
-            <a:avLst/>
-          </a:prstGeom>
-          <a:ln>
-            <a:noFill/>
-          </a:ln>
-          <a:effectLst>
-            <a:outerShdw blurRad="292100" dist="139700" dir="2700000" algn="tl" rotWithShape="0">
-              <a:srgbClr val="333333">
-                <a:alpha val="65000"/>
-              </a:srgbClr>
-            </a:outerShdw>
-          </a:effectLst>
-        </p:spPr>
-      </p:pic>
     </p:spTree>
     <p:extLst>
       <p:ext uri="{BB962C8B-B14F-4D97-AF65-F5344CB8AC3E}">
-        <p14:creationId xmlns:p14="http://schemas.microsoft.com/office/powerpoint/2010/main" val="2811295184"/>
-      </p:ext>
-    </p:extLst>
-  </p:cSld>
-  <p:clrMapOvr>
-    <a:masterClrMapping/>
-  </p:clrMapOvr>
-</p:sld>
-</file>
-
-<file path=ppt/slides/slide8.xml><?xml version="1.0" encoding="utf-8"?>
-<p:sld xmlns:a="http://schemas.openxmlformats.org/drawingml/2006/main" xmlns:r="http://schemas.openxmlformats.org/officeDocument/2006/relationships" xmlns:p="http://schemas.openxmlformats.org/presentationml/2006/main">
-  <p:cSld>
-    <p:spTree>
-      <p:nvGrpSpPr>
-        <p:cNvPr id="1" name=""/>
-        <p:cNvGrpSpPr/>
-        <p:nvPr/>
-      </p:nvGrpSpPr>
-      <p:grpSpPr>
-        <a:xfrm>
-          <a:off x="0" y="0"/>
-          <a:ext cx="0" cy="0"/>
-          <a:chOff x="0" y="0"/>
-          <a:chExt cx="0" cy="0"/>
-        </a:xfrm>
-      </p:grpSpPr>
-      <p:pic>
-        <p:nvPicPr>
-          <p:cNvPr id="6" name="图片 5">
-            <a:extLst>
-              <a:ext uri="{FF2B5EF4-FFF2-40B4-BE49-F238E27FC236}">
-                <a16:creationId xmlns:a16="http://schemas.microsoft.com/office/drawing/2014/main" id="{14D37060-FB8B-3D8A-BF4D-4988B7E8D560}"/>
-              </a:ext>
-            </a:extLst>
-          </p:cNvPr>
-          <p:cNvPicPr>
-            <a:picLocks noChangeAspect="1"/>
-          </p:cNvPicPr>
-          <p:nvPr/>
-        </p:nvPicPr>
-        <p:blipFill>
-          <a:blip r:embed="rId3"/>
-          <a:stretch>
-            <a:fillRect/>
-          </a:stretch>
-        </p:blipFill>
-        <p:spPr>
-          <a:xfrm>
-            <a:off x="195239" y="2594483"/>
-            <a:ext cx="11323809" cy="2504762"/>
-          </a:xfrm>
-          <a:prstGeom prst="rect">
-            <a:avLst/>
-          </a:prstGeom>
-        </p:spPr>
-      </p:pic>
-      <p:sp>
-        <p:nvSpPr>
-          <p:cNvPr id="2" name="标题 1">
-            <a:extLst>
-              <a:ext uri="{FF2B5EF4-FFF2-40B4-BE49-F238E27FC236}">
-                <a16:creationId xmlns:a16="http://schemas.microsoft.com/office/drawing/2014/main" id="{CC625FE0-E7DD-FAB4-8060-071743B42C7B}"/>
-              </a:ext>
-            </a:extLst>
-          </p:cNvPr>
-          <p:cNvSpPr>
-            <a:spLocks noGrp="1"/>
-          </p:cNvSpPr>
-          <p:nvPr>
-            <p:ph type="title"/>
-          </p:nvPr>
-        </p:nvSpPr>
-        <p:spPr>
-          <a:xfrm>
-            <a:off x="838200" y="365126"/>
-            <a:ext cx="10515600" cy="775778"/>
-          </a:xfrm>
-        </p:spPr>
-        <p:txBody>
-          <a:bodyPr>
-            <a:normAutofit/>
-          </a:bodyPr>
-          <a:lstStyle/>
-          <a:p>
-            <a:r>
-              <a:rPr lang="en-US" altLang="zh-CN" sz="3600" dirty="0">
-                <a:solidFill>
-                  <a:srgbClr val="0070C0"/>
-                </a:solidFill>
-              </a:rPr>
-              <a:t>YouroQNet: minimal concrete example</a:t>
-            </a:r>
-            <a:endParaRPr lang="zh-CN" altLang="en-US" sz="3600" dirty="0">
-              <a:solidFill>
-                <a:srgbClr val="0070C0"/>
-              </a:solidFill>
-              <a:latin typeface="+mn-lt"/>
-              <a:ea typeface="+mn-ea"/>
-              <a:cs typeface="+mn-cs"/>
-            </a:endParaRPr>
-          </a:p>
-        </p:txBody>
-      </p:sp>
-      <p:sp>
-        <p:nvSpPr>
-          <p:cNvPr id="3" name="内容占位符 2">
-            <a:extLst>
-              <a:ext uri="{FF2B5EF4-FFF2-40B4-BE49-F238E27FC236}">
-                <a16:creationId xmlns:a16="http://schemas.microsoft.com/office/drawing/2014/main" id="{D7F16886-49AF-9763-1387-07932D422539}"/>
-              </a:ext>
-            </a:extLst>
-          </p:cNvPr>
-          <p:cNvSpPr>
-            <a:spLocks noGrp="1"/>
-          </p:cNvSpPr>
-          <p:nvPr>
-            <p:ph idx="1"/>
-          </p:nvPr>
-        </p:nvSpPr>
-        <p:spPr>
-          <a:xfrm>
-            <a:off x="838200" y="1266738"/>
-            <a:ext cx="10515600" cy="4910225"/>
-          </a:xfrm>
-        </p:spPr>
-        <p:txBody>
-          <a:bodyPr/>
-          <a:lstStyle/>
-          <a:p>
-            <a:r>
-              <a:rPr lang="en-US" altLang="zh-CN" dirty="0">
-                <a:solidFill>
-                  <a:schemeClr val="accent5"/>
-                </a:solidFill>
-              </a:rPr>
-              <a:t>pure variational quantum circuit</a:t>
-            </a:r>
-          </a:p>
-        </p:txBody>
-      </p:sp>
-      <p:sp>
-        <p:nvSpPr>
-          <p:cNvPr id="4" name="文本框 3">
-            <a:extLst>
-              <a:ext uri="{FF2B5EF4-FFF2-40B4-BE49-F238E27FC236}">
-                <a16:creationId xmlns:a16="http://schemas.microsoft.com/office/drawing/2014/main" id="{F572F793-B93D-FF01-0B46-641A4C041E80}"/>
-              </a:ext>
-            </a:extLst>
-          </p:cNvPr>
-          <p:cNvSpPr txBox="1"/>
-          <p:nvPr/>
-        </p:nvSpPr>
-        <p:spPr>
-          <a:xfrm>
-            <a:off x="0" y="6030818"/>
-            <a:ext cx="1971041" cy="615553"/>
-          </a:xfrm>
-          <a:prstGeom prst="rect">
-            <a:avLst/>
-          </a:prstGeom>
-          <a:noFill/>
-        </p:spPr>
-        <p:txBody>
-          <a:bodyPr wrap="square">
-            <a:spAutoFit/>
-          </a:bodyPr>
-          <a:lstStyle/>
-          <a:p>
-            <a:pPr algn="ctr"/>
-            <a:r>
-              <a:rPr lang="en-US" altLang="zh-CN" sz="1800" dirty="0">
-                <a:solidFill>
-                  <a:srgbClr val="0070C0"/>
-                </a:solidFill>
-              </a:rPr>
-              <a:t>YouroQNet</a:t>
-            </a:r>
-          </a:p>
-          <a:p>
-            <a:pPr algn="ctr"/>
-            <a:r>
-              <a:rPr lang="en-US" altLang="zh-CN" sz="1600" dirty="0">
-                <a:solidFill>
-                  <a:srgbClr val="0070C0"/>
-                </a:solidFill>
-              </a:rPr>
-              <a:t>(5qubit-1repeat)</a:t>
-            </a:r>
-            <a:endParaRPr lang="zh-CN" altLang="en-US" sz="1600" dirty="0"/>
-          </a:p>
-        </p:txBody>
-      </p:sp>
-      <p:sp>
-        <p:nvSpPr>
-          <p:cNvPr id="12" name="文本框 11">
-            <a:extLst>
-              <a:ext uri="{FF2B5EF4-FFF2-40B4-BE49-F238E27FC236}">
-                <a16:creationId xmlns:a16="http://schemas.microsoft.com/office/drawing/2014/main" id="{C70BF7B8-2914-EC48-504F-EA337704BA72}"/>
-              </a:ext>
-            </a:extLst>
-          </p:cNvPr>
-          <p:cNvSpPr txBox="1"/>
-          <p:nvPr/>
-        </p:nvSpPr>
-        <p:spPr>
-          <a:xfrm>
-            <a:off x="2949893" y="6150057"/>
-            <a:ext cx="6148071" cy="523220"/>
-          </a:xfrm>
-          <a:prstGeom prst="rect">
-            <a:avLst/>
-          </a:prstGeom>
-          <a:noFill/>
-          <a:ln>
-            <a:solidFill>
-              <a:schemeClr val="accent1"/>
-            </a:solidFill>
-          </a:ln>
-        </p:spPr>
-        <p:txBody>
-          <a:bodyPr wrap="square">
-            <a:spAutoFit/>
-          </a:bodyPr>
-          <a:lstStyle/>
-          <a:p>
-            <a:r>
-              <a:rPr lang="en-US" altLang="zh-CN" sz="1400" dirty="0">
-                <a:solidFill>
-                  <a:schemeClr val="accent5"/>
-                </a:solidFill>
-              </a:rPr>
-              <a:t>SEC:</a:t>
-            </a:r>
-            <a:r>
-              <a:rPr lang="zh-CN" altLang="en-US" sz="1400" dirty="0">
-                <a:solidFill>
-                  <a:schemeClr val="accent5"/>
-                </a:solidFill>
-              </a:rPr>
-              <a:t> </a:t>
-            </a:r>
-            <a:r>
-              <a:rPr lang="en-US" altLang="zh-CN" sz="1400" dirty="0">
-                <a:solidFill>
-                  <a:schemeClr val="accent5"/>
-                </a:solidFill>
-              </a:rPr>
-              <a:t>Strong Entangle Circuit, here we set rots=[RY], entgl=CNOT</a:t>
-            </a:r>
-          </a:p>
-          <a:p>
-            <a:r>
-              <a:rPr lang="en-US" altLang="zh-CN" sz="1400" dirty="0">
-                <a:solidFill>
-                  <a:schemeClr val="accent5"/>
-                </a:solidFill>
-              </a:rPr>
-              <a:t>CMC: CRot Multi Circuit, here we set rots=[RY]</a:t>
-            </a:r>
-            <a:endParaRPr lang="zh-CN" altLang="en-US" sz="1400" dirty="0"/>
-          </a:p>
-        </p:txBody>
-      </p:sp>
-      <p:sp>
-        <p:nvSpPr>
-          <p:cNvPr id="14" name="文本框 13">
-            <a:extLst>
-              <a:ext uri="{FF2B5EF4-FFF2-40B4-BE49-F238E27FC236}">
-                <a16:creationId xmlns:a16="http://schemas.microsoft.com/office/drawing/2014/main" id="{B80C0FF5-0DC5-28AB-69FB-EC58FBF73F54}"/>
-              </a:ext>
-            </a:extLst>
-          </p:cNvPr>
-          <p:cNvSpPr txBox="1"/>
-          <p:nvPr/>
-        </p:nvSpPr>
-        <p:spPr>
-          <a:xfrm>
-            <a:off x="942686" y="5211442"/>
-            <a:ext cx="615373" cy="369332"/>
-          </a:xfrm>
-          <a:prstGeom prst="rect">
-            <a:avLst/>
-          </a:prstGeom>
-          <a:noFill/>
-        </p:spPr>
-        <p:txBody>
-          <a:bodyPr wrap="square">
-            <a:spAutoFit/>
-          </a:bodyPr>
-          <a:lstStyle/>
-          <a:p>
-            <a:r>
-              <a:rPr lang="en-US" altLang="zh-CN" dirty="0">
-                <a:solidFill>
-                  <a:schemeClr val="accent5"/>
-                </a:solidFill>
-              </a:rPr>
-              <a:t>SEC</a:t>
-            </a:r>
-            <a:endParaRPr lang="zh-CN" altLang="en-US" dirty="0"/>
-          </a:p>
-        </p:txBody>
-      </p:sp>
-      <p:sp>
-        <p:nvSpPr>
-          <p:cNvPr id="15" name="文本框 14">
-            <a:extLst>
-              <a:ext uri="{FF2B5EF4-FFF2-40B4-BE49-F238E27FC236}">
-                <a16:creationId xmlns:a16="http://schemas.microsoft.com/office/drawing/2014/main" id="{A71FF332-E73E-5781-3687-45C139D9A6AB}"/>
-              </a:ext>
-            </a:extLst>
-          </p:cNvPr>
-          <p:cNvSpPr txBox="1"/>
-          <p:nvPr/>
-        </p:nvSpPr>
-        <p:spPr>
-          <a:xfrm>
-            <a:off x="6904123" y="5221954"/>
-            <a:ext cx="615373" cy="369332"/>
-          </a:xfrm>
-          <a:prstGeom prst="rect">
-            <a:avLst/>
-          </a:prstGeom>
-          <a:noFill/>
-        </p:spPr>
-        <p:txBody>
-          <a:bodyPr wrap="square">
-            <a:spAutoFit/>
-          </a:bodyPr>
-          <a:lstStyle/>
-          <a:p>
-            <a:r>
-              <a:rPr lang="en-US" altLang="zh-CN" dirty="0">
-                <a:solidFill>
-                  <a:schemeClr val="accent5"/>
-                </a:solidFill>
-              </a:rPr>
-              <a:t>SEC</a:t>
-            </a:r>
-            <a:endParaRPr lang="zh-CN" altLang="en-US" dirty="0"/>
-          </a:p>
-        </p:txBody>
-      </p:sp>
-      <p:sp>
-        <p:nvSpPr>
-          <p:cNvPr id="16" name="文本框 15">
-            <a:extLst>
-              <a:ext uri="{FF2B5EF4-FFF2-40B4-BE49-F238E27FC236}">
-                <a16:creationId xmlns:a16="http://schemas.microsoft.com/office/drawing/2014/main" id="{9B43C069-ED3B-A743-06B9-4DA6263FFA1D}"/>
-              </a:ext>
-            </a:extLst>
-          </p:cNvPr>
-          <p:cNvSpPr txBox="1"/>
-          <p:nvPr/>
-        </p:nvSpPr>
-        <p:spPr>
-          <a:xfrm>
-            <a:off x="2454447" y="5211442"/>
-            <a:ext cx="615373" cy="369332"/>
-          </a:xfrm>
-          <a:prstGeom prst="rect">
-            <a:avLst/>
-          </a:prstGeom>
-          <a:noFill/>
-        </p:spPr>
-        <p:txBody>
-          <a:bodyPr wrap="square">
-            <a:spAutoFit/>
-          </a:bodyPr>
-          <a:lstStyle/>
-          <a:p>
-            <a:r>
-              <a:rPr lang="en-US" altLang="zh-CN" dirty="0">
-                <a:solidFill>
-                  <a:schemeClr val="accent5"/>
-                </a:solidFill>
-              </a:rPr>
-              <a:t>SEC</a:t>
-            </a:r>
-            <a:endParaRPr lang="zh-CN" altLang="en-US" dirty="0"/>
-          </a:p>
-        </p:txBody>
-      </p:sp>
-      <p:sp>
-        <p:nvSpPr>
-          <p:cNvPr id="17" name="文本框 16">
-            <a:extLst>
-              <a:ext uri="{FF2B5EF4-FFF2-40B4-BE49-F238E27FC236}">
-                <a16:creationId xmlns:a16="http://schemas.microsoft.com/office/drawing/2014/main" id="{3CFD7C89-274C-7217-D52D-8AAB149BA8E3}"/>
-              </a:ext>
-            </a:extLst>
-          </p:cNvPr>
-          <p:cNvSpPr txBox="1"/>
-          <p:nvPr/>
-        </p:nvSpPr>
-        <p:spPr>
-          <a:xfrm>
-            <a:off x="8970584" y="5221954"/>
-            <a:ext cx="699889" cy="369332"/>
-          </a:xfrm>
-          <a:prstGeom prst="rect">
-            <a:avLst/>
-          </a:prstGeom>
-          <a:noFill/>
-        </p:spPr>
-        <p:txBody>
-          <a:bodyPr wrap="square">
-            <a:spAutoFit/>
-          </a:bodyPr>
-          <a:lstStyle/>
-          <a:p>
-            <a:r>
-              <a:rPr lang="en-US" altLang="zh-CN" dirty="0">
-                <a:solidFill>
-                  <a:schemeClr val="accent5"/>
-                </a:solidFill>
-              </a:rPr>
-              <a:t>CMC</a:t>
-            </a:r>
-            <a:endParaRPr lang="zh-CN" altLang="en-US" dirty="0"/>
-          </a:p>
-        </p:txBody>
-      </p:sp>
-      <p:sp>
-        <p:nvSpPr>
-          <p:cNvPr id="18" name="文本框 17">
-            <a:extLst>
-              <a:ext uri="{FF2B5EF4-FFF2-40B4-BE49-F238E27FC236}">
-                <a16:creationId xmlns:a16="http://schemas.microsoft.com/office/drawing/2014/main" id="{6467E30F-5F25-212A-74D5-055B485F5D7A}"/>
-              </a:ext>
-            </a:extLst>
-          </p:cNvPr>
-          <p:cNvSpPr txBox="1"/>
-          <p:nvPr/>
-        </p:nvSpPr>
-        <p:spPr>
-          <a:xfrm>
-            <a:off x="4760534" y="5217771"/>
-            <a:ext cx="699889" cy="369332"/>
-          </a:xfrm>
-          <a:prstGeom prst="rect">
-            <a:avLst/>
-          </a:prstGeom>
-          <a:noFill/>
-        </p:spPr>
-        <p:txBody>
-          <a:bodyPr wrap="square">
-            <a:spAutoFit/>
-          </a:bodyPr>
-          <a:lstStyle/>
-          <a:p>
-            <a:r>
-              <a:rPr lang="en-US" altLang="zh-CN" dirty="0">
-                <a:solidFill>
-                  <a:schemeClr val="accent5"/>
-                </a:solidFill>
-              </a:rPr>
-              <a:t>CMC</a:t>
-            </a:r>
-            <a:endParaRPr lang="zh-CN" altLang="en-US" dirty="0"/>
-          </a:p>
-        </p:txBody>
-      </p:sp>
-      <p:cxnSp>
-        <p:nvCxnSpPr>
-          <p:cNvPr id="20" name="直接连接符 19">
-            <a:extLst>
-              <a:ext uri="{FF2B5EF4-FFF2-40B4-BE49-F238E27FC236}">
-                <a16:creationId xmlns:a16="http://schemas.microsoft.com/office/drawing/2014/main" id="{4614CF9F-EEAB-A741-DCA5-B39F670DDC72}"/>
-              </a:ext>
-            </a:extLst>
-          </p:cNvPr>
-          <p:cNvCxnSpPr/>
-          <p:nvPr/>
-        </p:nvCxnSpPr>
-        <p:spPr>
-          <a:xfrm>
-            <a:off x="1948873" y="1773382"/>
-            <a:ext cx="0" cy="4403580"/>
-          </a:xfrm>
-          <a:prstGeom prst="line">
-            <a:avLst/>
-          </a:prstGeom>
-        </p:spPr>
-        <p:style>
-          <a:lnRef idx="1">
-            <a:schemeClr val="accent1"/>
-          </a:lnRef>
-          <a:fillRef idx="0">
-            <a:schemeClr val="accent1"/>
-          </a:fillRef>
-          <a:effectRef idx="0">
-            <a:schemeClr val="accent1"/>
-          </a:effectRef>
-          <a:fontRef idx="minor">
-            <a:schemeClr val="tx1"/>
-          </a:fontRef>
-        </p:style>
-      </p:cxnSp>
-      <p:cxnSp>
-        <p:nvCxnSpPr>
-          <p:cNvPr id="21" name="直接连接符 20">
-            <a:extLst>
-              <a:ext uri="{FF2B5EF4-FFF2-40B4-BE49-F238E27FC236}">
-                <a16:creationId xmlns:a16="http://schemas.microsoft.com/office/drawing/2014/main" id="{3C4E1690-B093-90A4-F9D6-1EEF009BA03F}"/>
-              </a:ext>
-            </a:extLst>
-          </p:cNvPr>
-          <p:cNvCxnSpPr/>
-          <p:nvPr/>
-        </p:nvCxnSpPr>
-        <p:spPr>
-          <a:xfrm>
-            <a:off x="10738138" y="1773382"/>
-            <a:ext cx="0" cy="4403580"/>
-          </a:xfrm>
-          <a:prstGeom prst="line">
-            <a:avLst/>
-          </a:prstGeom>
-        </p:spPr>
-        <p:style>
-          <a:lnRef idx="1">
-            <a:schemeClr val="accent1"/>
-          </a:lnRef>
-          <a:fillRef idx="0">
-            <a:schemeClr val="accent1"/>
-          </a:fillRef>
-          <a:effectRef idx="0">
-            <a:schemeClr val="accent1"/>
-          </a:effectRef>
-          <a:fontRef idx="minor">
-            <a:schemeClr val="tx1"/>
-          </a:fontRef>
-        </p:style>
-      </p:cxnSp>
-      <p:sp>
-        <p:nvSpPr>
-          <p:cNvPr id="23" name="文本框 22">
-            <a:extLst>
-              <a:ext uri="{FF2B5EF4-FFF2-40B4-BE49-F238E27FC236}">
-                <a16:creationId xmlns:a16="http://schemas.microsoft.com/office/drawing/2014/main" id="{0B799F0B-B537-44BA-9B2B-EE78B8061943}"/>
-              </a:ext>
-            </a:extLst>
-          </p:cNvPr>
-          <p:cNvSpPr txBox="1"/>
-          <p:nvPr/>
-        </p:nvSpPr>
-        <p:spPr>
-          <a:xfrm>
-            <a:off x="10105392" y="6238376"/>
-            <a:ext cx="1500964" cy="307777"/>
-          </a:xfrm>
-          <a:prstGeom prst="rect">
-            <a:avLst/>
-          </a:prstGeom>
-          <a:noFill/>
-        </p:spPr>
-        <p:txBody>
-          <a:bodyPr wrap="square">
-            <a:spAutoFit/>
-          </a:bodyPr>
-          <a:lstStyle/>
-          <a:p>
-            <a:r>
-              <a:rPr lang="en-US" altLang="zh-CN" sz="1400" dirty="0">
-                <a:solidFill>
-                  <a:schemeClr val="accent5">
-                    <a:lumMod val="60000"/>
-                    <a:lumOff val="40000"/>
-                  </a:schemeClr>
-                </a:solidFill>
-              </a:rPr>
-              <a:t>repeatable section</a:t>
-            </a:r>
-            <a:endParaRPr lang="zh-CN" altLang="en-US" sz="1400" dirty="0">
-              <a:solidFill>
-                <a:schemeClr val="accent5">
-                  <a:lumMod val="60000"/>
-                  <a:lumOff val="40000"/>
-                </a:schemeClr>
-              </a:solidFill>
-            </a:endParaRPr>
-          </a:p>
-        </p:txBody>
-      </p:sp>
-      <p:sp>
-        <p:nvSpPr>
-          <p:cNvPr id="24" name="文本框 23">
-            <a:extLst>
-              <a:ext uri="{FF2B5EF4-FFF2-40B4-BE49-F238E27FC236}">
-                <a16:creationId xmlns:a16="http://schemas.microsoft.com/office/drawing/2014/main" id="{48A1FA04-F218-D64F-7F85-7DE5DE1FE4B0}"/>
-              </a:ext>
-            </a:extLst>
-          </p:cNvPr>
-          <p:cNvSpPr txBox="1"/>
-          <p:nvPr/>
-        </p:nvSpPr>
-        <p:spPr>
-          <a:xfrm>
-            <a:off x="803032" y="2152395"/>
-            <a:ext cx="1004157" cy="307777"/>
-          </a:xfrm>
-          <a:prstGeom prst="rect">
-            <a:avLst/>
-          </a:prstGeom>
-          <a:noFill/>
-        </p:spPr>
-        <p:txBody>
-          <a:bodyPr wrap="square">
-            <a:spAutoFit/>
-          </a:bodyPr>
-          <a:lstStyle/>
-          <a:p>
-            <a:r>
-              <a:rPr lang="en-US" altLang="zh-CN" sz="1400" dirty="0">
-                <a:solidFill>
-                  <a:schemeClr val="accent5">
-                    <a:lumMod val="60000"/>
-                    <a:lumOff val="40000"/>
-                  </a:schemeClr>
-                </a:solidFill>
-              </a:rPr>
-              <a:t>context init</a:t>
-            </a:r>
-            <a:endParaRPr lang="zh-CN" altLang="en-US" sz="1400" dirty="0">
-              <a:solidFill>
-                <a:schemeClr val="accent5">
-                  <a:lumMod val="60000"/>
-                  <a:lumOff val="40000"/>
-                </a:schemeClr>
-              </a:solidFill>
-            </a:endParaRPr>
-          </a:p>
-        </p:txBody>
-      </p:sp>
-      <p:sp>
-        <p:nvSpPr>
-          <p:cNvPr id="25" name="文本框 24">
-            <a:extLst>
-              <a:ext uri="{FF2B5EF4-FFF2-40B4-BE49-F238E27FC236}">
-                <a16:creationId xmlns:a16="http://schemas.microsoft.com/office/drawing/2014/main" id="{0BBC4084-C2AE-37F7-F545-756617FE7FDD}"/>
-              </a:ext>
-            </a:extLst>
-          </p:cNvPr>
-          <p:cNvSpPr txBox="1"/>
-          <p:nvPr/>
-        </p:nvSpPr>
-        <p:spPr>
-          <a:xfrm>
-            <a:off x="2339688" y="2155067"/>
-            <a:ext cx="1069189" cy="307777"/>
-          </a:xfrm>
-          <a:prstGeom prst="rect">
-            <a:avLst/>
-          </a:prstGeom>
-          <a:noFill/>
-        </p:spPr>
-        <p:txBody>
-          <a:bodyPr wrap="square">
-            <a:spAutoFit/>
-          </a:bodyPr>
-          <a:lstStyle/>
-          <a:p>
-            <a:r>
-              <a:rPr lang="en-US" altLang="zh-CN" sz="1400" dirty="0">
-                <a:solidFill>
-                  <a:schemeClr val="accent5">
-                    <a:lumMod val="60000"/>
-                    <a:lumOff val="40000"/>
-                  </a:schemeClr>
-                </a:solidFill>
-              </a:rPr>
-              <a:t>data upload</a:t>
-            </a:r>
-            <a:endParaRPr lang="zh-CN" altLang="en-US" sz="1400" dirty="0">
-              <a:solidFill>
-                <a:schemeClr val="accent5">
-                  <a:lumMod val="60000"/>
-                  <a:lumOff val="40000"/>
-                </a:schemeClr>
-              </a:solidFill>
-            </a:endParaRPr>
-          </a:p>
-        </p:txBody>
-      </p:sp>
-      <p:sp>
-        <p:nvSpPr>
-          <p:cNvPr id="26" name="文本框 25">
-            <a:extLst>
-              <a:ext uri="{FF2B5EF4-FFF2-40B4-BE49-F238E27FC236}">
-                <a16:creationId xmlns:a16="http://schemas.microsoft.com/office/drawing/2014/main" id="{F4BA562F-F50B-1B22-5064-00F4BF9A76DE}"/>
-              </a:ext>
-            </a:extLst>
-          </p:cNvPr>
-          <p:cNvSpPr txBox="1"/>
-          <p:nvPr/>
-        </p:nvSpPr>
-        <p:spPr>
-          <a:xfrm>
-            <a:off x="4529823" y="2157745"/>
-            <a:ext cx="1308271" cy="307777"/>
-          </a:xfrm>
-          <a:prstGeom prst="rect">
-            <a:avLst/>
-          </a:prstGeom>
-          <a:noFill/>
-        </p:spPr>
-        <p:txBody>
-          <a:bodyPr wrap="square">
-            <a:spAutoFit/>
-          </a:bodyPr>
-          <a:lstStyle/>
-          <a:p>
-            <a:r>
-              <a:rPr lang="en-US" altLang="zh-CN" sz="1400" dirty="0">
-                <a:solidFill>
-                  <a:schemeClr val="accent5">
-                    <a:lumMod val="60000"/>
-                    <a:lumOff val="40000"/>
-                  </a:schemeClr>
-                </a:solidFill>
-              </a:rPr>
-              <a:t>context write</a:t>
-            </a:r>
-            <a:endParaRPr lang="zh-CN" altLang="en-US" sz="1400" dirty="0">
-              <a:solidFill>
-                <a:schemeClr val="accent5">
-                  <a:lumMod val="60000"/>
-                  <a:lumOff val="40000"/>
-                </a:schemeClr>
-              </a:solidFill>
-            </a:endParaRPr>
-          </a:p>
-        </p:txBody>
-      </p:sp>
-      <p:sp>
-        <p:nvSpPr>
-          <p:cNvPr id="27" name="文本框 26">
-            <a:extLst>
-              <a:ext uri="{FF2B5EF4-FFF2-40B4-BE49-F238E27FC236}">
-                <a16:creationId xmlns:a16="http://schemas.microsoft.com/office/drawing/2014/main" id="{9DAD49DA-4DAD-DB25-4120-307B855CC537}"/>
-              </a:ext>
-            </a:extLst>
-          </p:cNvPr>
-          <p:cNvSpPr txBox="1"/>
-          <p:nvPr/>
-        </p:nvSpPr>
-        <p:spPr>
-          <a:xfrm>
-            <a:off x="6516124" y="2162477"/>
-            <a:ext cx="1503674" cy="307777"/>
-          </a:xfrm>
-          <a:prstGeom prst="rect">
-            <a:avLst/>
-          </a:prstGeom>
-          <a:noFill/>
-        </p:spPr>
-        <p:txBody>
-          <a:bodyPr wrap="square">
-            <a:spAutoFit/>
-          </a:bodyPr>
-          <a:lstStyle/>
-          <a:p>
-            <a:r>
-              <a:rPr lang="en-US" altLang="zh-CN" sz="1400" dirty="0">
-                <a:solidFill>
-                  <a:schemeClr val="accent5">
-                    <a:lumMod val="60000"/>
-                    <a:lumOff val="40000"/>
-                  </a:schemeClr>
-                </a:solidFill>
-              </a:rPr>
-              <a:t>context transform</a:t>
-            </a:r>
-            <a:endParaRPr lang="zh-CN" altLang="en-US" sz="1400" dirty="0">
-              <a:solidFill>
-                <a:schemeClr val="accent5">
-                  <a:lumMod val="60000"/>
-                  <a:lumOff val="40000"/>
-                </a:schemeClr>
-              </a:solidFill>
-            </a:endParaRPr>
-          </a:p>
-        </p:txBody>
-      </p:sp>
-      <p:sp>
-        <p:nvSpPr>
-          <p:cNvPr id="28" name="文本框 27">
-            <a:extLst>
-              <a:ext uri="{FF2B5EF4-FFF2-40B4-BE49-F238E27FC236}">
-                <a16:creationId xmlns:a16="http://schemas.microsoft.com/office/drawing/2014/main" id="{2D99AF55-CFA2-7357-4CA4-6DAABC83334D}"/>
-              </a:ext>
-            </a:extLst>
-          </p:cNvPr>
-          <p:cNvSpPr txBox="1"/>
-          <p:nvPr/>
-        </p:nvSpPr>
-        <p:spPr>
-          <a:xfrm>
-            <a:off x="8903859" y="2152396"/>
-            <a:ext cx="1084918" cy="307777"/>
-          </a:xfrm>
-          <a:prstGeom prst="rect">
-            <a:avLst/>
-          </a:prstGeom>
-          <a:noFill/>
-        </p:spPr>
-        <p:txBody>
-          <a:bodyPr wrap="square">
-            <a:spAutoFit/>
-          </a:bodyPr>
-          <a:lstStyle/>
-          <a:p>
-            <a:r>
-              <a:rPr lang="en-US" altLang="zh-CN" sz="1400" dirty="0">
-                <a:solidFill>
-                  <a:schemeClr val="accent5">
-                    <a:lumMod val="60000"/>
-                    <a:lumOff val="40000"/>
-                  </a:schemeClr>
-                </a:solidFill>
-              </a:rPr>
-              <a:t>context read</a:t>
-            </a:r>
-            <a:endParaRPr lang="zh-CN" altLang="en-US" sz="1400" dirty="0">
-              <a:solidFill>
-                <a:schemeClr val="accent5">
-                  <a:lumMod val="60000"/>
-                  <a:lumOff val="40000"/>
-                </a:schemeClr>
-              </a:solidFill>
-            </a:endParaRPr>
-          </a:p>
-        </p:txBody>
-      </p:sp>
-      <p:sp>
-        <p:nvSpPr>
-          <p:cNvPr id="30" name="文本框 29">
-            <a:extLst>
-              <a:ext uri="{FF2B5EF4-FFF2-40B4-BE49-F238E27FC236}">
-                <a16:creationId xmlns:a16="http://schemas.microsoft.com/office/drawing/2014/main" id="{48DAA51F-0C61-449A-220C-59248FA550BF}"/>
-              </a:ext>
-            </a:extLst>
-          </p:cNvPr>
-          <p:cNvSpPr txBox="1"/>
-          <p:nvPr/>
-        </p:nvSpPr>
-        <p:spPr>
-          <a:xfrm>
-            <a:off x="10774801" y="2152395"/>
-            <a:ext cx="802980" cy="307777"/>
-          </a:xfrm>
-          <a:prstGeom prst="rect">
-            <a:avLst/>
-          </a:prstGeom>
-          <a:noFill/>
-        </p:spPr>
-        <p:txBody>
-          <a:bodyPr wrap="square">
-            <a:spAutoFit/>
-          </a:bodyPr>
-          <a:lstStyle/>
-          <a:p>
-            <a:r>
-              <a:rPr lang="en-US" altLang="zh-CN" sz="1400" dirty="0">
-                <a:solidFill>
-                  <a:schemeClr val="accent5">
-                    <a:lumMod val="60000"/>
-                    <a:lumOff val="40000"/>
-                  </a:schemeClr>
-                </a:solidFill>
-              </a:rPr>
-              <a:t>measure</a:t>
-            </a:r>
-            <a:endParaRPr lang="zh-CN" altLang="en-US" sz="1400" dirty="0">
-              <a:solidFill>
-                <a:schemeClr val="accent5">
-                  <a:lumMod val="60000"/>
-                  <a:lumOff val="40000"/>
-                </a:schemeClr>
-              </a:solidFill>
-            </a:endParaRPr>
-          </a:p>
-        </p:txBody>
-      </p:sp>
-      <p:sp>
-        <p:nvSpPr>
-          <p:cNvPr id="31" name="矩形: 剪去单角 30">
-            <a:extLst>
-              <a:ext uri="{FF2B5EF4-FFF2-40B4-BE49-F238E27FC236}">
-                <a16:creationId xmlns:a16="http://schemas.microsoft.com/office/drawing/2014/main" id="{44D9C0AA-B341-63B7-5A8D-3B6F4DCADC54}"/>
-              </a:ext>
-            </a:extLst>
-          </p:cNvPr>
-          <p:cNvSpPr/>
-          <p:nvPr/>
-        </p:nvSpPr>
-        <p:spPr>
-          <a:xfrm>
-            <a:off x="2066351" y="3592945"/>
-            <a:ext cx="530798" cy="1618497"/>
-          </a:xfrm>
-          <a:prstGeom prst="snip1Rect">
-            <a:avLst/>
-          </a:prstGeom>
-          <a:noFill/>
-          <a:ln w="9525" cap="flat" cmpd="sng" algn="ctr">
-            <a:solidFill>
-              <a:schemeClr val="accent6"/>
-            </a:solidFill>
-            <a:prstDash val="solid"/>
-            <a:round/>
-            <a:headEnd type="none" w="med" len="med"/>
-            <a:tailEnd type="none" w="med" len="med"/>
-          </a:ln>
-        </p:spPr>
-        <p:style>
-          <a:lnRef idx="0">
-            <a:scrgbClr r="0" g="0" b="0"/>
-          </a:lnRef>
-          <a:fillRef idx="0">
-            <a:scrgbClr r="0" g="0" b="0"/>
-          </a:fillRef>
-          <a:effectRef idx="0">
-            <a:scrgbClr r="0" g="0" b="0"/>
-          </a:effectRef>
-          <a:fontRef idx="minor">
-            <a:schemeClr val="accent6"/>
-          </a:fontRef>
-        </p:style>
-        <p:txBody>
-          <a:bodyPr rtlCol="0" anchor="ctr"/>
-          <a:lstStyle/>
-          <a:p>
-            <a:pPr algn="ctr"/>
-            <a:endParaRPr lang="zh-CN" altLang="en-US"/>
-          </a:p>
-        </p:txBody>
-      </p:sp>
-      <p:sp>
-        <p:nvSpPr>
-          <p:cNvPr id="33" name="文本框 32">
-            <a:extLst>
-              <a:ext uri="{FF2B5EF4-FFF2-40B4-BE49-F238E27FC236}">
-                <a16:creationId xmlns:a16="http://schemas.microsoft.com/office/drawing/2014/main" id="{D305A83F-C2DB-2955-498B-0FC7E15D916E}"/>
-              </a:ext>
-            </a:extLst>
-          </p:cNvPr>
-          <p:cNvSpPr txBox="1"/>
-          <p:nvPr/>
-        </p:nvSpPr>
-        <p:spPr>
-          <a:xfrm>
-            <a:off x="1939263" y="5560735"/>
-            <a:ext cx="1114461" cy="307777"/>
-          </a:xfrm>
-          <a:prstGeom prst="rect">
-            <a:avLst/>
-          </a:prstGeom>
-          <a:noFill/>
-        </p:spPr>
-        <p:txBody>
-          <a:bodyPr wrap="square">
-            <a:spAutoFit/>
-          </a:bodyPr>
-          <a:lstStyle/>
-          <a:p>
-            <a:r>
-              <a:rPr lang="en-US" altLang="zh-CN" sz="1400" dirty="0">
-                <a:solidFill>
-                  <a:schemeClr val="accent6">
-                    <a:lumMod val="60000"/>
-                    <a:lumOff val="40000"/>
-                  </a:schemeClr>
-                </a:solidFill>
-              </a:rPr>
-              <a:t>word embed</a:t>
-            </a:r>
-            <a:endParaRPr lang="zh-CN" altLang="en-US" sz="1400" dirty="0">
-              <a:solidFill>
-                <a:schemeClr val="accent6">
-                  <a:lumMod val="60000"/>
-                  <a:lumOff val="40000"/>
-                </a:schemeClr>
-              </a:solidFill>
-            </a:endParaRPr>
-          </a:p>
-        </p:txBody>
-      </p:sp>
-      <p:cxnSp>
-        <p:nvCxnSpPr>
-          <p:cNvPr id="35" name="直接箭头连接符 34">
-            <a:extLst>
-              <a:ext uri="{FF2B5EF4-FFF2-40B4-BE49-F238E27FC236}">
-                <a16:creationId xmlns:a16="http://schemas.microsoft.com/office/drawing/2014/main" id="{0DA03B8E-6ACC-5653-CD96-4057AC2EE09C}"/>
-              </a:ext>
-            </a:extLst>
-          </p:cNvPr>
-          <p:cNvCxnSpPr>
-            <a:cxnSpLocks/>
-            <a:endCxn id="31" idx="1"/>
-          </p:cNvCxnSpPr>
-          <p:nvPr/>
-        </p:nvCxnSpPr>
-        <p:spPr>
-          <a:xfrm flipV="1">
-            <a:off x="2331750" y="5211442"/>
-            <a:ext cx="0" cy="369332"/>
-          </a:xfrm>
-          <a:prstGeom prst="straightConnector1">
-            <a:avLst/>
-          </a:prstGeom>
-          <a:ln>
-            <a:tailEnd type="triangle"/>
-          </a:ln>
-        </p:spPr>
-        <p:style>
-          <a:lnRef idx="1">
-            <a:schemeClr val="accent6"/>
-          </a:lnRef>
-          <a:fillRef idx="0">
-            <a:schemeClr val="accent6"/>
-          </a:fillRef>
-          <a:effectRef idx="0">
-            <a:schemeClr val="accent6"/>
-          </a:effectRef>
-          <a:fontRef idx="minor">
-            <a:schemeClr val="tx1"/>
-          </a:fontRef>
-        </p:style>
-      </p:cxnSp>
-    </p:spTree>
-    <p:extLst>
-      <p:ext uri="{BB962C8B-B14F-4D97-AF65-F5344CB8AC3E}">
-        <p14:creationId xmlns:p14="http://schemas.microsoft.com/office/powerpoint/2010/main" val="1782511233"/>
+        <p14:creationId xmlns:p14="http://schemas.microsoft.com/office/powerpoint/2010/main" val="464544489"/>
       </p:ext>
     </p:extLst>
   </p:cSld>
@@ -23291,7 +27400,7 @@
                   <a:srgbClr val="0070C0"/>
                 </a:solidFill>
               </a:rPr>
-              <a:t>YouroQNet learns semantical word representation</a:t>
+              <a:t>YouroQNet for Quantum Sequence Classification</a:t>
             </a:r>
             <a:endParaRPr lang="zh-CN" altLang="en-US" sz="3600" dirty="0">
               <a:solidFill>
@@ -23331,13 +27440,18 @@
           <a:lstStyle/>
           <a:p>
             <a:r>
-              <a:rPr lang="en-US" altLang="zh-CN" sz="2800" dirty="0">
+              <a:rPr lang="en-US" altLang="zh-CN" dirty="0">
                 <a:solidFill>
                   <a:schemeClr val="accent5"/>
                 </a:solidFill>
               </a:rPr>
-              <a:t>fuses all tricks of</a:t>
+              <a:t>YouroQNet :=</a:t>
             </a:r>
+            <a:endParaRPr lang="en-US" altLang="zh-CN" sz="2800" dirty="0">
+              <a:solidFill>
+                <a:schemeClr val="accent5"/>
+              </a:solidFill>
+            </a:endParaRPr>
           </a:p>
           <a:p>
             <a:pPr lvl="1"/>
@@ -23347,7 +27461,7 @@
                   <a:srgbClr val="FF0000"/>
                 </a:solidFill>
               </a:rPr>
-              <a:t>representation learning</a:t>
+              <a:t>pure variational quantum circuit</a:t>
             </a:r>
           </a:p>
           <a:p>
@@ -23358,29 +27472,7 @@
                   <a:schemeClr val="accent5"/>
                 </a:solidFill>
               </a:rPr>
-              <a:t>modal separation for parameters</a:t>
-            </a:r>
-          </a:p>
-          <a:p>
-            <a:pPr lvl="1"/>
-            <a:r>
-              <a:rPr lang="en-US" altLang="zh-CN" dirty="0">
-                <a:solidFill>
-                  <a:schemeClr val="accent5"/>
-                </a:solidFill>
-              </a:rPr>
-              <a:t>convolutional</a:t>
-            </a:r>
-          </a:p>
-          <a:p>
-            <a:pPr lvl="1"/>
-            <a:r>
-              <a:rPr lang="en-US" altLang="zh-CN" dirty="0">
-                <a:solidFill>
-                  <a:schemeClr val="accent5"/>
-                </a:solidFill>
-              </a:rPr>
-              <a:t>recurrent</a:t>
+              <a:t>representation learning</a:t>
             </a:r>
           </a:p>
           <a:p>
@@ -23402,160 +27494,140 @@
               </a:solidFill>
             </a:endParaRPr>
           </a:p>
+          <a:p>
+            <a:r>
+              <a:rPr lang="en-US" altLang="zh-CN" dirty="0">
+                <a:solidFill>
+                  <a:schemeClr val="accent5"/>
+                </a:solidFill>
+              </a:rPr>
+              <a:t>what is for</a:t>
+            </a:r>
+          </a:p>
+          <a:p>
+            <a:pPr lvl="1"/>
+            <a:r>
+              <a:rPr lang="en-US" altLang="zh-CN" dirty="0">
+                <a:solidFill>
+                  <a:schemeClr val="accent5"/>
+                </a:solidFill>
+              </a:rPr>
+              <a:t>sequence classification</a:t>
+            </a:r>
+          </a:p>
+          <a:p>
+            <a:pPr lvl="1"/>
+            <a:r>
+              <a:rPr lang="en-US" altLang="zh-CN" dirty="0">
+                <a:solidFill>
+                  <a:schemeClr val="accent5"/>
+                </a:solidFill>
+              </a:rPr>
+              <a:t>feature abstraction</a:t>
+            </a:r>
+          </a:p>
+          <a:p>
+            <a:pPr lvl="1"/>
+            <a:endParaRPr lang="en-US" altLang="zh-CN" dirty="0">
+              <a:solidFill>
+                <a:schemeClr val="accent5"/>
+              </a:solidFill>
+            </a:endParaRPr>
+          </a:p>
+          <a:p>
+            <a:pPr lvl="1"/>
+            <a:endParaRPr lang="en-US" altLang="zh-CN" dirty="0">
+              <a:solidFill>
+                <a:schemeClr val="accent5"/>
+              </a:solidFill>
+            </a:endParaRPr>
+          </a:p>
         </p:txBody>
       </p:sp>
-      <mc:AlternateContent xmlns:mc="http://schemas.openxmlformats.org/markup-compatibility/2006" xmlns:a14="http://schemas.microsoft.com/office/drawing/2010/main">
-        <mc:Choice Requires="a14">
-          <p:sp>
-            <p:nvSpPr>
-              <p:cNvPr id="4" name="文本框 3">
-                <a:extLst>
-                  <a:ext uri="{FF2B5EF4-FFF2-40B4-BE49-F238E27FC236}">
-                    <a16:creationId xmlns:a16="http://schemas.microsoft.com/office/drawing/2014/main" id="{EF9077C0-9F39-4FD0-5ADE-559340DAE7BF}"/>
-                  </a:ext>
-                </a:extLst>
-              </p:cNvPr>
-              <p:cNvSpPr txBox="1"/>
-              <p:nvPr/>
-            </p:nvSpPr>
-            <p:spPr>
-              <a:xfrm>
-                <a:off x="6393942" y="2998626"/>
-                <a:ext cx="4158234" cy="1230080"/>
-              </a:xfrm>
-              <a:prstGeom prst="rect">
-                <a:avLst/>
-              </a:prstGeom>
-              <a:noFill/>
-            </p:spPr>
-            <p:txBody>
-              <a:bodyPr wrap="square">
-                <a:spAutoFit/>
-              </a:bodyPr>
-              <a:lstStyle/>
-              <a:p>
-                <a:pPr algn="ctr"/>
-                <a:r>
-                  <a:rPr lang="en-US" altLang="zh-CN" sz="2400" dirty="0">
-                    <a:solidFill>
-                      <a:schemeClr val="accent5"/>
-                    </a:solidFill>
-                  </a:rPr>
-                  <a:t>Train the word embedding</a:t>
-                </a:r>
-                <a14:m>
-                  <m:oMath xmlns:m="http://schemas.openxmlformats.org/officeDocument/2006/math">
-                    <m:r>
-                      <a:rPr lang="en-US" altLang="zh-CN" sz="2400" b="0" i="0" smtClean="0">
-                        <a:solidFill>
-                          <a:srgbClr val="00B050"/>
-                        </a:solidFill>
-                        <a:latin typeface="Cambria Math" panose="02040503050406030204" pitchFamily="18" charset="0"/>
-                      </a:rPr>
-                      <m:t> </m:t>
-                    </m:r>
-                    <m:sSub>
-                      <m:sSubPr>
-                        <m:ctrlPr>
-                          <a:rPr lang="en-US" altLang="zh-CN" sz="2400" i="1">
-                            <a:solidFill>
-                              <a:srgbClr val="00B050"/>
-                            </a:solidFill>
-                            <a:latin typeface="Cambria Math" panose="02040503050406030204" pitchFamily="18" charset="0"/>
-                          </a:rPr>
-                        </m:ctrlPr>
-                      </m:sSubPr>
-                      <m:e>
-                        <m:r>
-                          <a:rPr lang="zh-CN" altLang="en-US" sz="2400">
-                            <a:solidFill>
-                              <a:srgbClr val="00B050"/>
-                            </a:solidFill>
-                            <a:latin typeface="Cambria Math" panose="02040503050406030204" pitchFamily="18" charset="0"/>
-                          </a:rPr>
-                          <m:t>𝜃</m:t>
-                        </m:r>
-                      </m:e>
-                      <m:sub>
-                        <m:r>
-                          <a:rPr lang="en-US" altLang="zh-CN" sz="2400">
-                            <a:solidFill>
-                              <a:srgbClr val="00B050"/>
-                            </a:solidFill>
-                            <a:latin typeface="Cambria Math" panose="02040503050406030204" pitchFamily="18" charset="0"/>
-                          </a:rPr>
-                          <m:t>𝑗</m:t>
-                        </m:r>
-                      </m:sub>
-                    </m:sSub>
-                  </m:oMath>
-                </a14:m>
-                <a:r>
-                  <a:rPr lang="en-US" altLang="zh-CN" sz="2400" dirty="0">
-                    <a:solidFill>
-                      <a:schemeClr val="accent5"/>
-                    </a:solidFill>
-                  </a:rPr>
-                  <a:t> whose channels are partially temporally dependent.</a:t>
-                </a:r>
-                <a:endParaRPr lang="zh-CN" altLang="en-US" sz="2400" dirty="0">
-                  <a:solidFill>
-                    <a:schemeClr val="accent5"/>
-                  </a:solidFill>
-                </a:endParaRPr>
-              </a:p>
-            </p:txBody>
-          </p:sp>
-        </mc:Choice>
-        <mc:Fallback xmlns="">
-          <p:sp>
-            <p:nvSpPr>
-              <p:cNvPr id="4" name="文本框 3">
-                <a:extLst>
-                  <a:ext uri="{FF2B5EF4-FFF2-40B4-BE49-F238E27FC236}">
-                    <a16:creationId xmlns:a16="http://schemas.microsoft.com/office/drawing/2014/main" id="{EF9077C0-9F39-4FD0-5ADE-559340DAE7BF}"/>
-                  </a:ext>
-                </a:extLst>
-              </p:cNvPr>
-              <p:cNvSpPr txBox="1">
-                <a:spLocks noRot="1" noChangeAspect="1" noMove="1" noResize="1" noEditPoints="1" noAdjustHandles="1" noChangeArrowheads="1" noChangeShapeType="1" noTextEdit="1"/>
-              </p:cNvSpPr>
-              <p:nvPr/>
-            </p:nvSpPr>
-            <p:spPr>
-              <a:xfrm>
-                <a:off x="6393942" y="2998626"/>
-                <a:ext cx="4158234" cy="1230080"/>
-              </a:xfrm>
-              <a:prstGeom prst="rect">
-                <a:avLst/>
-              </a:prstGeom>
-              <a:blipFill>
-                <a:blip r:embed="rId2"/>
-                <a:stretch>
-                  <a:fillRect t="-3960" b="-10396"/>
-                </a:stretch>
-              </a:blipFill>
-            </p:spPr>
-            <p:txBody>
-              <a:bodyPr/>
-              <a:lstStyle/>
-              <a:p>
-                <a:r>
-                  <a:rPr lang="zh-CN" altLang="en-US">
-                    <a:noFill/>
-                  </a:rPr>
-                  <a:t> </a:t>
-                </a:r>
-              </a:p>
-            </p:txBody>
-          </p:sp>
-        </mc:Fallback>
-      </mc:AlternateContent>
+      <p:sp>
+        <p:nvSpPr>
+          <p:cNvPr id="7" name="文本框 6">
+            <a:extLst>
+              <a:ext uri="{FF2B5EF4-FFF2-40B4-BE49-F238E27FC236}">
+                <a16:creationId xmlns:a16="http://schemas.microsoft.com/office/drawing/2014/main" id="{E6C183D6-9725-300E-4835-2EAE5D902B35}"/>
+              </a:ext>
+            </a:extLst>
+          </p:cNvPr>
+          <p:cNvSpPr txBox="1"/>
+          <p:nvPr/>
+        </p:nvSpPr>
+        <p:spPr>
+          <a:xfrm>
+            <a:off x="6941193" y="5739730"/>
+            <a:ext cx="3109505" cy="369332"/>
+          </a:xfrm>
+          <a:prstGeom prst="rect">
+            <a:avLst/>
+          </a:prstGeom>
+          <a:noFill/>
+        </p:spPr>
+        <p:txBody>
+          <a:bodyPr wrap="square">
+            <a:spAutoFit/>
+          </a:bodyPr>
+          <a:lstStyle/>
+          <a:p>
+            <a:r>
+              <a:rPr lang="en-US" altLang="zh-CN" sz="1800" dirty="0">
+                <a:solidFill>
+                  <a:srgbClr val="0070C0"/>
+                </a:solidFill>
+              </a:rPr>
+              <a:t>YouroQNet general architecture</a:t>
+            </a:r>
+            <a:endParaRPr lang="zh-CN" altLang="en-US" dirty="0"/>
+          </a:p>
+        </p:txBody>
+      </p:sp>
+      <p:pic>
+        <p:nvPicPr>
+          <p:cNvPr id="5" name="图片 4">
+            <a:extLst>
+              <a:ext uri="{FF2B5EF4-FFF2-40B4-BE49-F238E27FC236}">
+                <a16:creationId xmlns:a16="http://schemas.microsoft.com/office/drawing/2014/main" id="{11B08A20-87C6-896B-1F85-9C6830169269}"/>
+              </a:ext>
+            </a:extLst>
+          </p:cNvPr>
+          <p:cNvPicPr>
+            <a:picLocks noChangeAspect="1"/>
+          </p:cNvPicPr>
+          <p:nvPr/>
+        </p:nvPicPr>
+        <p:blipFill>
+          <a:blip r:embed="rId2"/>
+          <a:stretch>
+            <a:fillRect/>
+          </a:stretch>
+        </p:blipFill>
+        <p:spPr>
+          <a:xfrm>
+            <a:off x="5571363" y="2742889"/>
+            <a:ext cx="5849166" cy="2848373"/>
+          </a:xfrm>
+          <a:prstGeom prst="rect">
+            <a:avLst/>
+          </a:prstGeom>
+          <a:ln>
+            <a:noFill/>
+          </a:ln>
+          <a:effectLst>
+            <a:outerShdw blurRad="292100" dist="139700" dir="2700000" algn="tl" rotWithShape="0">
+              <a:srgbClr val="333333">
+                <a:alpha val="65000"/>
+              </a:srgbClr>
+            </a:outerShdw>
+          </a:effectLst>
+        </p:spPr>
+      </p:pic>
     </p:spTree>
     <p:extLst>
       <p:ext uri="{BB962C8B-B14F-4D97-AF65-F5344CB8AC3E}">
-        <p14:creationId xmlns:p14="http://schemas.microsoft.com/office/powerpoint/2010/main" val="551565791"/>
+        <p14:creationId xmlns:p14="http://schemas.microsoft.com/office/powerpoint/2010/main" val="2811295184"/>
       </p:ext>
     </p:extLst>
   </p:cSld>
